--- a/sito/powerpoint.pptx
+++ b/sito/powerpoint.pptx
@@ -2,14 +2,26 @@
 <file path=ppt/presentation.xml><?xml version="1.0" encoding="utf-8"?>
 <p:presentation xmlns:a="http://schemas.openxmlformats.org/drawingml/2006/main" xmlns:r="http://schemas.openxmlformats.org/officeDocument/2006/relationships" xmlns:p="http://schemas.openxmlformats.org/presentationml/2006/main" saveSubsetFonts="1">
   <p:sldMasterIdLst>
-    <p:sldMasterId id="2147483660" r:id="rId1"/>
+    <p:sldMasterId id="2147483672" r:id="rId1"/>
+    <p:sldMasterId id="2147483674" r:id="rId2"/>
+    <p:sldMasterId id="2147483660" r:id="rId3"/>
   </p:sldMasterIdLst>
   <p:sldIdLst>
-    <p:sldId id="256" r:id="rId2"/>
-    <p:sldId id="257" r:id="rId3"/>
-    <p:sldId id="258" r:id="rId4"/>
-    <p:sldId id="259" r:id="rId5"/>
-    <p:sldId id="260" r:id="rId6"/>
+    <p:sldId id="271" r:id="rId4"/>
+    <p:sldId id="260" r:id="rId5"/>
+    <p:sldId id="256" r:id="rId6"/>
+    <p:sldId id="257" r:id="rId7"/>
+    <p:sldId id="258" r:id="rId8"/>
+    <p:sldId id="259" r:id="rId9"/>
+    <p:sldId id="267" r:id="rId10"/>
+    <p:sldId id="268" r:id="rId11"/>
+    <p:sldId id="269" r:id="rId12"/>
+    <p:sldId id="270" r:id="rId13"/>
+    <p:sldId id="261" r:id="rId14"/>
+    <p:sldId id="262" r:id="rId15"/>
+    <p:sldId id="263" r:id="rId16"/>
+    <p:sldId id="265" r:id="rId17"/>
+    <p:sldId id="266" r:id="rId18"/>
   </p:sldIdLst>
   <p:sldSz cx="12192000" cy="6858000"/>
   <p:notesSz cx="6858000" cy="9144000"/>
@@ -108,6 +120,11 @@
       </a:defRPr>
     </a:lvl9pPr>
   </p:defaultTextStyle>
+  <p:extLst>
+    <p:ext uri="{EFAFB233-063F-42B5-8137-9DF3F51BA10A}">
+      <p15:sldGuideLst xmlns:p15="http://schemas.microsoft.com/office/powerpoint/2012/main"/>
+    </p:ext>
+  </p:extLst>
 </p:presentation>
 </file>
 
@@ -335,7 +352,7 @@
           <a:p>
             <a:fld id="{2CA084A8-9174-48B1-A365-736150A5F499}" type="datetimeFigureOut">
               <a:rPr lang="it-IT" smtClean="0"/>
-              <a:t>18/05/2021</a:t>
+              <a:t>19/05/2021</a:t>
             </a:fld>
             <a:endParaRPr lang="it-IT"/>
           </a:p>
@@ -505,7 +522,7 @@
           <a:p>
             <a:fld id="{2CA084A8-9174-48B1-A365-736150A5F499}" type="datetimeFigureOut">
               <a:rPr lang="it-IT" smtClean="0"/>
-              <a:t>18/05/2021</a:t>
+              <a:t>19/05/2021</a:t>
             </a:fld>
             <a:endParaRPr lang="it-IT"/>
           </a:p>
@@ -685,7 +702,7 @@
           <a:p>
             <a:fld id="{2CA084A8-9174-48B1-A365-736150A5F499}" type="datetimeFigureOut">
               <a:rPr lang="it-IT" smtClean="0"/>
-              <a:t>18/05/2021</a:t>
+              <a:t>19/05/2021</a:t>
             </a:fld>
             <a:endParaRPr lang="it-IT"/>
           </a:p>
@@ -737,6 +754,631 @@
     <p:extLst>
       <p:ext uri="{BB962C8B-B14F-4D97-AF65-F5344CB8AC3E}">
         <p14:creationId xmlns:p14="http://schemas.microsoft.com/office/powerpoint/2010/main" val="1589197498"/>
+      </p:ext>
+    </p:extLst>
+  </p:cSld>
+  <p:clrMapOvr>
+    <a:masterClrMapping/>
+  </p:clrMapOvr>
+</p:sldLayout>
+</file>
+
+<file path=ppt/slideLayouts/slideLayout12.xml><?xml version="1.0" encoding="utf-8"?>
+<p:sldLayout xmlns:a="http://schemas.openxmlformats.org/drawingml/2006/main" xmlns:r="http://schemas.openxmlformats.org/officeDocument/2006/relationships" xmlns:p="http://schemas.openxmlformats.org/presentationml/2006/main" type="obj" preserve="1">
+  <p:cSld name="Titolo e contenuto">
+    <p:spTree>
+      <p:nvGrpSpPr>
+        <p:cNvPr id="1" name=""/>
+        <p:cNvGrpSpPr/>
+        <p:nvPr/>
+      </p:nvGrpSpPr>
+      <p:grpSpPr>
+        <a:xfrm>
+          <a:off x="0" y="0"/>
+          <a:ext cx="0" cy="0"/>
+          <a:chOff x="0" y="0"/>
+          <a:chExt cx="0" cy="0"/>
+        </a:xfrm>
+      </p:grpSpPr>
+      <p:sp>
+        <p:nvSpPr>
+          <p:cNvPr id="2" name="Title 1"/>
+          <p:cNvSpPr>
+            <a:spLocks noGrp="1"/>
+          </p:cNvSpPr>
+          <p:nvPr>
+            <p:ph type="title"/>
+          </p:nvPr>
+        </p:nvSpPr>
+        <p:spPr/>
+        <p:txBody>
+          <a:bodyPr/>
+          <a:lstStyle/>
+          <a:p>
+            <a:r>
+              <a:rPr lang="it-IT"/>
+              <a:t>Fare clic per modificare lo stile del titolo dello schema</a:t>
+            </a:r>
+            <a:endParaRPr lang="en-US" dirty="0"/>
+          </a:p>
+        </p:txBody>
+      </p:sp>
+      <p:sp>
+        <p:nvSpPr>
+          <p:cNvPr id="3" name="Content Placeholder 2"/>
+          <p:cNvSpPr>
+            <a:spLocks noGrp="1"/>
+          </p:cNvSpPr>
+          <p:nvPr>
+            <p:ph idx="1"/>
+          </p:nvPr>
+        </p:nvSpPr>
+        <p:spPr/>
+        <p:txBody>
+          <a:bodyPr/>
+          <a:lstStyle/>
+          <a:p>
+            <a:pPr lvl="0"/>
+            <a:r>
+              <a:rPr lang="it-IT"/>
+              <a:t>Fare clic per modificare gli stili del testo dello schema</a:t>
+            </a:r>
+          </a:p>
+          <a:p>
+            <a:pPr lvl="1"/>
+            <a:r>
+              <a:rPr lang="it-IT"/>
+              <a:t>Secondo livello</a:t>
+            </a:r>
+          </a:p>
+          <a:p>
+            <a:pPr lvl="2"/>
+            <a:r>
+              <a:rPr lang="it-IT"/>
+              <a:t>Terzo livello</a:t>
+            </a:r>
+          </a:p>
+          <a:p>
+            <a:pPr lvl="3"/>
+            <a:r>
+              <a:rPr lang="it-IT"/>
+              <a:t>Quarto livello</a:t>
+            </a:r>
+          </a:p>
+          <a:p>
+            <a:pPr lvl="4"/>
+            <a:r>
+              <a:rPr lang="it-IT"/>
+              <a:t>Quinto livello</a:t>
+            </a:r>
+            <a:endParaRPr lang="en-US" dirty="0"/>
+          </a:p>
+        </p:txBody>
+      </p:sp>
+      <p:sp>
+        <p:nvSpPr>
+          <p:cNvPr id="4" name="Date Placeholder 3"/>
+          <p:cNvSpPr>
+            <a:spLocks noGrp="1"/>
+          </p:cNvSpPr>
+          <p:nvPr>
+            <p:ph type="dt" sz="half" idx="10"/>
+          </p:nvPr>
+        </p:nvSpPr>
+        <p:spPr/>
+        <p:txBody>
+          <a:bodyPr/>
+          <a:lstStyle/>
+          <a:p>
+            <a:fld id="{AB5F3EA2-965B-47A4-ADC2-5A2C2173809F}" type="datetimeFigureOut">
+              <a:rPr lang="it-IT" smtClean="0"/>
+              <a:t>19/05/2021</a:t>
+            </a:fld>
+            <a:endParaRPr lang="it-IT"/>
+          </a:p>
+        </p:txBody>
+      </p:sp>
+      <p:sp>
+        <p:nvSpPr>
+          <p:cNvPr id="5" name="Footer Placeholder 4"/>
+          <p:cNvSpPr>
+            <a:spLocks noGrp="1"/>
+          </p:cNvSpPr>
+          <p:nvPr>
+            <p:ph type="ftr" sz="quarter" idx="11"/>
+          </p:nvPr>
+        </p:nvSpPr>
+        <p:spPr/>
+        <p:txBody>
+          <a:bodyPr/>
+          <a:lstStyle/>
+          <a:p>
+            <a:endParaRPr lang="it-IT"/>
+          </a:p>
+        </p:txBody>
+      </p:sp>
+      <p:sp>
+        <p:nvSpPr>
+          <p:cNvPr id="6" name="Slide Number Placeholder 5"/>
+          <p:cNvSpPr>
+            <a:spLocks noGrp="1"/>
+          </p:cNvSpPr>
+          <p:nvPr>
+            <p:ph type="sldNum" sz="quarter" idx="12"/>
+          </p:nvPr>
+        </p:nvSpPr>
+        <p:spPr/>
+        <p:txBody>
+          <a:bodyPr/>
+          <a:lstStyle/>
+          <a:p>
+            <a:fld id="{04600A69-0B82-4A12-AFB7-1DB69CFE19E7}" type="slidenum">
+              <a:rPr lang="it-IT" smtClean="0"/>
+              <a:t>‹N›</a:t>
+            </a:fld>
+            <a:endParaRPr lang="it-IT"/>
+          </a:p>
+        </p:txBody>
+      </p:sp>
+    </p:spTree>
+    <p:extLst>
+      <p:ext uri="{BB962C8B-B14F-4D97-AF65-F5344CB8AC3E}">
+        <p14:creationId xmlns:p14="http://schemas.microsoft.com/office/powerpoint/2010/main" val="4152062514"/>
+      </p:ext>
+    </p:extLst>
+  </p:cSld>
+  <p:clrMapOvr>
+    <a:masterClrMapping/>
+  </p:clrMapOvr>
+</p:sldLayout>
+</file>
+
+<file path=ppt/slideLayouts/slideLayout13.xml><?xml version="1.0" encoding="utf-8"?>
+<p:sldLayout xmlns:a="http://schemas.openxmlformats.org/drawingml/2006/main" xmlns:r="http://schemas.openxmlformats.org/officeDocument/2006/relationships" xmlns:p="http://schemas.openxmlformats.org/presentationml/2006/main" type="obj" preserve="1">
+  <p:cSld name="Titolo e contenuto">
+    <p:spTree>
+      <p:nvGrpSpPr>
+        <p:cNvPr id="1" name=""/>
+        <p:cNvGrpSpPr/>
+        <p:nvPr/>
+      </p:nvGrpSpPr>
+      <p:grpSpPr>
+        <a:xfrm>
+          <a:off x="0" y="0"/>
+          <a:ext cx="0" cy="0"/>
+          <a:chOff x="0" y="0"/>
+          <a:chExt cx="0" cy="0"/>
+        </a:xfrm>
+      </p:grpSpPr>
+      <p:sp>
+        <p:nvSpPr>
+          <p:cNvPr id="2" name="Title 1"/>
+          <p:cNvSpPr>
+            <a:spLocks noGrp="1"/>
+          </p:cNvSpPr>
+          <p:nvPr>
+            <p:ph type="title"/>
+          </p:nvPr>
+        </p:nvSpPr>
+        <p:spPr/>
+        <p:txBody>
+          <a:bodyPr/>
+          <a:lstStyle/>
+          <a:p>
+            <a:r>
+              <a:rPr lang="it-IT"/>
+              <a:t>Fare clic per modificare lo stile del titolo</a:t>
+            </a:r>
+            <a:endParaRPr lang="en-US" dirty="0"/>
+          </a:p>
+        </p:txBody>
+      </p:sp>
+      <p:sp>
+        <p:nvSpPr>
+          <p:cNvPr id="3" name="Content Placeholder 2"/>
+          <p:cNvSpPr>
+            <a:spLocks noGrp="1"/>
+          </p:cNvSpPr>
+          <p:nvPr>
+            <p:ph idx="1"/>
+          </p:nvPr>
+        </p:nvSpPr>
+        <p:spPr/>
+        <p:txBody>
+          <a:bodyPr/>
+          <a:lstStyle/>
+          <a:p>
+            <a:pPr lvl="0"/>
+            <a:r>
+              <a:rPr lang="it-IT"/>
+              <a:t>Modifica gli stili del testo dello schema</a:t>
+            </a:r>
+          </a:p>
+          <a:p>
+            <a:pPr lvl="1"/>
+            <a:r>
+              <a:rPr lang="it-IT"/>
+              <a:t>Secondo livello</a:t>
+            </a:r>
+          </a:p>
+          <a:p>
+            <a:pPr lvl="2"/>
+            <a:r>
+              <a:rPr lang="it-IT"/>
+              <a:t>Terzo livello</a:t>
+            </a:r>
+          </a:p>
+          <a:p>
+            <a:pPr lvl="3"/>
+            <a:r>
+              <a:rPr lang="it-IT"/>
+              <a:t>Quarto livello</a:t>
+            </a:r>
+          </a:p>
+          <a:p>
+            <a:pPr lvl="4"/>
+            <a:r>
+              <a:rPr lang="it-IT"/>
+              <a:t>Quinto livello</a:t>
+            </a:r>
+            <a:endParaRPr lang="en-US" dirty="0"/>
+          </a:p>
+        </p:txBody>
+      </p:sp>
+      <p:sp>
+        <p:nvSpPr>
+          <p:cNvPr id="4" name="Date Placeholder 3"/>
+          <p:cNvSpPr>
+            <a:spLocks noGrp="1"/>
+          </p:cNvSpPr>
+          <p:nvPr>
+            <p:ph type="dt" sz="half" idx="10"/>
+          </p:nvPr>
+        </p:nvSpPr>
+        <p:spPr/>
+        <p:txBody>
+          <a:bodyPr/>
+          <a:lstStyle/>
+          <a:p>
+            <a:fld id="{CDB97B79-D4F6-4DE3-83F5-F645C1581DFF}" type="datetimeFigureOut">
+              <a:rPr lang="it-IT" smtClean="0"/>
+              <a:t>19/05/2021</a:t>
+            </a:fld>
+            <a:endParaRPr lang="it-IT"/>
+          </a:p>
+        </p:txBody>
+      </p:sp>
+      <p:sp>
+        <p:nvSpPr>
+          <p:cNvPr id="5" name="Footer Placeholder 4"/>
+          <p:cNvSpPr>
+            <a:spLocks noGrp="1"/>
+          </p:cNvSpPr>
+          <p:nvPr>
+            <p:ph type="ftr" sz="quarter" idx="11"/>
+          </p:nvPr>
+        </p:nvSpPr>
+        <p:spPr/>
+        <p:txBody>
+          <a:bodyPr/>
+          <a:lstStyle/>
+          <a:p>
+            <a:endParaRPr lang="it-IT"/>
+          </a:p>
+        </p:txBody>
+      </p:sp>
+      <p:sp>
+        <p:nvSpPr>
+          <p:cNvPr id="6" name="Slide Number Placeholder 5"/>
+          <p:cNvSpPr>
+            <a:spLocks noGrp="1"/>
+          </p:cNvSpPr>
+          <p:nvPr>
+            <p:ph type="sldNum" sz="quarter" idx="12"/>
+          </p:nvPr>
+        </p:nvSpPr>
+        <p:spPr/>
+        <p:txBody>
+          <a:bodyPr/>
+          <a:lstStyle/>
+          <a:p>
+            <a:fld id="{5D3A7FDA-D582-4B7C-86F0-CE0AC806BB4D}" type="slidenum">
+              <a:rPr lang="it-IT" smtClean="0"/>
+              <a:t>‹N›</a:t>
+            </a:fld>
+            <a:endParaRPr lang="it-IT"/>
+          </a:p>
+        </p:txBody>
+      </p:sp>
+    </p:spTree>
+    <p:extLst>
+      <p:ext uri="{BB962C8B-B14F-4D97-AF65-F5344CB8AC3E}">
+        <p14:creationId xmlns:p14="http://schemas.microsoft.com/office/powerpoint/2010/main" val="1892005842"/>
+      </p:ext>
+    </p:extLst>
+  </p:cSld>
+  <p:clrMapOvr>
+    <a:masterClrMapping/>
+  </p:clrMapOvr>
+</p:sldLayout>
+</file>
+
+<file path=ppt/slideLayouts/slideLayout14.xml><?xml version="1.0" encoding="utf-8"?>
+<p:sldLayout xmlns:a="http://schemas.openxmlformats.org/drawingml/2006/main" xmlns:r="http://schemas.openxmlformats.org/officeDocument/2006/relationships" xmlns:p="http://schemas.openxmlformats.org/presentationml/2006/main" showMasterSp="0" type="title" preserve="1">
+  <p:cSld name="Diapositiva titolo">
+    <p:spTree>
+      <p:nvGrpSpPr>
+        <p:cNvPr id="1" name=""/>
+        <p:cNvGrpSpPr/>
+        <p:nvPr/>
+      </p:nvGrpSpPr>
+      <p:grpSpPr>
+        <a:xfrm>
+          <a:off x="0" y="0"/>
+          <a:ext cx="0" cy="0"/>
+          <a:chOff x="0" y="0"/>
+          <a:chExt cx="0" cy="0"/>
+        </a:xfrm>
+      </p:grpSpPr>
+      <p:sp>
+        <p:nvSpPr>
+          <p:cNvPr id="7" name="Rectangle 6"/>
+          <p:cNvSpPr/>
+          <p:nvPr/>
+        </p:nvSpPr>
+        <p:spPr>
+          <a:xfrm>
+            <a:off x="0" y="761999"/>
+            <a:ext cx="9141619" cy="5334001"/>
+          </a:xfrm>
+          <a:prstGeom prst="rect">
+            <a:avLst/>
+          </a:prstGeom>
+          <a:solidFill>
+            <a:schemeClr val="accent1"/>
+          </a:solidFill>
+          <a:ln>
+            <a:noFill/>
+          </a:ln>
+        </p:spPr>
+        <p:style>
+          <a:lnRef idx="2">
+            <a:schemeClr val="accent1">
+              <a:shade val="50000"/>
+            </a:schemeClr>
+          </a:lnRef>
+          <a:fillRef idx="1">
+            <a:schemeClr val="accent1"/>
+          </a:fillRef>
+          <a:effectRef idx="0">
+            <a:schemeClr val="accent1"/>
+          </a:effectRef>
+          <a:fontRef idx="minor">
+            <a:schemeClr val="lt1"/>
+          </a:fontRef>
+        </p:style>
+      </p:sp>
+      <p:sp>
+        <p:nvSpPr>
+          <p:cNvPr id="8" name="Rectangle 7"/>
+          <p:cNvSpPr/>
+          <p:nvPr/>
+        </p:nvSpPr>
+        <p:spPr>
+          <a:xfrm>
+            <a:off x="9270263" y="761999"/>
+            <a:ext cx="2925318" cy="5334001"/>
+          </a:xfrm>
+          <a:prstGeom prst="rect">
+            <a:avLst/>
+          </a:prstGeom>
+          <a:solidFill>
+            <a:srgbClr val="C8C8C8">
+              <a:alpha val="49804"/>
+            </a:srgbClr>
+          </a:solidFill>
+          <a:ln>
+            <a:noFill/>
+          </a:ln>
+        </p:spPr>
+        <p:style>
+          <a:lnRef idx="2">
+            <a:schemeClr val="accent1">
+              <a:shade val="50000"/>
+            </a:schemeClr>
+          </a:lnRef>
+          <a:fillRef idx="1">
+            <a:schemeClr val="accent1"/>
+          </a:fillRef>
+          <a:effectRef idx="0">
+            <a:schemeClr val="accent1"/>
+          </a:effectRef>
+          <a:fontRef idx="minor">
+            <a:schemeClr val="lt1"/>
+          </a:fontRef>
+        </p:style>
+      </p:sp>
+      <p:sp>
+        <p:nvSpPr>
+          <p:cNvPr id="2" name="Title 1"/>
+          <p:cNvSpPr>
+            <a:spLocks noGrp="1"/>
+          </p:cNvSpPr>
+          <p:nvPr>
+            <p:ph type="ctrTitle"/>
+          </p:nvPr>
+        </p:nvSpPr>
+        <p:spPr>
+          <a:xfrm>
+            <a:off x="1069848" y="1298448"/>
+            <a:ext cx="7315200" cy="3255264"/>
+          </a:xfrm>
+        </p:spPr>
+        <p:txBody>
+          <a:bodyPr anchor="b">
+            <a:normAutofit/>
+          </a:bodyPr>
+          <a:lstStyle>
+            <a:lvl1pPr algn="l">
+              <a:defRPr sz="5900" spc="-100" baseline="0">
+                <a:solidFill>
+                  <a:srgbClr val="FFFFFF"/>
+                </a:solidFill>
+              </a:defRPr>
+            </a:lvl1pPr>
+          </a:lstStyle>
+          <a:p>
+            <a:r>
+              <a:rPr lang="it-IT"/>
+              <a:t>Fare clic per modificare lo stile del titolo</a:t>
+            </a:r>
+            <a:endParaRPr lang="en-US" dirty="0"/>
+          </a:p>
+        </p:txBody>
+      </p:sp>
+      <p:sp>
+        <p:nvSpPr>
+          <p:cNvPr id="3" name="Subtitle 2"/>
+          <p:cNvSpPr>
+            <a:spLocks noGrp="1"/>
+          </p:cNvSpPr>
+          <p:nvPr>
+            <p:ph type="subTitle" idx="1"/>
+          </p:nvPr>
+        </p:nvSpPr>
+        <p:spPr>
+          <a:xfrm>
+            <a:off x="1100015" y="4670246"/>
+            <a:ext cx="7315200" cy="914400"/>
+          </a:xfrm>
+        </p:spPr>
+        <p:txBody>
+          <a:bodyPr anchor="t">
+            <a:normAutofit/>
+          </a:bodyPr>
+          <a:lstStyle>
+            <a:lvl1pPr marL="0" indent="0" algn="l">
+              <a:buNone/>
+              <a:defRPr sz="2200" cap="none" spc="0" baseline="0">
+                <a:solidFill>
+                  <a:schemeClr val="accent1">
+                    <a:lumMod val="20000"/>
+                    <a:lumOff val="80000"/>
+                  </a:schemeClr>
+                </a:solidFill>
+              </a:defRPr>
+            </a:lvl1pPr>
+            <a:lvl2pPr marL="457200" indent="0" algn="ctr">
+              <a:buNone/>
+              <a:defRPr sz="2200"/>
+            </a:lvl2pPr>
+            <a:lvl3pPr marL="914400" indent="0" algn="ctr">
+              <a:buNone/>
+              <a:defRPr sz="2200"/>
+            </a:lvl3pPr>
+            <a:lvl4pPr marL="1371600" indent="0" algn="ctr">
+              <a:buNone/>
+              <a:defRPr sz="2000"/>
+            </a:lvl4pPr>
+            <a:lvl5pPr marL="1828800" indent="0" algn="ctr">
+              <a:buNone/>
+              <a:defRPr sz="2000"/>
+            </a:lvl5pPr>
+            <a:lvl6pPr marL="2286000" indent="0" algn="ctr">
+              <a:buNone/>
+              <a:defRPr sz="2000"/>
+            </a:lvl6pPr>
+            <a:lvl7pPr marL="2743200" indent="0" algn="ctr">
+              <a:buNone/>
+              <a:defRPr sz="2000"/>
+            </a:lvl7pPr>
+            <a:lvl8pPr marL="3200400" indent="0" algn="ctr">
+              <a:buNone/>
+              <a:defRPr sz="2000"/>
+            </a:lvl8pPr>
+            <a:lvl9pPr marL="3657600" indent="0" algn="ctr">
+              <a:buNone/>
+              <a:defRPr sz="2000"/>
+            </a:lvl9pPr>
+          </a:lstStyle>
+          <a:p>
+            <a:r>
+              <a:rPr lang="it-IT"/>
+              <a:t>Fare clic per modificare lo stile del sottotitolo dello schema</a:t>
+            </a:r>
+            <a:endParaRPr lang="en-US" dirty="0"/>
+          </a:p>
+        </p:txBody>
+      </p:sp>
+      <p:sp>
+        <p:nvSpPr>
+          <p:cNvPr id="4" name="Date Placeholder 3"/>
+          <p:cNvSpPr>
+            <a:spLocks noGrp="1"/>
+          </p:cNvSpPr>
+          <p:nvPr>
+            <p:ph type="dt" sz="half" idx="10"/>
+          </p:nvPr>
+        </p:nvSpPr>
+        <p:spPr/>
+        <p:txBody>
+          <a:bodyPr/>
+          <a:lstStyle/>
+          <a:p>
+            <a:fld id="{CDB97B79-D4F6-4DE3-83F5-F645C1581DFF}" type="datetimeFigureOut">
+              <a:rPr lang="it-IT" smtClean="0"/>
+              <a:t>19/05/2021</a:t>
+            </a:fld>
+            <a:endParaRPr lang="it-IT"/>
+          </a:p>
+        </p:txBody>
+      </p:sp>
+      <p:sp>
+        <p:nvSpPr>
+          <p:cNvPr id="5" name="Footer Placeholder 4"/>
+          <p:cNvSpPr>
+            <a:spLocks noGrp="1"/>
+          </p:cNvSpPr>
+          <p:nvPr>
+            <p:ph type="ftr" sz="quarter" idx="11"/>
+          </p:nvPr>
+        </p:nvSpPr>
+        <p:spPr/>
+        <p:txBody>
+          <a:bodyPr/>
+          <a:lstStyle/>
+          <a:p>
+            <a:endParaRPr lang="it-IT"/>
+          </a:p>
+        </p:txBody>
+      </p:sp>
+      <p:sp>
+        <p:nvSpPr>
+          <p:cNvPr id="6" name="Slide Number Placeholder 5"/>
+          <p:cNvSpPr>
+            <a:spLocks noGrp="1"/>
+          </p:cNvSpPr>
+          <p:nvPr>
+            <p:ph type="sldNum" sz="quarter" idx="12"/>
+          </p:nvPr>
+        </p:nvSpPr>
+        <p:spPr/>
+        <p:txBody>
+          <a:bodyPr/>
+          <a:lstStyle/>
+          <a:p>
+            <a:fld id="{5D3A7FDA-D582-4B7C-86F0-CE0AC806BB4D}" type="slidenum">
+              <a:rPr lang="it-IT" smtClean="0"/>
+              <a:t>‹N›</a:t>
+            </a:fld>
+            <a:endParaRPr lang="it-IT"/>
+          </a:p>
+        </p:txBody>
+      </p:sp>
+    </p:spTree>
+    <p:extLst>
+      <p:ext uri="{BB962C8B-B14F-4D97-AF65-F5344CB8AC3E}">
+        <p14:creationId xmlns:p14="http://schemas.microsoft.com/office/powerpoint/2010/main" val="3278213296"/>
       </p:ext>
     </p:extLst>
   </p:cSld>
@@ -855,7 +1497,7 @@
           <a:p>
             <a:fld id="{2CA084A8-9174-48B1-A365-736150A5F499}" type="datetimeFigureOut">
               <a:rPr lang="it-IT" smtClean="0"/>
-              <a:t>18/05/2021</a:t>
+              <a:t>19/05/2021</a:t>
             </a:fld>
             <a:endParaRPr lang="it-IT"/>
           </a:p>
@@ -1113,7 +1755,7 @@
           <a:p>
             <a:fld id="{2CA084A8-9174-48B1-A365-736150A5F499}" type="datetimeFigureOut">
               <a:rPr lang="it-IT" smtClean="0"/>
-              <a:t>18/05/2021</a:t>
+              <a:t>19/05/2021</a:t>
             </a:fld>
             <a:endParaRPr lang="it-IT"/>
           </a:p>
@@ -1401,7 +2043,7 @@
           <a:p>
             <a:fld id="{2CA084A8-9174-48B1-A365-736150A5F499}" type="datetimeFigureOut">
               <a:rPr lang="it-IT" smtClean="0"/>
-              <a:t>18/05/2021</a:t>
+              <a:t>19/05/2021</a:t>
             </a:fld>
             <a:endParaRPr lang="it-IT"/>
           </a:p>
@@ -1843,7 +2485,7 @@
           <a:p>
             <a:fld id="{2CA084A8-9174-48B1-A365-736150A5F499}" type="datetimeFigureOut">
               <a:rPr lang="it-IT" smtClean="0"/>
-              <a:t>18/05/2021</a:t>
+              <a:t>19/05/2021</a:t>
             </a:fld>
             <a:endParaRPr lang="it-IT"/>
           </a:p>
@@ -1961,7 +2603,7 @@
           <a:p>
             <a:fld id="{2CA084A8-9174-48B1-A365-736150A5F499}" type="datetimeFigureOut">
               <a:rPr lang="it-IT" smtClean="0"/>
-              <a:t>18/05/2021</a:t>
+              <a:t>19/05/2021</a:t>
             </a:fld>
             <a:endParaRPr lang="it-IT"/>
           </a:p>
@@ -2056,7 +2698,7 @@
           <a:p>
             <a:fld id="{2CA084A8-9174-48B1-A365-736150A5F499}" type="datetimeFigureOut">
               <a:rPr lang="it-IT" smtClean="0"/>
-              <a:t>18/05/2021</a:t>
+              <a:t>19/05/2021</a:t>
             </a:fld>
             <a:endParaRPr lang="it-IT"/>
           </a:p>
@@ -2344,7 +2986,7 @@
           <a:p>
             <a:fld id="{2CA084A8-9174-48B1-A365-736150A5F499}" type="datetimeFigureOut">
               <a:rPr lang="it-IT" smtClean="0"/>
-              <a:t>18/05/2021</a:t>
+              <a:t>19/05/2021</a:t>
             </a:fld>
             <a:endParaRPr lang="it-IT"/>
           </a:p>
@@ -2617,7 +3259,7 @@
           <a:p>
             <a:fld id="{2CA084A8-9174-48B1-A365-736150A5F499}" type="datetimeFigureOut">
               <a:rPr lang="it-IT" smtClean="0"/>
-              <a:t>18/05/2021</a:t>
+              <a:t>19/05/2021</a:t>
             </a:fld>
             <a:endParaRPr lang="it-IT"/>
           </a:p>
@@ -2914,7 +3556,7 @@
           <a:p>
             <a:fld id="{2CA084A8-9174-48B1-A365-736150A5F499}" type="datetimeFigureOut">
               <a:rPr lang="it-IT" smtClean="0"/>
-              <a:t>18/05/2021</a:t>
+              <a:t>19/05/2021</a:t>
             </a:fld>
             <a:endParaRPr lang="it-IT"/>
           </a:p>
@@ -3006,8 +3648,8 @@
   </p:cSld>
   <p:clrMap bg1="lt1" tx1="dk1" bg2="lt2" tx2="dk2" accent1="accent1" accent2="accent2" accent3="accent3" accent4="accent4" accent5="accent5" accent6="accent6" hlink="hlink" folHlink="folHlink"/>
   <p:sldLayoutIdLst>
-    <p:sldLayoutId id="2147483661" r:id="rId1"/>
-    <p:sldLayoutId id="2147483662" r:id="rId2"/>
+    <p:sldLayoutId id="2147483675" r:id="rId1"/>
+    <p:sldLayoutId id="2147483673" r:id="rId2"/>
     <p:sldLayoutId id="2147483663" r:id="rId3"/>
     <p:sldLayoutId id="2147483664" r:id="rId4"/>
     <p:sldLayoutId id="2147483665" r:id="rId5"/>
@@ -3379,16 +4021,13 @@
 </p:sldMaster>
 </file>
 
-<file path=ppt/slides/slide1.xml><?xml version="1.0" encoding="utf-8"?>
-<p:sld xmlns:a="http://schemas.openxmlformats.org/drawingml/2006/main" xmlns:r="http://schemas.openxmlformats.org/officeDocument/2006/relationships" xmlns:p="http://schemas.openxmlformats.org/presentationml/2006/main">
+<file path=ppt/slideMasters/slideMaster2.xml><?xml version="1.0" encoding="utf-8"?>
+<p:sldMaster xmlns:a="http://schemas.openxmlformats.org/drawingml/2006/main" xmlns:r="http://schemas.openxmlformats.org/officeDocument/2006/relationships" xmlns:p="http://schemas.openxmlformats.org/presentationml/2006/main">
   <p:cSld>
     <p:bg>
-      <p:bgPr>
-        <a:solidFill>
-          <a:schemeClr val="bg1"/>
-        </a:solidFill>
-        <a:effectLst/>
-      </p:bgPr>
+      <p:bgRef idx="1001">
+        <a:schemeClr val="bg1"/>
+      </p:bgRef>
     </p:bg>
     <p:spTree>
       <p:nvGrpSpPr>
@@ -3406,26 +4045,9 @@
       </p:grpSpPr>
       <p:sp>
         <p:nvSpPr>
-          <p:cNvPr id="16" name="Rectangle 8">
-            <a:extLst>
-              <a:ext uri="{FF2B5EF4-FFF2-40B4-BE49-F238E27FC236}">
-                <a16:creationId xmlns:a16="http://schemas.microsoft.com/office/drawing/2014/main" id="{4F645BF8-7885-4398-80BC-4C0DF24F5CEE}"/>
-              </a:ext>
-              <a:ext uri="{C183D7F6-B498-43B3-948B-1728B52AA6E4}">
-                <adec:decorative xmlns:adec="http://schemas.microsoft.com/office/drawing/2017/decorative" val="1"/>
-              </a:ext>
-            </a:extLst>
-          </p:cNvPr>
-          <p:cNvSpPr>
-            <a:spLocks noGrp="1" noRot="1" noChangeAspect="1" noMove="1" noResize="1" noEditPoints="1" noAdjustHandles="1" noChangeArrowheads="1" noChangeShapeType="1" noTextEdit="1"/>
-          </p:cNvSpPr>
-          <p:nvPr>
-            <p:extLst>
-              <p:ext uri="{386F3935-93C4-4BCD-93E2-E3B085C9AB24}">
-                <p16:designElem xmlns:p16="http://schemas.microsoft.com/office/powerpoint/2015/main" val="1"/>
-              </p:ext>
-            </p:extLst>
-          </p:nvPr>
+          <p:cNvPr id="7" name="Rectangle 6"/>
+          <p:cNvSpPr/>
+          <p:nvPr/>
         </p:nvSpPr>
         <p:spPr>
           <a:xfrm>
@@ -3461,26 +4083,42 @@
       </p:sp>
       <p:sp>
         <p:nvSpPr>
-          <p:cNvPr id="18" name="Rectangle 10">
-            <a:extLst>
-              <a:ext uri="{FF2B5EF4-FFF2-40B4-BE49-F238E27FC236}">
-                <a16:creationId xmlns:a16="http://schemas.microsoft.com/office/drawing/2014/main" id="{3212FB65-CD2B-4005-B910-132DCE19FCC7}"/>
-              </a:ext>
-              <a:ext uri="{C183D7F6-B498-43B3-948B-1728B52AA6E4}">
-                <adec:decorative xmlns:adec="http://schemas.microsoft.com/office/drawing/2017/decorative" val="1"/>
-              </a:ext>
-            </a:extLst>
-          </p:cNvPr>
-          <p:cNvSpPr>
-            <a:spLocks noGrp="1" noRot="1" noChangeAspect="1" noMove="1" noResize="1" noEditPoints="1" noAdjustHandles="1" noChangeArrowheads="1" noChangeShapeType="1" noTextEdit="1"/>
-          </p:cNvSpPr>
-          <p:nvPr>
-            <p:extLst>
-              <p:ext uri="{386F3935-93C4-4BCD-93E2-E3B085C9AB24}">
-                <p16:designElem xmlns:p16="http://schemas.microsoft.com/office/powerpoint/2015/main" val="1"/>
-              </p:ext>
-            </p:extLst>
-          </p:nvPr>
+          <p:cNvPr id="2" name="Title Placeholder 1"/>
+          <p:cNvSpPr>
+            <a:spLocks noGrp="1"/>
+          </p:cNvSpPr>
+          <p:nvPr>
+            <p:ph type="title"/>
+          </p:nvPr>
+        </p:nvSpPr>
+        <p:spPr>
+          <a:xfrm>
+            <a:off x="252919" y="1123837"/>
+            <a:ext cx="2947482" cy="4601183"/>
+          </a:xfrm>
+          <a:prstGeom prst="rect">
+            <a:avLst/>
+          </a:prstGeom>
+        </p:spPr>
+        <p:txBody>
+          <a:bodyPr vert="horz" lIns="91440" tIns="45720" rIns="91440" bIns="45720" rtlCol="0" anchor="ctr">
+            <a:normAutofit/>
+          </a:bodyPr>
+          <a:lstStyle/>
+          <a:p>
+            <a:r>
+              <a:rPr lang="it-IT"/>
+              <a:t>Fare clic per modificare lo stile del titolo dello schema</a:t>
+            </a:r>
+            <a:endParaRPr lang="en-US" dirty="0"/>
+          </a:p>
+        </p:txBody>
+      </p:sp>
+      <p:sp>
+        <p:nvSpPr>
+          <p:cNvPr id="38" name="Rectangle 37"/>
+          <p:cNvSpPr/>
+          <p:nvPr/>
         </p:nvSpPr>
         <p:spPr>
           <a:xfrm>
@@ -3516,771 +4154,566 @@
           </a:fontRef>
         </p:style>
       </p:sp>
-      <p:sp useBgFill="1">
-        <p:nvSpPr>
-          <p:cNvPr id="19" name="Rectangle 12">
-            <a:extLst>
-              <a:ext uri="{FF2B5EF4-FFF2-40B4-BE49-F238E27FC236}">
-                <a16:creationId xmlns:a16="http://schemas.microsoft.com/office/drawing/2014/main" id="{EE9F5D7F-1BBC-4096-ADA7-AA9C9E4D2868}"/>
-              </a:ext>
-              <a:ext uri="{C183D7F6-B498-43B3-948B-1728B52AA6E4}">
-                <adec:decorative xmlns:adec="http://schemas.microsoft.com/office/drawing/2017/decorative" val="1"/>
-              </a:ext>
-            </a:extLst>
-          </p:cNvPr>
-          <p:cNvSpPr>
-            <a:spLocks noGrp="1" noRot="1" noChangeAspect="1" noMove="1" noResize="1" noEditPoints="1" noAdjustHandles="1" noChangeArrowheads="1" noChangeShapeType="1" noTextEdit="1"/>
-          </p:cNvSpPr>
-          <p:nvPr>
-            <p:extLst>
-              <p:ext uri="{386F3935-93C4-4BCD-93E2-E3B085C9AB24}">
-                <p16:designElem xmlns:p16="http://schemas.microsoft.com/office/powerpoint/2015/main" val="1"/>
-              </p:ext>
-            </p:extLst>
+      <p:sp>
+        <p:nvSpPr>
+          <p:cNvPr id="3" name="Text Placeholder 2"/>
+          <p:cNvSpPr>
+            <a:spLocks noGrp="1"/>
+          </p:cNvSpPr>
+          <p:nvPr>
+            <p:ph type="body" idx="1"/>
           </p:nvPr>
         </p:nvSpPr>
         <p:spPr>
           <a:xfrm>
-            <a:off x="0" y="0"/>
-            <a:ext cx="12192000" cy="6858000"/>
-          </a:xfrm>
-          <a:prstGeom prst="rect">
-            <a:avLst/>
-          </a:prstGeom>
-          <a:ln>
-            <a:noFill/>
-          </a:ln>
-        </p:spPr>
-        <p:style>
-          <a:lnRef idx="2">
-            <a:schemeClr val="accent1">
-              <a:shade val="50000"/>
-            </a:schemeClr>
-          </a:lnRef>
-          <a:fillRef idx="1">
-            <a:schemeClr val="accent1"/>
-          </a:fillRef>
-          <a:effectRef idx="0">
-            <a:schemeClr val="accent1"/>
-          </a:effectRef>
-          <a:fontRef idx="minor">
-            <a:schemeClr val="lt1"/>
-          </a:fontRef>
-        </p:style>
-        <p:txBody>
-          <a:bodyPr rtlCol="0" anchor="ctr"/>
-          <a:lstStyle/>
-          <a:p>
-            <a:pPr algn="ctr"/>
-            <a:endParaRPr lang="en-US"/>
-          </a:p>
-        </p:txBody>
-      </p:sp>
-      <p:sp>
-        <p:nvSpPr>
-          <p:cNvPr id="15" name="Rectangle 14">
-            <a:extLst>
-              <a:ext uri="{FF2B5EF4-FFF2-40B4-BE49-F238E27FC236}">
-                <a16:creationId xmlns:a16="http://schemas.microsoft.com/office/drawing/2014/main" id="{06D370DD-716B-4528-B475-331F84CEA5A1}"/>
-              </a:ext>
-              <a:ext uri="{C183D7F6-B498-43B3-948B-1728B52AA6E4}">
-                <adec:decorative xmlns:adec="http://schemas.microsoft.com/office/drawing/2017/decorative" val="1"/>
-              </a:ext>
-            </a:extLst>
-          </p:cNvPr>
-          <p:cNvSpPr>
-            <a:spLocks noGrp="1" noRot="1" noChangeAspect="1" noMove="1" noResize="1" noEditPoints="1" noAdjustHandles="1" noChangeArrowheads="1" noChangeShapeType="1" noTextEdit="1"/>
-          </p:cNvSpPr>
-          <p:nvPr>
-            <p:extLst>
-              <p:ext uri="{386F3935-93C4-4BCD-93E2-E3B085C9AB24}">
-                <p16:designElem xmlns:p16="http://schemas.microsoft.com/office/powerpoint/2015/main" val="1"/>
-              </p:ext>
-            </p:extLst>
-          </p:nvPr>
-        </p:nvSpPr>
-        <p:spPr>
-          <a:xfrm>
-            <a:off x="5139514" y="758953"/>
-            <a:ext cx="7052486" cy="5330952"/>
-          </a:xfrm>
-          <a:prstGeom prst="rect">
-            <a:avLst/>
-          </a:prstGeom>
-          <a:solidFill>
-            <a:schemeClr val="accent1"/>
-          </a:solidFill>
-          <a:ln>
-            <a:noFill/>
-          </a:ln>
-        </p:spPr>
-        <p:style>
-          <a:lnRef idx="2">
-            <a:schemeClr val="accent1">
-              <a:shade val="50000"/>
-            </a:schemeClr>
-          </a:lnRef>
-          <a:fillRef idx="1">
-            <a:schemeClr val="accent1"/>
-          </a:fillRef>
-          <a:effectRef idx="0">
-            <a:schemeClr val="accent1"/>
-          </a:effectRef>
-          <a:fontRef idx="minor">
-            <a:schemeClr val="lt1"/>
-          </a:fontRef>
-        </p:style>
-      </p:sp>
-      <p:sp>
-        <p:nvSpPr>
-          <p:cNvPr id="17" name="Rectangle 16">
-            <a:extLst>
-              <a:ext uri="{FF2B5EF4-FFF2-40B4-BE49-F238E27FC236}">
-                <a16:creationId xmlns:a16="http://schemas.microsoft.com/office/drawing/2014/main" id="{E79D076F-656A-4CD9-83AD-AF8F4B28CA49}"/>
-              </a:ext>
-              <a:ext uri="{C183D7F6-B498-43B3-948B-1728B52AA6E4}">
-                <adec:decorative xmlns:adec="http://schemas.microsoft.com/office/drawing/2017/decorative" val="1"/>
-              </a:ext>
-            </a:extLst>
-          </p:cNvPr>
-          <p:cNvSpPr>
-            <a:spLocks noGrp="1" noRot="1" noChangeAspect="1" noMove="1" noResize="1" noEditPoints="1" noAdjustHandles="1" noChangeArrowheads="1" noChangeShapeType="1" noTextEdit="1"/>
-          </p:cNvSpPr>
-          <p:nvPr>
-            <p:extLst>
-              <p:ext uri="{386F3935-93C4-4BCD-93E2-E3B085C9AB24}">
-                <p16:designElem xmlns:p16="http://schemas.microsoft.com/office/powerpoint/2015/main" val="1"/>
-              </p:ext>
-            </p:extLst>
-          </p:nvPr>
-        </p:nvSpPr>
-        <p:spPr>
-          <a:xfrm>
-            <a:off x="-7912" y="758952"/>
-            <a:ext cx="384048" cy="5330952"/>
-          </a:xfrm>
-          <a:prstGeom prst="rect">
-            <a:avLst/>
-          </a:prstGeom>
-          <a:solidFill>
-            <a:srgbClr val="C8C8C8">
-              <a:alpha val="49804"/>
-            </a:srgbClr>
-          </a:solidFill>
-          <a:ln>
-            <a:noFill/>
-          </a:ln>
-        </p:spPr>
-        <p:style>
-          <a:lnRef idx="2">
-            <a:schemeClr val="accent1">
-              <a:shade val="50000"/>
-            </a:schemeClr>
-          </a:lnRef>
-          <a:fillRef idx="1">
-            <a:schemeClr val="accent1"/>
-          </a:fillRef>
-          <a:effectRef idx="0">
-            <a:schemeClr val="accent1"/>
-          </a:effectRef>
-          <a:fontRef idx="minor">
-            <a:schemeClr val="lt1"/>
-          </a:fontRef>
-        </p:style>
-      </p:sp>
-      <p:pic>
-        <p:nvPicPr>
-          <p:cNvPr id="3" name="Immagine 2" descr="Immagine che contiene testo&#10;&#10;Descrizione generata automaticamente">
-            <a:extLst>
-              <a:ext uri="{FF2B5EF4-FFF2-40B4-BE49-F238E27FC236}">
-                <a16:creationId xmlns:a16="http://schemas.microsoft.com/office/drawing/2014/main" id="{858BAF39-7256-4207-A3BF-1F73413A0221}"/>
-              </a:ext>
-            </a:extLst>
-          </p:cNvPr>
-          <p:cNvPicPr>
-            <a:picLocks noChangeAspect="1"/>
-          </p:cNvPicPr>
-          <p:nvPr/>
-        </p:nvPicPr>
-        <p:blipFill>
-          <a:blip r:embed="rId2">
-            <a:extLst>
-              <a:ext uri="{28A0092B-C50C-407E-A947-70E740481C1C}">
-                <a14:useLocalDpi xmlns:a14="http://schemas.microsoft.com/office/drawing/2010/main" val="0"/>
-              </a:ext>
-            </a:extLst>
-          </a:blip>
-          <a:stretch>
-            <a:fillRect/>
-          </a:stretch>
-        </p:blipFill>
-        <p:spPr>
-          <a:xfrm>
-            <a:off x="1357281" y="758953"/>
-            <a:ext cx="3311995" cy="5904494"/>
+            <a:off x="3869268" y="864108"/>
+            <a:ext cx="7315200" cy="5120640"/>
           </a:xfrm>
           <a:prstGeom prst="rect">
             <a:avLst/>
           </a:prstGeom>
         </p:spPr>
-      </p:pic>
-      <p:sp>
-        <p:nvSpPr>
-          <p:cNvPr id="4" name="CasellaDiTesto 3">
-            <a:extLst>
-              <a:ext uri="{FF2B5EF4-FFF2-40B4-BE49-F238E27FC236}">
-                <a16:creationId xmlns:a16="http://schemas.microsoft.com/office/drawing/2014/main" id="{1216BDFA-E7E9-4C8F-8903-D30BB8CC3C03}"/>
-              </a:ext>
-            </a:extLst>
-          </p:cNvPr>
-          <p:cNvSpPr txBox="1"/>
-          <p:nvPr/>
+        <p:txBody>
+          <a:bodyPr vert="horz" lIns="91440" tIns="45720" rIns="91440" bIns="45720" rtlCol="0" anchor="ctr">
+            <a:normAutofit/>
+          </a:bodyPr>
+          <a:lstStyle/>
+          <a:p>
+            <a:pPr lvl="0"/>
+            <a:r>
+              <a:rPr lang="it-IT"/>
+              <a:t>Fare clic per modificare gli stili del testo dello schema</a:t>
+            </a:r>
+          </a:p>
+          <a:p>
+            <a:pPr lvl="1"/>
+            <a:r>
+              <a:rPr lang="it-IT"/>
+              <a:t>Secondo livello</a:t>
+            </a:r>
+          </a:p>
+          <a:p>
+            <a:pPr lvl="2"/>
+            <a:r>
+              <a:rPr lang="it-IT"/>
+              <a:t>Terzo livello</a:t>
+            </a:r>
+          </a:p>
+          <a:p>
+            <a:pPr lvl="3"/>
+            <a:r>
+              <a:rPr lang="it-IT"/>
+              <a:t>Quarto livello</a:t>
+            </a:r>
+          </a:p>
+          <a:p>
+            <a:pPr lvl="4"/>
+            <a:r>
+              <a:rPr lang="it-IT"/>
+              <a:t>Quinto livello</a:t>
+            </a:r>
+            <a:endParaRPr lang="en-US" dirty="0"/>
+          </a:p>
+        </p:txBody>
+      </p:sp>
+      <p:sp>
+        <p:nvSpPr>
+          <p:cNvPr id="4" name="Date Placeholder 3"/>
+          <p:cNvSpPr>
+            <a:spLocks noGrp="1"/>
+          </p:cNvSpPr>
+          <p:nvPr>
+            <p:ph type="dt" sz="half" idx="2"/>
+          </p:nvPr>
         </p:nvSpPr>
         <p:spPr>
           <a:xfrm>
-            <a:off x="5307102" y="903268"/>
-            <a:ext cx="6451109" cy="2403350"/>
+            <a:off x="262465" y="6356350"/>
+            <a:ext cx="2743200" cy="365125"/>
           </a:xfrm>
           <a:prstGeom prst="rect">
             <a:avLst/>
           </a:prstGeom>
         </p:spPr>
         <p:txBody>
-          <a:bodyPr vert="horz" lIns="91440" tIns="45720" rIns="91440" bIns="45720" rtlCol="0" anchor="t">
-            <a:normAutofit/>
-          </a:bodyPr>
-          <a:lstStyle/>
-          <a:p>
-            <a:pPr defTabSz="914400">
-              <a:lnSpc>
-                <a:spcPct val="90000"/>
-              </a:lnSpc>
-              <a:spcAft>
-                <a:spcPts val="600"/>
-              </a:spcAft>
-              <a:buClr>
-                <a:schemeClr val="accent1"/>
-              </a:buClr>
-            </a:pPr>
-            <a:r>
-              <a:rPr lang="en-US" sz="2800" dirty="0">
-                <a:solidFill>
-                  <a:srgbClr val="FFFFFF"/>
-                </a:solidFill>
-              </a:rPr>
-              <a:t>-Nella setup </a:t>
-            </a:r>
-            <a:r>
-              <a:rPr lang="en-US" sz="2800" dirty="0" err="1">
-                <a:solidFill>
-                  <a:srgbClr val="FFFFFF"/>
-                </a:solidFill>
-              </a:rPr>
-              <a:t>inizializzo</a:t>
-            </a:r>
-            <a:r>
-              <a:rPr lang="en-US" sz="2800" dirty="0">
-                <a:solidFill>
-                  <a:srgbClr val="FFFFFF"/>
-                </a:solidFill>
-              </a:rPr>
-              <a:t> la </a:t>
-            </a:r>
-            <a:r>
-              <a:rPr lang="en-US" sz="2800" dirty="0" err="1">
-                <a:solidFill>
-                  <a:srgbClr val="FFFFFF"/>
-                </a:solidFill>
-              </a:rPr>
-              <a:t>seriale</a:t>
-            </a:r>
-            <a:r>
-              <a:rPr lang="en-US" sz="2800" dirty="0">
-                <a:solidFill>
-                  <a:srgbClr val="FFFFFF"/>
-                </a:solidFill>
-              </a:rPr>
-              <a:t>, </a:t>
-            </a:r>
-            <a:r>
-              <a:rPr lang="en-US" sz="2800" dirty="0" err="1">
-                <a:solidFill>
-                  <a:srgbClr val="FFFFFF"/>
-                </a:solidFill>
-              </a:rPr>
-              <a:t>richiamo</a:t>
-            </a:r>
-            <a:r>
-              <a:rPr lang="en-US" sz="2800" dirty="0">
-                <a:solidFill>
-                  <a:srgbClr val="FFFFFF"/>
-                </a:solidFill>
-              </a:rPr>
-              <a:t> un </a:t>
-            </a:r>
-            <a:r>
-              <a:rPr lang="en-US" sz="2800" dirty="0" err="1">
-                <a:solidFill>
-                  <a:srgbClr val="FFFFFF"/>
-                </a:solidFill>
-              </a:rPr>
-              <a:t>controllo</a:t>
-            </a:r>
-            <a:r>
-              <a:rPr lang="en-US" sz="2800" dirty="0">
-                <a:solidFill>
-                  <a:srgbClr val="FFFFFF"/>
-                </a:solidFill>
-              </a:rPr>
-              <a:t> per </a:t>
-            </a:r>
-            <a:r>
-              <a:rPr lang="en-US" sz="2800" dirty="0" err="1">
-                <a:solidFill>
-                  <a:srgbClr val="FFFFFF"/>
-                </a:solidFill>
-              </a:rPr>
-              <a:t>vedere</a:t>
-            </a:r>
-            <a:r>
-              <a:rPr lang="en-US" sz="2800" dirty="0">
-                <a:solidFill>
-                  <a:srgbClr val="FFFFFF"/>
-                </a:solidFill>
-              </a:rPr>
-              <a:t> se </a:t>
-            </a:r>
-            <a:r>
-              <a:rPr lang="en-US" sz="2800" dirty="0" err="1">
-                <a:solidFill>
-                  <a:srgbClr val="FFFFFF"/>
-                </a:solidFill>
-              </a:rPr>
-              <a:t>nella</a:t>
-            </a:r>
-            <a:r>
-              <a:rPr lang="en-US" sz="2800" dirty="0">
-                <a:solidFill>
-                  <a:srgbClr val="FFFFFF"/>
-                </a:solidFill>
-              </a:rPr>
-              <a:t> </a:t>
-            </a:r>
-            <a:r>
-              <a:rPr lang="en-US" sz="2800" dirty="0" err="1">
-                <a:solidFill>
-                  <a:srgbClr val="FFFFFF"/>
-                </a:solidFill>
-              </a:rPr>
-              <a:t>eeprom</a:t>
-            </a:r>
-            <a:r>
-              <a:rPr lang="en-US" sz="2800" dirty="0">
-                <a:solidFill>
-                  <a:srgbClr val="FFFFFF"/>
-                </a:solidFill>
-              </a:rPr>
-              <a:t> di Arduino e’ </a:t>
-            </a:r>
-            <a:r>
-              <a:rPr lang="en-US" sz="2800" dirty="0" err="1">
-                <a:solidFill>
-                  <a:srgbClr val="FFFFFF"/>
-                </a:solidFill>
-              </a:rPr>
-              <a:t>gia</a:t>
-            </a:r>
-            <a:r>
-              <a:rPr lang="en-US" sz="2800" dirty="0">
-                <a:solidFill>
-                  <a:srgbClr val="FFFFFF"/>
-                </a:solidFill>
-              </a:rPr>
-              <a:t> </a:t>
-            </a:r>
-            <a:r>
-              <a:rPr lang="en-US" sz="2800" dirty="0" err="1">
-                <a:solidFill>
-                  <a:srgbClr val="FFFFFF"/>
-                </a:solidFill>
-              </a:rPr>
-              <a:t>presente</a:t>
-            </a:r>
-            <a:r>
-              <a:rPr lang="en-US" sz="2800" dirty="0">
-                <a:solidFill>
-                  <a:srgbClr val="FFFFFF"/>
-                </a:solidFill>
-              </a:rPr>
-              <a:t> una key, </a:t>
-            </a:r>
-            <a:r>
-              <a:rPr lang="en-US" sz="2800" dirty="0" err="1">
-                <a:solidFill>
-                  <a:srgbClr val="FFFFFF"/>
-                </a:solidFill>
-              </a:rPr>
-              <a:t>comunico</a:t>
-            </a:r>
-            <a:r>
-              <a:rPr lang="en-US" sz="2800" dirty="0">
-                <a:solidFill>
-                  <a:srgbClr val="FFFFFF"/>
-                </a:solidFill>
-              </a:rPr>
-              <a:t> a Java </a:t>
-            </a:r>
-            <a:r>
-              <a:rPr lang="en-US" sz="2800" dirty="0" err="1">
-                <a:solidFill>
-                  <a:srgbClr val="FFFFFF"/>
-                </a:solidFill>
-              </a:rPr>
-              <a:t>tramite</a:t>
-            </a:r>
-            <a:r>
-              <a:rPr lang="en-US" sz="2800" dirty="0">
-                <a:solidFill>
-                  <a:srgbClr val="FFFFFF"/>
-                </a:solidFill>
-              </a:rPr>
-              <a:t> </a:t>
-            </a:r>
-            <a:r>
-              <a:rPr lang="en-US" sz="2800" dirty="0" err="1">
-                <a:solidFill>
-                  <a:srgbClr val="FFFFFF"/>
-                </a:solidFill>
-              </a:rPr>
-              <a:t>seriale</a:t>
-            </a:r>
-            <a:r>
-              <a:rPr lang="en-US" sz="2800" dirty="0">
-                <a:solidFill>
-                  <a:srgbClr val="FFFFFF"/>
-                </a:solidFill>
-              </a:rPr>
-              <a:t> </a:t>
-            </a:r>
-            <a:r>
-              <a:rPr lang="en-US" sz="2800" dirty="0" err="1">
-                <a:solidFill>
-                  <a:srgbClr val="FFFFFF"/>
-                </a:solidFill>
-              </a:rPr>
-              <a:t>che</a:t>
-            </a:r>
-            <a:r>
-              <a:rPr lang="en-US" sz="2800" dirty="0">
-                <a:solidFill>
-                  <a:srgbClr val="FFFFFF"/>
-                </a:solidFill>
-              </a:rPr>
-              <a:t> la </a:t>
-            </a:r>
-            <a:r>
-              <a:rPr lang="en-US" sz="2800" dirty="0" err="1">
-                <a:solidFill>
-                  <a:srgbClr val="FFFFFF"/>
-                </a:solidFill>
-              </a:rPr>
-              <a:t>chiave</a:t>
-            </a:r>
-            <a:r>
-              <a:rPr lang="en-US" sz="2800" dirty="0">
-                <a:solidFill>
-                  <a:srgbClr val="FFFFFF"/>
-                </a:solidFill>
-              </a:rPr>
-              <a:t> </a:t>
-            </a:r>
-            <a:r>
-              <a:rPr lang="en-US" sz="2800" dirty="0" err="1">
-                <a:solidFill>
-                  <a:srgbClr val="FFFFFF"/>
-                </a:solidFill>
-              </a:rPr>
-              <a:t>esiste</a:t>
-            </a:r>
-            <a:r>
-              <a:rPr lang="en-US" sz="2800" dirty="0">
-                <a:solidFill>
-                  <a:srgbClr val="FFFFFF"/>
-                </a:solidFill>
-              </a:rPr>
-              <a:t> o no.</a:t>
-            </a:r>
-          </a:p>
-        </p:txBody>
-      </p:sp>
-      <p:sp>
-        <p:nvSpPr>
-          <p:cNvPr id="6" name="CasellaDiTesto 5">
-            <a:extLst>
-              <a:ext uri="{FF2B5EF4-FFF2-40B4-BE49-F238E27FC236}">
-                <a16:creationId xmlns:a16="http://schemas.microsoft.com/office/drawing/2014/main" id="{AD360B54-C3A3-43D4-9D6C-677A03B5B069}"/>
-              </a:ext>
-            </a:extLst>
-          </p:cNvPr>
-          <p:cNvSpPr txBox="1"/>
-          <p:nvPr/>
+          <a:bodyPr vert="horz" lIns="91440" tIns="45720" rIns="91440" bIns="45720" rtlCol="0" anchor="ctr"/>
+          <a:lstStyle>
+            <a:lvl1pPr algn="l">
+              <a:defRPr sz="1100">
+                <a:solidFill>
+                  <a:schemeClr val="tx1">
+                    <a:lumMod val="50000"/>
+                    <a:lumOff val="50000"/>
+                  </a:schemeClr>
+                </a:solidFill>
+              </a:defRPr>
+            </a:lvl1pPr>
+          </a:lstStyle>
+          <a:p>
+            <a:fld id="{AB5F3EA2-965B-47A4-ADC2-5A2C2173809F}" type="datetimeFigureOut">
+              <a:rPr lang="it-IT" smtClean="0"/>
+              <a:t>19/05/2021</a:t>
+            </a:fld>
+            <a:endParaRPr lang="it-IT"/>
+          </a:p>
+        </p:txBody>
+      </p:sp>
+      <p:sp>
+        <p:nvSpPr>
+          <p:cNvPr id="5" name="Footer Placeholder 4"/>
+          <p:cNvSpPr>
+            <a:spLocks noGrp="1"/>
+          </p:cNvSpPr>
+          <p:nvPr>
+            <p:ph type="ftr" sz="quarter" idx="3"/>
+          </p:nvPr>
         </p:nvSpPr>
         <p:spPr>
           <a:xfrm>
-            <a:off x="5307102" y="3576829"/>
-            <a:ext cx="6857968" cy="1384995"/>
+            <a:off x="3869268" y="6356350"/>
+            <a:ext cx="5911517" cy="365125"/>
           </a:xfrm>
           <a:prstGeom prst="rect">
             <a:avLst/>
           </a:prstGeom>
-          <a:noFill/>
         </p:spPr>
         <p:txBody>
-          <a:bodyPr wrap="none" rtlCol="0">
-            <a:spAutoFit/>
-          </a:bodyPr>
-          <a:lstStyle/>
-          <a:p>
-            <a:r>
-              <a:rPr lang="en-US" sz="2800" dirty="0">
-                <a:solidFill>
-                  <a:schemeClr val="bg1"/>
-                </a:solidFill>
-              </a:rPr>
-              <a:t>-</a:t>
-            </a:r>
-            <a:r>
-              <a:rPr lang="en-US" sz="2800" dirty="0" err="1">
-                <a:solidFill>
-                  <a:schemeClr val="bg1"/>
-                </a:solidFill>
-              </a:rPr>
-              <a:t>Controlla</a:t>
-            </a:r>
-            <a:r>
-              <a:rPr lang="en-US" sz="2800" dirty="0">
-                <a:solidFill>
-                  <a:schemeClr val="bg1"/>
-                </a:solidFill>
-              </a:rPr>
-              <a:t> </a:t>
-            </a:r>
-            <a:r>
-              <a:rPr lang="en-US" sz="2800" dirty="0" err="1">
-                <a:solidFill>
-                  <a:schemeClr val="bg1"/>
-                </a:solidFill>
-              </a:rPr>
-              <a:t>che</a:t>
-            </a:r>
-            <a:r>
-              <a:rPr lang="en-US" sz="2800" dirty="0">
-                <a:solidFill>
-                  <a:schemeClr val="bg1"/>
-                </a:solidFill>
-              </a:rPr>
-              <a:t> </a:t>
-            </a:r>
-            <a:r>
-              <a:rPr lang="en-US" sz="2800" dirty="0" err="1">
-                <a:solidFill>
-                  <a:schemeClr val="bg1"/>
-                </a:solidFill>
-              </a:rPr>
-              <a:t>nella</a:t>
-            </a:r>
-            <a:r>
-              <a:rPr lang="en-US" sz="2800" dirty="0">
-                <a:solidFill>
-                  <a:schemeClr val="bg1"/>
-                </a:solidFill>
-              </a:rPr>
-              <a:t> </a:t>
-            </a:r>
-            <a:r>
-              <a:rPr lang="en-US" sz="2800" dirty="0" err="1">
-                <a:solidFill>
-                  <a:schemeClr val="bg1"/>
-                </a:solidFill>
-              </a:rPr>
-              <a:t>eeprom</a:t>
-            </a:r>
-            <a:r>
-              <a:rPr lang="en-US" sz="2800" dirty="0">
-                <a:solidFill>
-                  <a:schemeClr val="bg1"/>
-                </a:solidFill>
-              </a:rPr>
-              <a:t> ci </a:t>
-            </a:r>
-            <a:r>
-              <a:rPr lang="en-US" sz="2800" dirty="0" err="1">
-                <a:solidFill>
-                  <a:schemeClr val="bg1"/>
-                </a:solidFill>
-              </a:rPr>
-              <a:t>siano</a:t>
-            </a:r>
-            <a:r>
-              <a:rPr lang="en-US" sz="2800" dirty="0">
-                <a:solidFill>
-                  <a:schemeClr val="bg1"/>
-                </a:solidFill>
-              </a:rPr>
-              <a:t> </a:t>
-            </a:r>
-            <a:r>
-              <a:rPr lang="en-US" sz="2800" dirty="0" err="1">
-                <a:solidFill>
-                  <a:schemeClr val="bg1"/>
-                </a:solidFill>
-              </a:rPr>
-              <a:t>caratteri</a:t>
-            </a:r>
-            <a:r>
-              <a:rPr lang="en-US" sz="2800" dirty="0">
-                <a:solidFill>
-                  <a:schemeClr val="bg1"/>
-                </a:solidFill>
-              </a:rPr>
-              <a:t> </a:t>
-            </a:r>
-          </a:p>
-          <a:p>
-            <a:r>
-              <a:rPr lang="en-US" sz="2800" dirty="0" err="1">
-                <a:solidFill>
-                  <a:schemeClr val="bg1"/>
-                </a:solidFill>
-              </a:rPr>
-              <a:t>diversi</a:t>
-            </a:r>
-            <a:r>
-              <a:rPr lang="en-US" sz="2800" dirty="0">
-                <a:solidFill>
-                  <a:schemeClr val="bg1"/>
-                </a:solidFill>
-              </a:rPr>
-              <a:t> da 0, </a:t>
-            </a:r>
-            <a:r>
-              <a:rPr lang="en-US" sz="2800" dirty="0" err="1">
-                <a:solidFill>
-                  <a:schemeClr val="bg1"/>
-                </a:solidFill>
-              </a:rPr>
-              <a:t>questo</a:t>
-            </a:r>
-            <a:r>
-              <a:rPr lang="en-US" sz="2800" dirty="0">
-                <a:solidFill>
-                  <a:schemeClr val="bg1"/>
-                </a:solidFill>
-              </a:rPr>
-              <a:t> </a:t>
-            </a:r>
-            <a:r>
-              <a:rPr lang="en-US" sz="2800" dirty="0" err="1">
-                <a:solidFill>
-                  <a:schemeClr val="bg1"/>
-                </a:solidFill>
-              </a:rPr>
-              <a:t>significa</a:t>
-            </a:r>
-            <a:r>
-              <a:rPr lang="en-US" sz="2800" dirty="0">
-                <a:solidFill>
-                  <a:schemeClr val="bg1"/>
-                </a:solidFill>
-              </a:rPr>
-              <a:t> </a:t>
-            </a:r>
-            <a:r>
-              <a:rPr lang="en-US" sz="2800" dirty="0" err="1">
-                <a:solidFill>
-                  <a:schemeClr val="bg1"/>
-                </a:solidFill>
-              </a:rPr>
-              <a:t>che</a:t>
-            </a:r>
-            <a:r>
-              <a:rPr lang="en-US" sz="2800" dirty="0">
-                <a:solidFill>
-                  <a:schemeClr val="bg1"/>
-                </a:solidFill>
-              </a:rPr>
-              <a:t> la </a:t>
-            </a:r>
-            <a:r>
-              <a:rPr lang="en-US" sz="2800" dirty="0" err="1">
-                <a:solidFill>
-                  <a:schemeClr val="bg1"/>
-                </a:solidFill>
-              </a:rPr>
-              <a:t>eeprom</a:t>
-            </a:r>
-            <a:endParaRPr lang="en-US" sz="2800" dirty="0">
-              <a:solidFill>
-                <a:schemeClr val="bg1"/>
-              </a:solidFill>
-            </a:endParaRPr>
-          </a:p>
-          <a:p>
-            <a:r>
-              <a:rPr lang="en-US" sz="2800" dirty="0">
-                <a:solidFill>
-                  <a:schemeClr val="bg1"/>
-                </a:solidFill>
-              </a:rPr>
-              <a:t>e’ </a:t>
-            </a:r>
-            <a:r>
-              <a:rPr lang="en-US" sz="2800" dirty="0" err="1">
-                <a:solidFill>
-                  <a:schemeClr val="bg1"/>
-                </a:solidFill>
-              </a:rPr>
-              <a:t>vuota</a:t>
-            </a:r>
-            <a:r>
-              <a:rPr lang="en-US" sz="2800" dirty="0">
-                <a:solidFill>
-                  <a:schemeClr val="bg1"/>
-                </a:solidFill>
-              </a:rPr>
-              <a:t>.</a:t>
-            </a:r>
-            <a:endParaRPr lang="it-IT" sz="2800" dirty="0">
-              <a:solidFill>
-                <a:schemeClr val="bg1"/>
-              </a:solidFill>
-            </a:endParaRPr>
+          <a:bodyPr vert="horz" lIns="91440" tIns="45720" rIns="91440" bIns="45720" rtlCol="0" anchor="ctr"/>
+          <a:lstStyle>
+            <a:lvl1pPr algn="l">
+              <a:defRPr sz="1100">
+                <a:solidFill>
+                  <a:schemeClr val="tx1">
+                    <a:lumMod val="50000"/>
+                    <a:lumOff val="50000"/>
+                  </a:schemeClr>
+                </a:solidFill>
+              </a:defRPr>
+            </a:lvl1pPr>
+          </a:lstStyle>
+          <a:p>
+            <a:endParaRPr lang="it-IT"/>
+          </a:p>
+        </p:txBody>
+      </p:sp>
+      <p:sp>
+        <p:nvSpPr>
+          <p:cNvPr id="6" name="Slide Number Placeholder 5"/>
+          <p:cNvSpPr>
+            <a:spLocks noGrp="1"/>
+          </p:cNvSpPr>
+          <p:nvPr>
+            <p:ph type="sldNum" sz="quarter" idx="4"/>
+          </p:nvPr>
+        </p:nvSpPr>
+        <p:spPr>
+          <a:xfrm>
+            <a:off x="10634135" y="6356350"/>
+            <a:ext cx="1530927" cy="365125"/>
+          </a:xfrm>
+          <a:prstGeom prst="rect">
+            <a:avLst/>
+          </a:prstGeom>
+        </p:spPr>
+        <p:txBody>
+          <a:bodyPr vert="horz" lIns="91440" tIns="45720" rIns="91440" bIns="45720" rtlCol="0" anchor="ctr"/>
+          <a:lstStyle>
+            <a:lvl1pPr algn="r">
+              <a:defRPr sz="1200" b="1">
+                <a:solidFill>
+                  <a:schemeClr val="accent1"/>
+                </a:solidFill>
+              </a:defRPr>
+            </a:lvl1pPr>
+          </a:lstStyle>
+          <a:p>
+            <a:fld id="{04600A69-0B82-4A12-AFB7-1DB69CFE19E7}" type="slidenum">
+              <a:rPr lang="it-IT" smtClean="0"/>
+              <a:t>‹N›</a:t>
+            </a:fld>
+            <a:endParaRPr lang="it-IT"/>
           </a:p>
         </p:txBody>
       </p:sp>
     </p:spTree>
     <p:extLst>
       <p:ext uri="{BB962C8B-B14F-4D97-AF65-F5344CB8AC3E}">
-        <p14:creationId xmlns:p14="http://schemas.microsoft.com/office/powerpoint/2010/main" val="2864410976"/>
+        <p14:creationId xmlns:p14="http://schemas.microsoft.com/office/powerpoint/2010/main" val="76261115"/>
       </p:ext>
     </p:extLst>
   </p:cSld>
-  <p:clrMapOvr>
-    <a:masterClrMapping/>
-  </p:clrMapOvr>
-</p:sld>
+  <p:clrMap bg1="lt1" tx1="dk1" bg2="lt2" tx2="dk2" accent1="accent1" accent2="accent2" accent3="accent3" accent4="accent4" accent5="accent5" accent6="accent6" hlink="hlink" folHlink="folHlink"/>
+  <p:sldLayoutIdLst>
+    <p:sldLayoutId id="2147483676" r:id="rId1"/>
+  </p:sldLayoutIdLst>
+  <p:txStyles>
+    <p:titleStyle>
+      <a:lvl1pPr algn="l" defTabSz="914400" rtl="0" eaLnBrk="1" latinLnBrk="0" hangingPunct="1">
+        <a:lnSpc>
+          <a:spcPct val="90000"/>
+        </a:lnSpc>
+        <a:spcBef>
+          <a:spcPct val="0"/>
+        </a:spcBef>
+        <a:buNone/>
+        <a:defRPr sz="3600" kern="1200" spc="-60" baseline="0">
+          <a:solidFill>
+            <a:srgbClr val="FFFFFF"/>
+          </a:solidFill>
+          <a:latin typeface="+mj-lt"/>
+          <a:ea typeface="+mj-ea"/>
+          <a:cs typeface="+mj-cs"/>
+        </a:defRPr>
+      </a:lvl1pPr>
+    </p:titleStyle>
+    <p:bodyStyle>
+      <a:lvl1pPr marL="182880" indent="-182880" algn="l" defTabSz="914400" rtl="0" eaLnBrk="1" latinLnBrk="0" hangingPunct="1">
+        <a:lnSpc>
+          <a:spcPct val="90000"/>
+        </a:lnSpc>
+        <a:spcBef>
+          <a:spcPts val="1200"/>
+        </a:spcBef>
+        <a:buClr>
+          <a:schemeClr val="accent1"/>
+        </a:buClr>
+        <a:buFont typeface="Wingdings 2" pitchFamily="18" charset="2"/>
+        <a:buChar char=""/>
+        <a:defRPr sz="2000" kern="1200">
+          <a:solidFill>
+            <a:schemeClr val="tx1">
+              <a:lumMod val="65000"/>
+              <a:lumOff val="35000"/>
+            </a:schemeClr>
+          </a:solidFill>
+          <a:latin typeface="+mn-lt"/>
+          <a:ea typeface="+mn-ea"/>
+          <a:cs typeface="+mn-cs"/>
+        </a:defRPr>
+      </a:lvl1pPr>
+      <a:lvl2pPr marL="685800" indent="-182880" algn="l" defTabSz="914400" rtl="0" eaLnBrk="1" latinLnBrk="0" hangingPunct="1">
+        <a:lnSpc>
+          <a:spcPct val="90000"/>
+        </a:lnSpc>
+        <a:spcBef>
+          <a:spcPts val="250"/>
+        </a:spcBef>
+        <a:spcAft>
+          <a:spcPts val="250"/>
+        </a:spcAft>
+        <a:buClr>
+          <a:schemeClr val="accent1"/>
+        </a:buClr>
+        <a:buFont typeface="Wingdings 2" pitchFamily="18" charset="2"/>
+        <a:buChar char=""/>
+        <a:defRPr sz="1800" kern="1200">
+          <a:solidFill>
+            <a:schemeClr val="tx1">
+              <a:lumMod val="65000"/>
+              <a:lumOff val="35000"/>
+            </a:schemeClr>
+          </a:solidFill>
+          <a:latin typeface="+mn-lt"/>
+          <a:ea typeface="+mn-ea"/>
+          <a:cs typeface="+mn-cs"/>
+        </a:defRPr>
+      </a:lvl2pPr>
+      <a:lvl3pPr marL="1143000" indent="-182880" algn="l" defTabSz="914400" rtl="0" eaLnBrk="1" latinLnBrk="0" hangingPunct="1">
+        <a:lnSpc>
+          <a:spcPct val="90000"/>
+        </a:lnSpc>
+        <a:spcBef>
+          <a:spcPts val="250"/>
+        </a:spcBef>
+        <a:spcAft>
+          <a:spcPts val="250"/>
+        </a:spcAft>
+        <a:buClr>
+          <a:schemeClr val="accent1"/>
+        </a:buClr>
+        <a:buFont typeface="Wingdings 2" pitchFamily="18" charset="2"/>
+        <a:buChar char=""/>
+        <a:defRPr sz="1600" kern="1200">
+          <a:solidFill>
+            <a:schemeClr val="tx1">
+              <a:lumMod val="65000"/>
+              <a:lumOff val="35000"/>
+            </a:schemeClr>
+          </a:solidFill>
+          <a:latin typeface="+mn-lt"/>
+          <a:ea typeface="+mn-ea"/>
+          <a:cs typeface="+mn-cs"/>
+        </a:defRPr>
+      </a:lvl3pPr>
+      <a:lvl4pPr marL="1600200" indent="-182880" algn="l" defTabSz="914400" rtl="0" eaLnBrk="1" latinLnBrk="0" hangingPunct="1">
+        <a:lnSpc>
+          <a:spcPct val="90000"/>
+        </a:lnSpc>
+        <a:spcBef>
+          <a:spcPts val="250"/>
+        </a:spcBef>
+        <a:spcAft>
+          <a:spcPts val="250"/>
+        </a:spcAft>
+        <a:buClr>
+          <a:schemeClr val="accent1"/>
+        </a:buClr>
+        <a:buFont typeface="Wingdings 2" pitchFamily="18" charset="2"/>
+        <a:buChar char=""/>
+        <a:defRPr sz="1400" kern="1200">
+          <a:solidFill>
+            <a:schemeClr val="tx1">
+              <a:lumMod val="65000"/>
+              <a:lumOff val="35000"/>
+            </a:schemeClr>
+          </a:solidFill>
+          <a:latin typeface="+mn-lt"/>
+          <a:ea typeface="+mn-ea"/>
+          <a:cs typeface="+mn-cs"/>
+        </a:defRPr>
+      </a:lvl4pPr>
+      <a:lvl5pPr marL="2057400" indent="-182880" algn="l" defTabSz="914400" rtl="0" eaLnBrk="1" latinLnBrk="0" hangingPunct="1">
+        <a:lnSpc>
+          <a:spcPct val="90000"/>
+        </a:lnSpc>
+        <a:spcBef>
+          <a:spcPts val="250"/>
+        </a:spcBef>
+        <a:spcAft>
+          <a:spcPts val="250"/>
+        </a:spcAft>
+        <a:buClr>
+          <a:schemeClr val="accent1"/>
+        </a:buClr>
+        <a:buFont typeface="Wingdings 2" pitchFamily="18" charset="2"/>
+        <a:buChar char=""/>
+        <a:defRPr sz="1400" kern="1200">
+          <a:solidFill>
+            <a:schemeClr val="tx1">
+              <a:lumMod val="65000"/>
+              <a:lumOff val="35000"/>
+            </a:schemeClr>
+          </a:solidFill>
+          <a:latin typeface="+mn-lt"/>
+          <a:ea typeface="+mn-ea"/>
+          <a:cs typeface="+mn-cs"/>
+        </a:defRPr>
+      </a:lvl5pPr>
+      <a:lvl6pPr marL="2514600" indent="-228600" algn="l" defTabSz="914400" rtl="0" eaLnBrk="1" latinLnBrk="0" hangingPunct="1">
+        <a:lnSpc>
+          <a:spcPct val="90000"/>
+        </a:lnSpc>
+        <a:spcBef>
+          <a:spcPts val="250"/>
+        </a:spcBef>
+        <a:spcAft>
+          <a:spcPts val="250"/>
+        </a:spcAft>
+        <a:buClr>
+          <a:schemeClr val="accent1"/>
+        </a:buClr>
+        <a:buFont typeface="Wingdings 2" pitchFamily="18" charset="2"/>
+        <a:buChar char=""/>
+        <a:defRPr sz="1400" kern="1200">
+          <a:solidFill>
+            <a:schemeClr val="tx1">
+              <a:lumMod val="65000"/>
+              <a:lumOff val="35000"/>
+            </a:schemeClr>
+          </a:solidFill>
+          <a:latin typeface="+mn-lt"/>
+          <a:ea typeface="+mn-ea"/>
+          <a:cs typeface="+mn-cs"/>
+        </a:defRPr>
+      </a:lvl6pPr>
+      <a:lvl7pPr marL="2971800" indent="-228600" algn="l" defTabSz="914400" rtl="0" eaLnBrk="1" latinLnBrk="0" hangingPunct="1">
+        <a:lnSpc>
+          <a:spcPct val="90000"/>
+        </a:lnSpc>
+        <a:spcBef>
+          <a:spcPts val="250"/>
+        </a:spcBef>
+        <a:spcAft>
+          <a:spcPts val="250"/>
+        </a:spcAft>
+        <a:buClr>
+          <a:schemeClr val="accent1"/>
+        </a:buClr>
+        <a:buFont typeface="Wingdings 2" pitchFamily="18" charset="2"/>
+        <a:buChar char=""/>
+        <a:defRPr sz="1400" kern="1200">
+          <a:solidFill>
+            <a:schemeClr val="tx1">
+              <a:lumMod val="65000"/>
+              <a:lumOff val="35000"/>
+            </a:schemeClr>
+          </a:solidFill>
+          <a:latin typeface="+mn-lt"/>
+          <a:ea typeface="+mn-ea"/>
+          <a:cs typeface="+mn-cs"/>
+        </a:defRPr>
+      </a:lvl7pPr>
+      <a:lvl8pPr marL="3429000" indent="-228600" algn="l" defTabSz="914400" rtl="0" eaLnBrk="1" latinLnBrk="0" hangingPunct="1">
+        <a:lnSpc>
+          <a:spcPct val="90000"/>
+        </a:lnSpc>
+        <a:spcBef>
+          <a:spcPts val="250"/>
+        </a:spcBef>
+        <a:spcAft>
+          <a:spcPts val="250"/>
+        </a:spcAft>
+        <a:buClr>
+          <a:schemeClr val="accent1"/>
+        </a:buClr>
+        <a:buFont typeface="Wingdings 2" pitchFamily="18" charset="2"/>
+        <a:buChar char=""/>
+        <a:defRPr sz="1400" kern="1200">
+          <a:solidFill>
+            <a:schemeClr val="tx1">
+              <a:lumMod val="65000"/>
+              <a:lumOff val="35000"/>
+            </a:schemeClr>
+          </a:solidFill>
+          <a:latin typeface="+mn-lt"/>
+          <a:ea typeface="+mn-ea"/>
+          <a:cs typeface="+mn-cs"/>
+        </a:defRPr>
+      </a:lvl8pPr>
+      <a:lvl9pPr marL="3886200" indent="-228600" algn="l" defTabSz="914400" rtl="0" eaLnBrk="1" latinLnBrk="0" hangingPunct="1">
+        <a:lnSpc>
+          <a:spcPct val="90000"/>
+        </a:lnSpc>
+        <a:spcBef>
+          <a:spcPts val="250"/>
+        </a:spcBef>
+        <a:spcAft>
+          <a:spcPts val="250"/>
+        </a:spcAft>
+        <a:buClr>
+          <a:schemeClr val="accent1"/>
+        </a:buClr>
+        <a:buFont typeface="Wingdings 2" pitchFamily="18" charset="2"/>
+        <a:buChar char=""/>
+        <a:defRPr sz="1400" kern="1200">
+          <a:solidFill>
+            <a:schemeClr val="tx1">
+              <a:lumMod val="65000"/>
+              <a:lumOff val="35000"/>
+            </a:schemeClr>
+          </a:solidFill>
+          <a:latin typeface="+mn-lt"/>
+          <a:ea typeface="+mn-ea"/>
+          <a:cs typeface="+mn-cs"/>
+        </a:defRPr>
+      </a:lvl9pPr>
+    </p:bodyStyle>
+    <p:otherStyle>
+      <a:defPPr>
+        <a:defRPr lang="en-US"/>
+      </a:defPPr>
+      <a:lvl1pPr marL="0" algn="l" defTabSz="914400" rtl="0" eaLnBrk="1" latinLnBrk="0" hangingPunct="1">
+        <a:defRPr sz="1800" kern="1200">
+          <a:solidFill>
+            <a:schemeClr val="tx1"/>
+          </a:solidFill>
+          <a:latin typeface="+mn-lt"/>
+          <a:ea typeface="+mn-ea"/>
+          <a:cs typeface="+mn-cs"/>
+        </a:defRPr>
+      </a:lvl1pPr>
+      <a:lvl2pPr marL="457200" algn="l" defTabSz="914400" rtl="0" eaLnBrk="1" latinLnBrk="0" hangingPunct="1">
+        <a:defRPr sz="1800" kern="1200">
+          <a:solidFill>
+            <a:schemeClr val="tx1"/>
+          </a:solidFill>
+          <a:latin typeface="+mn-lt"/>
+          <a:ea typeface="+mn-ea"/>
+          <a:cs typeface="+mn-cs"/>
+        </a:defRPr>
+      </a:lvl2pPr>
+      <a:lvl3pPr marL="914400" algn="l" defTabSz="914400" rtl="0" eaLnBrk="1" latinLnBrk="0" hangingPunct="1">
+        <a:defRPr sz="1800" kern="1200">
+          <a:solidFill>
+            <a:schemeClr val="tx1"/>
+          </a:solidFill>
+          <a:latin typeface="+mn-lt"/>
+          <a:ea typeface="+mn-ea"/>
+          <a:cs typeface="+mn-cs"/>
+        </a:defRPr>
+      </a:lvl3pPr>
+      <a:lvl4pPr marL="1371600" algn="l" defTabSz="914400" rtl="0" eaLnBrk="1" latinLnBrk="0" hangingPunct="1">
+        <a:defRPr sz="1800" kern="1200">
+          <a:solidFill>
+            <a:schemeClr val="tx1"/>
+          </a:solidFill>
+          <a:latin typeface="+mn-lt"/>
+          <a:ea typeface="+mn-ea"/>
+          <a:cs typeface="+mn-cs"/>
+        </a:defRPr>
+      </a:lvl4pPr>
+      <a:lvl5pPr marL="1828800" algn="l" defTabSz="914400" rtl="0" eaLnBrk="1" latinLnBrk="0" hangingPunct="1">
+        <a:defRPr sz="1800" kern="1200">
+          <a:solidFill>
+            <a:schemeClr val="tx1"/>
+          </a:solidFill>
+          <a:latin typeface="+mn-lt"/>
+          <a:ea typeface="+mn-ea"/>
+          <a:cs typeface="+mn-cs"/>
+        </a:defRPr>
+      </a:lvl5pPr>
+      <a:lvl6pPr marL="2286000" algn="l" defTabSz="914400" rtl="0" eaLnBrk="1" latinLnBrk="0" hangingPunct="1">
+        <a:defRPr sz="1800" kern="1200">
+          <a:solidFill>
+            <a:schemeClr val="tx1"/>
+          </a:solidFill>
+          <a:latin typeface="+mn-lt"/>
+          <a:ea typeface="+mn-ea"/>
+          <a:cs typeface="+mn-cs"/>
+        </a:defRPr>
+      </a:lvl6pPr>
+      <a:lvl7pPr marL="2743200" algn="l" defTabSz="914400" rtl="0" eaLnBrk="1" latinLnBrk="0" hangingPunct="1">
+        <a:defRPr sz="1800" kern="1200">
+          <a:solidFill>
+            <a:schemeClr val="tx1"/>
+          </a:solidFill>
+          <a:latin typeface="+mn-lt"/>
+          <a:ea typeface="+mn-ea"/>
+          <a:cs typeface="+mn-cs"/>
+        </a:defRPr>
+      </a:lvl7pPr>
+      <a:lvl8pPr marL="3200400" algn="l" defTabSz="914400" rtl="0" eaLnBrk="1" latinLnBrk="0" hangingPunct="1">
+        <a:defRPr sz="1800" kern="1200">
+          <a:solidFill>
+            <a:schemeClr val="tx1"/>
+          </a:solidFill>
+          <a:latin typeface="+mn-lt"/>
+          <a:ea typeface="+mn-ea"/>
+          <a:cs typeface="+mn-cs"/>
+        </a:defRPr>
+      </a:lvl8pPr>
+      <a:lvl9pPr marL="3657600" algn="l" defTabSz="914400" rtl="0" eaLnBrk="1" latinLnBrk="0" hangingPunct="1">
+        <a:defRPr sz="1800" kern="1200">
+          <a:solidFill>
+            <a:schemeClr val="tx1"/>
+          </a:solidFill>
+          <a:latin typeface="+mn-lt"/>
+          <a:ea typeface="+mn-ea"/>
+          <a:cs typeface="+mn-cs"/>
+        </a:defRPr>
+      </a:lvl9pPr>
+    </p:otherStyle>
+  </p:txStyles>
+</p:sldMaster>
 </file>
 
-<file path=ppt/slides/slide2.xml><?xml version="1.0" encoding="utf-8"?>
-<p:sld xmlns:a="http://schemas.openxmlformats.org/drawingml/2006/main" xmlns:r="http://schemas.openxmlformats.org/officeDocument/2006/relationships" xmlns:p="http://schemas.openxmlformats.org/presentationml/2006/main">
+<file path=ppt/slideMasters/slideMaster3.xml><?xml version="1.0" encoding="utf-8"?>
+<p:sldMaster xmlns:a="http://schemas.openxmlformats.org/drawingml/2006/main" xmlns:r="http://schemas.openxmlformats.org/officeDocument/2006/relationships" xmlns:p="http://schemas.openxmlformats.org/presentationml/2006/main">
   <p:cSld>
     <p:bg>
-      <p:bgPr>
-        <a:solidFill>
-          <a:schemeClr val="bg1"/>
-        </a:solidFill>
-        <a:effectLst/>
-      </p:bgPr>
+      <p:bgRef idx="1001">
+        <a:schemeClr val="bg1"/>
+      </p:bgRef>
     </p:bg>
     <p:spTree>
       <p:nvGrpSpPr>
@@ -4298,26 +4731,9 @@
       </p:grpSpPr>
       <p:sp>
         <p:nvSpPr>
-          <p:cNvPr id="8" name="Rectangle 7">
-            <a:extLst>
-              <a:ext uri="{FF2B5EF4-FFF2-40B4-BE49-F238E27FC236}">
-                <a16:creationId xmlns:a16="http://schemas.microsoft.com/office/drawing/2014/main" id="{82FB26DF-1058-4FF2-A7D8-CC9D04982CF2}"/>
-              </a:ext>
-              <a:ext uri="{C183D7F6-B498-43B3-948B-1728B52AA6E4}">
-                <adec:decorative xmlns:adec="http://schemas.microsoft.com/office/drawing/2017/decorative" val="1"/>
-              </a:ext>
-            </a:extLst>
-          </p:cNvPr>
-          <p:cNvSpPr>
-            <a:spLocks noGrp="1" noRot="1" noChangeAspect="1" noMove="1" noResize="1" noEditPoints="1" noAdjustHandles="1" noChangeArrowheads="1" noChangeShapeType="1" noTextEdit="1"/>
-          </p:cNvSpPr>
-          <p:nvPr>
-            <p:extLst>
-              <p:ext uri="{386F3935-93C4-4BCD-93E2-E3B085C9AB24}">
-                <p16:designElem xmlns:p16="http://schemas.microsoft.com/office/powerpoint/2015/main" val="1"/>
-              </p:ext>
-            </p:extLst>
-          </p:nvPr>
+          <p:cNvPr id="7" name="Rectangle 6"/>
+          <p:cNvSpPr/>
+          <p:nvPr/>
         </p:nvSpPr>
         <p:spPr>
           <a:xfrm>
@@ -4351,64 +4767,44 @@
           </a:fontRef>
         </p:style>
       </p:sp>
-      <p:pic>
-        <p:nvPicPr>
-          <p:cNvPr id="3" name="Immagine 2" descr="Immagine che contiene testo&#10;&#10;Descrizione generata automaticamente">
-            <a:extLst>
-              <a:ext uri="{FF2B5EF4-FFF2-40B4-BE49-F238E27FC236}">
-                <a16:creationId xmlns:a16="http://schemas.microsoft.com/office/drawing/2014/main" id="{A405FF58-6A1E-45BB-B715-B79BF25D7918}"/>
-              </a:ext>
-            </a:extLst>
-          </p:cNvPr>
-          <p:cNvPicPr>
-            <a:picLocks noChangeAspect="1"/>
-          </p:cNvPicPr>
-          <p:nvPr/>
-        </p:nvPicPr>
-        <p:blipFill>
-          <a:blip r:embed="rId2">
-            <a:extLst>
-              <a:ext uri="{28A0092B-C50C-407E-A947-70E740481C1C}">
-                <a14:useLocalDpi xmlns:a14="http://schemas.microsoft.com/office/drawing/2010/main" val="0"/>
-              </a:ext>
-            </a:extLst>
-          </a:blip>
-          <a:stretch>
-            <a:fillRect/>
-          </a:stretch>
-        </p:blipFill>
+      <p:sp>
+        <p:nvSpPr>
+          <p:cNvPr id="2" name="Title Placeholder 1"/>
+          <p:cNvSpPr>
+            <a:spLocks noGrp="1"/>
+          </p:cNvSpPr>
+          <p:nvPr>
+            <p:ph type="title"/>
+          </p:nvPr>
+        </p:nvSpPr>
         <p:spPr>
           <a:xfrm>
-            <a:off x="4749749" y="758952"/>
-            <a:ext cx="5763191" cy="5330952"/>
+            <a:off x="252919" y="1123837"/>
+            <a:ext cx="2947482" cy="4601183"/>
           </a:xfrm>
           <a:prstGeom prst="rect">
             <a:avLst/>
           </a:prstGeom>
         </p:spPr>
-      </p:pic>
-      <p:sp>
-        <p:nvSpPr>
-          <p:cNvPr id="10" name="Rectangle 9">
-            <a:extLst>
-              <a:ext uri="{FF2B5EF4-FFF2-40B4-BE49-F238E27FC236}">
-                <a16:creationId xmlns:a16="http://schemas.microsoft.com/office/drawing/2014/main" id="{DF663E57-5EFE-40CA-99A5-7BDB95908FDF}"/>
-              </a:ext>
-              <a:ext uri="{C183D7F6-B498-43B3-948B-1728B52AA6E4}">
-                <adec:decorative xmlns:adec="http://schemas.microsoft.com/office/drawing/2017/decorative" val="1"/>
-              </a:ext>
-            </a:extLst>
-          </p:cNvPr>
-          <p:cNvSpPr>
-            <a:spLocks noGrp="1" noRot="1" noChangeAspect="1" noMove="1" noResize="1" noEditPoints="1" noAdjustHandles="1" noChangeArrowheads="1" noChangeShapeType="1" noTextEdit="1"/>
-          </p:cNvSpPr>
-          <p:nvPr>
-            <p:extLst>
-              <p:ext uri="{386F3935-93C4-4BCD-93E2-E3B085C9AB24}">
-                <p16:designElem xmlns:p16="http://schemas.microsoft.com/office/powerpoint/2015/main" val="1"/>
-              </p:ext>
-            </p:extLst>
-          </p:nvPr>
+        <p:txBody>
+          <a:bodyPr vert="horz" lIns="91440" tIns="45720" rIns="91440" bIns="45720" rtlCol="0" anchor="ctr">
+            <a:normAutofit/>
+          </a:bodyPr>
+          <a:lstStyle/>
+          <a:p>
+            <a:r>
+              <a:rPr lang="it-IT"/>
+              <a:t>Fare clic per modificare lo stile del titolo</a:t>
+            </a:r>
+            <a:endParaRPr lang="en-US" dirty="0"/>
+          </a:p>
+        </p:txBody>
+      </p:sp>
+      <p:sp>
+        <p:nvSpPr>
+          <p:cNvPr id="38" name="Rectangle 37"/>
+          <p:cNvSpPr/>
+          <p:nvPr/>
         </p:nvSpPr>
         <p:spPr>
           <a:xfrm>
@@ -4446,264 +4842,635 @@
       </p:sp>
       <p:sp>
         <p:nvSpPr>
-          <p:cNvPr id="4" name="CasellaDiTesto 3">
-            <a:extLst>
-              <a:ext uri="{FF2B5EF4-FFF2-40B4-BE49-F238E27FC236}">
-                <a16:creationId xmlns:a16="http://schemas.microsoft.com/office/drawing/2014/main" id="{2F220191-62B9-49A1-AAA0-9CAE6FF6EF11}"/>
-              </a:ext>
-            </a:extLst>
-          </p:cNvPr>
-          <p:cNvSpPr txBox="1"/>
-          <p:nvPr/>
+          <p:cNvPr id="3" name="Text Placeholder 2"/>
+          <p:cNvSpPr>
+            <a:spLocks noGrp="1"/>
+          </p:cNvSpPr>
+          <p:nvPr>
+            <p:ph type="body" idx="1"/>
+          </p:nvPr>
         </p:nvSpPr>
         <p:spPr>
           <a:xfrm>
-            <a:off x="155643" y="1157591"/>
-            <a:ext cx="3264035" cy="1384995"/>
+            <a:off x="3869268" y="864108"/>
+            <a:ext cx="7315200" cy="5120640"/>
           </a:xfrm>
           <a:prstGeom prst="rect">
             <a:avLst/>
           </a:prstGeom>
-          <a:noFill/>
         </p:spPr>
         <p:txBody>
-          <a:bodyPr wrap="none" rtlCol="0">
-            <a:spAutoFit/>
+          <a:bodyPr vert="horz" lIns="91440" tIns="45720" rIns="91440" bIns="45720" rtlCol="0" anchor="ctr">
+            <a:normAutofit/>
           </a:bodyPr>
           <a:lstStyle/>
           <a:p>
-            <a:r>
-              <a:rPr lang="en-US" sz="2800" dirty="0">
-                <a:solidFill>
-                  <a:schemeClr val="bg1"/>
-                </a:solidFill>
-              </a:rPr>
-              <a:t>-La prima </a:t>
-            </a:r>
-            <a:r>
-              <a:rPr lang="en-US" sz="2800" dirty="0" err="1">
-                <a:solidFill>
-                  <a:schemeClr val="bg1"/>
-                </a:solidFill>
-              </a:rPr>
-              <a:t>procedura</a:t>
-            </a:r>
-            <a:r>
-              <a:rPr lang="en-US" sz="2800" dirty="0">
-                <a:solidFill>
-                  <a:schemeClr val="bg1"/>
-                </a:solidFill>
-              </a:rPr>
-              <a:t> </a:t>
-            </a:r>
-          </a:p>
-          <a:p>
-            <a:r>
-              <a:rPr lang="en-US" sz="2800" dirty="0" err="1">
-                <a:solidFill>
-                  <a:schemeClr val="bg1"/>
-                </a:solidFill>
-              </a:rPr>
-              <a:t>restituisce</a:t>
-            </a:r>
-            <a:r>
-              <a:rPr lang="en-US" sz="2800" dirty="0">
-                <a:solidFill>
-                  <a:schemeClr val="bg1"/>
-                </a:solidFill>
-              </a:rPr>
-              <a:t> la </a:t>
-            </a:r>
-            <a:r>
-              <a:rPr lang="en-US" sz="2800" dirty="0" err="1">
-                <a:solidFill>
-                  <a:schemeClr val="bg1"/>
-                </a:solidFill>
-              </a:rPr>
-              <a:t>chiave</a:t>
-            </a:r>
-            <a:r>
-              <a:rPr lang="en-US" sz="2800" dirty="0">
-                <a:solidFill>
-                  <a:schemeClr val="bg1"/>
-                </a:solidFill>
-              </a:rPr>
-              <a:t> </a:t>
-            </a:r>
-          </a:p>
-          <a:p>
-            <a:r>
-              <a:rPr lang="en-US" sz="2800" dirty="0" err="1">
-                <a:solidFill>
-                  <a:schemeClr val="bg1"/>
-                </a:solidFill>
-              </a:rPr>
-              <a:t>scritta</a:t>
-            </a:r>
-            <a:r>
-              <a:rPr lang="en-US" sz="2800" dirty="0">
-                <a:solidFill>
-                  <a:schemeClr val="bg1"/>
-                </a:solidFill>
-              </a:rPr>
-              <a:t> </a:t>
-            </a:r>
-            <a:r>
-              <a:rPr lang="en-US" sz="2800" dirty="0" err="1">
-                <a:solidFill>
-                  <a:schemeClr val="bg1"/>
-                </a:solidFill>
-              </a:rPr>
-              <a:t>sulla</a:t>
-            </a:r>
-            <a:r>
-              <a:rPr lang="en-US" sz="2800" dirty="0">
-                <a:solidFill>
-                  <a:schemeClr val="bg1"/>
-                </a:solidFill>
-              </a:rPr>
-              <a:t> </a:t>
-            </a:r>
-            <a:r>
-              <a:rPr lang="en-US" sz="2800" dirty="0" err="1">
-                <a:solidFill>
-                  <a:schemeClr val="bg1"/>
-                </a:solidFill>
-              </a:rPr>
-              <a:t>eeprom</a:t>
-            </a:r>
-            <a:r>
-              <a:rPr lang="en-US" sz="2800" dirty="0">
-                <a:solidFill>
-                  <a:schemeClr val="bg1"/>
-                </a:solidFill>
-              </a:rPr>
-              <a:t>.</a:t>
-            </a:r>
-            <a:endParaRPr lang="it-IT" sz="2800" dirty="0">
-              <a:solidFill>
-                <a:schemeClr val="bg1"/>
-              </a:solidFill>
-            </a:endParaRPr>
-          </a:p>
-        </p:txBody>
-      </p:sp>
-      <p:sp>
-        <p:nvSpPr>
-          <p:cNvPr id="5" name="CasellaDiTesto 4">
-            <a:extLst>
-              <a:ext uri="{FF2B5EF4-FFF2-40B4-BE49-F238E27FC236}">
-                <a16:creationId xmlns:a16="http://schemas.microsoft.com/office/drawing/2014/main" id="{795A85F5-7DDD-4EAA-90F1-23FBA29C137C}"/>
-              </a:ext>
-            </a:extLst>
-          </p:cNvPr>
-          <p:cNvSpPr txBox="1"/>
-          <p:nvPr/>
+            <a:pPr lvl="0"/>
+            <a:r>
+              <a:rPr lang="it-IT"/>
+              <a:t>Modifica gli stili del testo dello schema</a:t>
+            </a:r>
+          </a:p>
+          <a:p>
+            <a:pPr lvl="1"/>
+            <a:r>
+              <a:rPr lang="it-IT"/>
+              <a:t>Secondo livello</a:t>
+            </a:r>
+          </a:p>
+          <a:p>
+            <a:pPr lvl="2"/>
+            <a:r>
+              <a:rPr lang="it-IT"/>
+              <a:t>Terzo livello</a:t>
+            </a:r>
+          </a:p>
+          <a:p>
+            <a:pPr lvl="3"/>
+            <a:r>
+              <a:rPr lang="it-IT"/>
+              <a:t>Quarto livello</a:t>
+            </a:r>
+          </a:p>
+          <a:p>
+            <a:pPr lvl="4"/>
+            <a:r>
+              <a:rPr lang="it-IT"/>
+              <a:t>Quinto livello</a:t>
+            </a:r>
+            <a:endParaRPr lang="en-US" dirty="0"/>
+          </a:p>
+        </p:txBody>
+      </p:sp>
+      <p:sp>
+        <p:nvSpPr>
+          <p:cNvPr id="4" name="Date Placeholder 3"/>
+          <p:cNvSpPr>
+            <a:spLocks noGrp="1"/>
+          </p:cNvSpPr>
+          <p:nvPr>
+            <p:ph type="dt" sz="half" idx="2"/>
+          </p:nvPr>
         </p:nvSpPr>
         <p:spPr>
           <a:xfrm>
-            <a:off x="240145" y="3429000"/>
-            <a:ext cx="3076483" cy="1200329"/>
+            <a:off x="262465" y="6356350"/>
+            <a:ext cx="2743200" cy="365125"/>
           </a:xfrm>
           <a:prstGeom prst="rect">
             <a:avLst/>
           </a:prstGeom>
-          <a:noFill/>
         </p:spPr>
         <p:txBody>
-          <a:bodyPr wrap="none" rtlCol="0">
-            <a:spAutoFit/>
-          </a:bodyPr>
-          <a:lstStyle/>
-          <a:p>
-            <a:r>
-              <a:rPr lang="en-US" sz="2400" dirty="0">
-                <a:solidFill>
-                  <a:schemeClr val="bg1"/>
-                </a:solidFill>
-              </a:rPr>
-              <a:t>-</a:t>
-            </a:r>
-            <a:r>
-              <a:rPr lang="en-US" sz="2400" dirty="0" err="1">
-                <a:solidFill>
-                  <a:schemeClr val="bg1"/>
-                </a:solidFill>
-              </a:rPr>
-              <a:t>inizializza</a:t>
-            </a:r>
-            <a:r>
-              <a:rPr lang="en-US" sz="2400" dirty="0">
-                <a:solidFill>
-                  <a:schemeClr val="bg1"/>
-                </a:solidFill>
-              </a:rPr>
-              <a:t> la </a:t>
-            </a:r>
-            <a:r>
-              <a:rPr lang="en-US" sz="2400" dirty="0" err="1">
-                <a:solidFill>
-                  <a:schemeClr val="bg1"/>
-                </a:solidFill>
-              </a:rPr>
-              <a:t>eeprom</a:t>
-            </a:r>
-            <a:r>
-              <a:rPr lang="en-US" sz="2400" dirty="0">
-                <a:solidFill>
-                  <a:schemeClr val="bg1"/>
-                </a:solidFill>
-              </a:rPr>
-              <a:t> </a:t>
-            </a:r>
-          </a:p>
-          <a:p>
-            <a:r>
-              <a:rPr lang="en-US" sz="2400" dirty="0">
-                <a:solidFill>
-                  <a:schemeClr val="bg1"/>
-                </a:solidFill>
-              </a:rPr>
-              <a:t>con la </a:t>
-            </a:r>
-            <a:r>
-              <a:rPr lang="en-US" sz="2400" dirty="0" err="1">
-                <a:solidFill>
-                  <a:schemeClr val="bg1"/>
-                </a:solidFill>
-              </a:rPr>
-              <a:t>chiave</a:t>
-            </a:r>
-            <a:r>
-              <a:rPr lang="en-US" sz="2400" dirty="0">
-                <a:solidFill>
-                  <a:schemeClr val="bg1"/>
-                </a:solidFill>
-              </a:rPr>
-              <a:t> generate </a:t>
-            </a:r>
-          </a:p>
-          <a:p>
-            <a:r>
-              <a:rPr lang="en-US" sz="2400" dirty="0">
-                <a:solidFill>
-                  <a:schemeClr val="bg1"/>
-                </a:solidFill>
-              </a:rPr>
-              <a:t>da java.</a:t>
-            </a:r>
-            <a:endParaRPr lang="it-IT" sz="2400" dirty="0">
-              <a:solidFill>
-                <a:schemeClr val="bg1"/>
-              </a:solidFill>
-            </a:endParaRPr>
+          <a:bodyPr vert="horz" lIns="91440" tIns="45720" rIns="91440" bIns="45720" rtlCol="0" anchor="ctr"/>
+          <a:lstStyle>
+            <a:lvl1pPr algn="l">
+              <a:defRPr sz="1100">
+                <a:solidFill>
+                  <a:schemeClr val="tx1">
+                    <a:lumMod val="50000"/>
+                    <a:lumOff val="50000"/>
+                  </a:schemeClr>
+                </a:solidFill>
+              </a:defRPr>
+            </a:lvl1pPr>
+          </a:lstStyle>
+          <a:p>
+            <a:fld id="{CDB97B79-D4F6-4DE3-83F5-F645C1581DFF}" type="datetimeFigureOut">
+              <a:rPr lang="it-IT" smtClean="0"/>
+              <a:t>19/05/2021</a:t>
+            </a:fld>
+            <a:endParaRPr lang="it-IT"/>
+          </a:p>
+        </p:txBody>
+      </p:sp>
+      <p:sp>
+        <p:nvSpPr>
+          <p:cNvPr id="5" name="Footer Placeholder 4"/>
+          <p:cNvSpPr>
+            <a:spLocks noGrp="1"/>
+          </p:cNvSpPr>
+          <p:nvPr>
+            <p:ph type="ftr" sz="quarter" idx="3"/>
+          </p:nvPr>
+        </p:nvSpPr>
+        <p:spPr>
+          <a:xfrm>
+            <a:off x="3869268" y="6356350"/>
+            <a:ext cx="5911517" cy="365125"/>
+          </a:xfrm>
+          <a:prstGeom prst="rect">
+            <a:avLst/>
+          </a:prstGeom>
+        </p:spPr>
+        <p:txBody>
+          <a:bodyPr vert="horz" lIns="91440" tIns="45720" rIns="91440" bIns="45720" rtlCol="0" anchor="ctr"/>
+          <a:lstStyle>
+            <a:lvl1pPr algn="l">
+              <a:defRPr sz="1100">
+                <a:solidFill>
+                  <a:schemeClr val="tx1">
+                    <a:lumMod val="50000"/>
+                    <a:lumOff val="50000"/>
+                  </a:schemeClr>
+                </a:solidFill>
+              </a:defRPr>
+            </a:lvl1pPr>
+          </a:lstStyle>
+          <a:p>
+            <a:endParaRPr lang="it-IT"/>
+          </a:p>
+        </p:txBody>
+      </p:sp>
+      <p:sp>
+        <p:nvSpPr>
+          <p:cNvPr id="6" name="Slide Number Placeholder 5"/>
+          <p:cNvSpPr>
+            <a:spLocks noGrp="1"/>
+          </p:cNvSpPr>
+          <p:nvPr>
+            <p:ph type="sldNum" sz="quarter" idx="4"/>
+          </p:nvPr>
+        </p:nvSpPr>
+        <p:spPr>
+          <a:xfrm>
+            <a:off x="10634135" y="6356350"/>
+            <a:ext cx="1530927" cy="365125"/>
+          </a:xfrm>
+          <a:prstGeom prst="rect">
+            <a:avLst/>
+          </a:prstGeom>
+        </p:spPr>
+        <p:txBody>
+          <a:bodyPr vert="horz" lIns="91440" tIns="45720" rIns="91440" bIns="45720" rtlCol="0" anchor="ctr"/>
+          <a:lstStyle>
+            <a:lvl1pPr algn="r">
+              <a:defRPr sz="1200" b="1">
+                <a:solidFill>
+                  <a:schemeClr val="accent1"/>
+                </a:solidFill>
+              </a:defRPr>
+            </a:lvl1pPr>
+          </a:lstStyle>
+          <a:p>
+            <a:fld id="{5D3A7FDA-D582-4B7C-86F0-CE0AC806BB4D}" type="slidenum">
+              <a:rPr lang="it-IT" smtClean="0"/>
+              <a:t>‹N›</a:t>
+            </a:fld>
+            <a:endParaRPr lang="it-IT"/>
           </a:p>
         </p:txBody>
       </p:sp>
     </p:spTree>
     <p:extLst>
       <p:ext uri="{BB962C8B-B14F-4D97-AF65-F5344CB8AC3E}">
-        <p14:creationId xmlns:p14="http://schemas.microsoft.com/office/powerpoint/2010/main" val="2665676220"/>
+        <p14:creationId xmlns:p14="http://schemas.microsoft.com/office/powerpoint/2010/main" val="1652870923"/>
+      </p:ext>
+    </p:extLst>
+  </p:cSld>
+  <p:clrMap bg1="lt1" tx1="dk1" bg2="lt2" tx2="dk2" accent1="accent1" accent2="accent2" accent3="accent3" accent4="accent4" accent5="accent5" accent6="accent6" hlink="hlink" folHlink="folHlink"/>
+  <p:sldLayoutIdLst>
+    <p:sldLayoutId id="2147483662" r:id="rId1"/>
+    <p:sldLayoutId id="2147483661" r:id="rId2"/>
+  </p:sldLayoutIdLst>
+  <p:txStyles>
+    <p:titleStyle>
+      <a:lvl1pPr algn="l" defTabSz="914400" rtl="0" eaLnBrk="1" latinLnBrk="0" hangingPunct="1">
+        <a:lnSpc>
+          <a:spcPct val="90000"/>
+        </a:lnSpc>
+        <a:spcBef>
+          <a:spcPct val="0"/>
+        </a:spcBef>
+        <a:buNone/>
+        <a:defRPr sz="3600" kern="1200" spc="-60" baseline="0">
+          <a:solidFill>
+            <a:srgbClr val="FFFFFF"/>
+          </a:solidFill>
+          <a:latin typeface="+mj-lt"/>
+          <a:ea typeface="+mj-ea"/>
+          <a:cs typeface="+mj-cs"/>
+        </a:defRPr>
+      </a:lvl1pPr>
+    </p:titleStyle>
+    <p:bodyStyle>
+      <a:lvl1pPr marL="182880" indent="-182880" algn="l" defTabSz="914400" rtl="0" eaLnBrk="1" latinLnBrk="0" hangingPunct="1">
+        <a:lnSpc>
+          <a:spcPct val="90000"/>
+        </a:lnSpc>
+        <a:spcBef>
+          <a:spcPts val="1200"/>
+        </a:spcBef>
+        <a:buClr>
+          <a:schemeClr val="accent1"/>
+        </a:buClr>
+        <a:buFont typeface="Wingdings 2" pitchFamily="18" charset="2"/>
+        <a:buChar char=""/>
+        <a:defRPr sz="2000" kern="1200">
+          <a:solidFill>
+            <a:schemeClr val="tx1">
+              <a:lumMod val="65000"/>
+              <a:lumOff val="35000"/>
+            </a:schemeClr>
+          </a:solidFill>
+          <a:latin typeface="+mn-lt"/>
+          <a:ea typeface="+mn-ea"/>
+          <a:cs typeface="+mn-cs"/>
+        </a:defRPr>
+      </a:lvl1pPr>
+      <a:lvl2pPr marL="685800" indent="-182880" algn="l" defTabSz="914400" rtl="0" eaLnBrk="1" latinLnBrk="0" hangingPunct="1">
+        <a:lnSpc>
+          <a:spcPct val="90000"/>
+        </a:lnSpc>
+        <a:spcBef>
+          <a:spcPts val="250"/>
+        </a:spcBef>
+        <a:spcAft>
+          <a:spcPts val="250"/>
+        </a:spcAft>
+        <a:buClr>
+          <a:schemeClr val="accent1"/>
+        </a:buClr>
+        <a:buFont typeface="Wingdings 2" pitchFamily="18" charset="2"/>
+        <a:buChar char=""/>
+        <a:defRPr sz="1800" kern="1200">
+          <a:solidFill>
+            <a:schemeClr val="tx1">
+              <a:lumMod val="65000"/>
+              <a:lumOff val="35000"/>
+            </a:schemeClr>
+          </a:solidFill>
+          <a:latin typeface="+mn-lt"/>
+          <a:ea typeface="+mn-ea"/>
+          <a:cs typeface="+mn-cs"/>
+        </a:defRPr>
+      </a:lvl2pPr>
+      <a:lvl3pPr marL="1143000" indent="-182880" algn="l" defTabSz="914400" rtl="0" eaLnBrk="1" latinLnBrk="0" hangingPunct="1">
+        <a:lnSpc>
+          <a:spcPct val="90000"/>
+        </a:lnSpc>
+        <a:spcBef>
+          <a:spcPts val="250"/>
+        </a:spcBef>
+        <a:spcAft>
+          <a:spcPts val="250"/>
+        </a:spcAft>
+        <a:buClr>
+          <a:schemeClr val="accent1"/>
+        </a:buClr>
+        <a:buFont typeface="Wingdings 2" pitchFamily="18" charset="2"/>
+        <a:buChar char=""/>
+        <a:defRPr sz="1600" kern="1200">
+          <a:solidFill>
+            <a:schemeClr val="tx1">
+              <a:lumMod val="65000"/>
+              <a:lumOff val="35000"/>
+            </a:schemeClr>
+          </a:solidFill>
+          <a:latin typeface="+mn-lt"/>
+          <a:ea typeface="+mn-ea"/>
+          <a:cs typeface="+mn-cs"/>
+        </a:defRPr>
+      </a:lvl3pPr>
+      <a:lvl4pPr marL="1600200" indent="-182880" algn="l" defTabSz="914400" rtl="0" eaLnBrk="1" latinLnBrk="0" hangingPunct="1">
+        <a:lnSpc>
+          <a:spcPct val="90000"/>
+        </a:lnSpc>
+        <a:spcBef>
+          <a:spcPts val="250"/>
+        </a:spcBef>
+        <a:spcAft>
+          <a:spcPts val="250"/>
+        </a:spcAft>
+        <a:buClr>
+          <a:schemeClr val="accent1"/>
+        </a:buClr>
+        <a:buFont typeface="Wingdings 2" pitchFamily="18" charset="2"/>
+        <a:buChar char=""/>
+        <a:defRPr sz="1400" kern="1200">
+          <a:solidFill>
+            <a:schemeClr val="tx1">
+              <a:lumMod val="65000"/>
+              <a:lumOff val="35000"/>
+            </a:schemeClr>
+          </a:solidFill>
+          <a:latin typeface="+mn-lt"/>
+          <a:ea typeface="+mn-ea"/>
+          <a:cs typeface="+mn-cs"/>
+        </a:defRPr>
+      </a:lvl4pPr>
+      <a:lvl5pPr marL="2057400" indent="-182880" algn="l" defTabSz="914400" rtl="0" eaLnBrk="1" latinLnBrk="0" hangingPunct="1">
+        <a:lnSpc>
+          <a:spcPct val="90000"/>
+        </a:lnSpc>
+        <a:spcBef>
+          <a:spcPts val="250"/>
+        </a:spcBef>
+        <a:spcAft>
+          <a:spcPts val="250"/>
+        </a:spcAft>
+        <a:buClr>
+          <a:schemeClr val="accent1"/>
+        </a:buClr>
+        <a:buFont typeface="Wingdings 2" pitchFamily="18" charset="2"/>
+        <a:buChar char=""/>
+        <a:defRPr sz="1400" kern="1200">
+          <a:solidFill>
+            <a:schemeClr val="tx1">
+              <a:lumMod val="65000"/>
+              <a:lumOff val="35000"/>
+            </a:schemeClr>
+          </a:solidFill>
+          <a:latin typeface="+mn-lt"/>
+          <a:ea typeface="+mn-ea"/>
+          <a:cs typeface="+mn-cs"/>
+        </a:defRPr>
+      </a:lvl5pPr>
+      <a:lvl6pPr marL="2514600" indent="-228600" algn="l" defTabSz="914400" rtl="0" eaLnBrk="1" latinLnBrk="0" hangingPunct="1">
+        <a:lnSpc>
+          <a:spcPct val="90000"/>
+        </a:lnSpc>
+        <a:spcBef>
+          <a:spcPts val="250"/>
+        </a:spcBef>
+        <a:spcAft>
+          <a:spcPts val="250"/>
+        </a:spcAft>
+        <a:buClr>
+          <a:schemeClr val="accent1"/>
+        </a:buClr>
+        <a:buFont typeface="Wingdings 2" pitchFamily="18" charset="2"/>
+        <a:buChar char=""/>
+        <a:defRPr sz="1400" kern="1200">
+          <a:solidFill>
+            <a:schemeClr val="tx1">
+              <a:lumMod val="65000"/>
+              <a:lumOff val="35000"/>
+            </a:schemeClr>
+          </a:solidFill>
+          <a:latin typeface="+mn-lt"/>
+          <a:ea typeface="+mn-ea"/>
+          <a:cs typeface="+mn-cs"/>
+        </a:defRPr>
+      </a:lvl6pPr>
+      <a:lvl7pPr marL="2971800" indent="-228600" algn="l" defTabSz="914400" rtl="0" eaLnBrk="1" latinLnBrk="0" hangingPunct="1">
+        <a:lnSpc>
+          <a:spcPct val="90000"/>
+        </a:lnSpc>
+        <a:spcBef>
+          <a:spcPts val="250"/>
+        </a:spcBef>
+        <a:spcAft>
+          <a:spcPts val="250"/>
+        </a:spcAft>
+        <a:buClr>
+          <a:schemeClr val="accent1"/>
+        </a:buClr>
+        <a:buFont typeface="Wingdings 2" pitchFamily="18" charset="2"/>
+        <a:buChar char=""/>
+        <a:defRPr sz="1400" kern="1200">
+          <a:solidFill>
+            <a:schemeClr val="tx1">
+              <a:lumMod val="65000"/>
+              <a:lumOff val="35000"/>
+            </a:schemeClr>
+          </a:solidFill>
+          <a:latin typeface="+mn-lt"/>
+          <a:ea typeface="+mn-ea"/>
+          <a:cs typeface="+mn-cs"/>
+        </a:defRPr>
+      </a:lvl7pPr>
+      <a:lvl8pPr marL="3429000" indent="-228600" algn="l" defTabSz="914400" rtl="0" eaLnBrk="1" latinLnBrk="0" hangingPunct="1">
+        <a:lnSpc>
+          <a:spcPct val="90000"/>
+        </a:lnSpc>
+        <a:spcBef>
+          <a:spcPts val="250"/>
+        </a:spcBef>
+        <a:spcAft>
+          <a:spcPts val="250"/>
+        </a:spcAft>
+        <a:buClr>
+          <a:schemeClr val="accent1"/>
+        </a:buClr>
+        <a:buFont typeface="Wingdings 2" pitchFamily="18" charset="2"/>
+        <a:buChar char=""/>
+        <a:defRPr sz="1400" kern="1200">
+          <a:solidFill>
+            <a:schemeClr val="tx1">
+              <a:lumMod val="65000"/>
+              <a:lumOff val="35000"/>
+            </a:schemeClr>
+          </a:solidFill>
+          <a:latin typeface="+mn-lt"/>
+          <a:ea typeface="+mn-ea"/>
+          <a:cs typeface="+mn-cs"/>
+        </a:defRPr>
+      </a:lvl8pPr>
+      <a:lvl9pPr marL="3886200" indent="-228600" algn="l" defTabSz="914400" rtl="0" eaLnBrk="1" latinLnBrk="0" hangingPunct="1">
+        <a:lnSpc>
+          <a:spcPct val="90000"/>
+        </a:lnSpc>
+        <a:spcBef>
+          <a:spcPts val="250"/>
+        </a:spcBef>
+        <a:spcAft>
+          <a:spcPts val="250"/>
+        </a:spcAft>
+        <a:buClr>
+          <a:schemeClr val="accent1"/>
+        </a:buClr>
+        <a:buFont typeface="Wingdings 2" pitchFamily="18" charset="2"/>
+        <a:buChar char=""/>
+        <a:defRPr sz="1400" kern="1200">
+          <a:solidFill>
+            <a:schemeClr val="tx1">
+              <a:lumMod val="65000"/>
+              <a:lumOff val="35000"/>
+            </a:schemeClr>
+          </a:solidFill>
+          <a:latin typeface="+mn-lt"/>
+          <a:ea typeface="+mn-ea"/>
+          <a:cs typeface="+mn-cs"/>
+        </a:defRPr>
+      </a:lvl9pPr>
+    </p:bodyStyle>
+    <p:otherStyle>
+      <a:defPPr>
+        <a:defRPr lang="en-US"/>
+      </a:defPPr>
+      <a:lvl1pPr marL="0" algn="l" defTabSz="914400" rtl="0" eaLnBrk="1" latinLnBrk="0" hangingPunct="1">
+        <a:defRPr sz="1800" kern="1200">
+          <a:solidFill>
+            <a:schemeClr val="tx1"/>
+          </a:solidFill>
+          <a:latin typeface="+mn-lt"/>
+          <a:ea typeface="+mn-ea"/>
+          <a:cs typeface="+mn-cs"/>
+        </a:defRPr>
+      </a:lvl1pPr>
+      <a:lvl2pPr marL="457200" algn="l" defTabSz="914400" rtl="0" eaLnBrk="1" latinLnBrk="0" hangingPunct="1">
+        <a:defRPr sz="1800" kern="1200">
+          <a:solidFill>
+            <a:schemeClr val="tx1"/>
+          </a:solidFill>
+          <a:latin typeface="+mn-lt"/>
+          <a:ea typeface="+mn-ea"/>
+          <a:cs typeface="+mn-cs"/>
+        </a:defRPr>
+      </a:lvl2pPr>
+      <a:lvl3pPr marL="914400" algn="l" defTabSz="914400" rtl="0" eaLnBrk="1" latinLnBrk="0" hangingPunct="1">
+        <a:defRPr sz="1800" kern="1200">
+          <a:solidFill>
+            <a:schemeClr val="tx1"/>
+          </a:solidFill>
+          <a:latin typeface="+mn-lt"/>
+          <a:ea typeface="+mn-ea"/>
+          <a:cs typeface="+mn-cs"/>
+        </a:defRPr>
+      </a:lvl3pPr>
+      <a:lvl4pPr marL="1371600" algn="l" defTabSz="914400" rtl="0" eaLnBrk="1" latinLnBrk="0" hangingPunct="1">
+        <a:defRPr sz="1800" kern="1200">
+          <a:solidFill>
+            <a:schemeClr val="tx1"/>
+          </a:solidFill>
+          <a:latin typeface="+mn-lt"/>
+          <a:ea typeface="+mn-ea"/>
+          <a:cs typeface="+mn-cs"/>
+        </a:defRPr>
+      </a:lvl4pPr>
+      <a:lvl5pPr marL="1828800" algn="l" defTabSz="914400" rtl="0" eaLnBrk="1" latinLnBrk="0" hangingPunct="1">
+        <a:defRPr sz="1800" kern="1200">
+          <a:solidFill>
+            <a:schemeClr val="tx1"/>
+          </a:solidFill>
+          <a:latin typeface="+mn-lt"/>
+          <a:ea typeface="+mn-ea"/>
+          <a:cs typeface="+mn-cs"/>
+        </a:defRPr>
+      </a:lvl5pPr>
+      <a:lvl6pPr marL="2286000" algn="l" defTabSz="914400" rtl="0" eaLnBrk="1" latinLnBrk="0" hangingPunct="1">
+        <a:defRPr sz="1800" kern="1200">
+          <a:solidFill>
+            <a:schemeClr val="tx1"/>
+          </a:solidFill>
+          <a:latin typeface="+mn-lt"/>
+          <a:ea typeface="+mn-ea"/>
+          <a:cs typeface="+mn-cs"/>
+        </a:defRPr>
+      </a:lvl6pPr>
+      <a:lvl7pPr marL="2743200" algn="l" defTabSz="914400" rtl="0" eaLnBrk="1" latinLnBrk="0" hangingPunct="1">
+        <a:defRPr sz="1800" kern="1200">
+          <a:solidFill>
+            <a:schemeClr val="tx1"/>
+          </a:solidFill>
+          <a:latin typeface="+mn-lt"/>
+          <a:ea typeface="+mn-ea"/>
+          <a:cs typeface="+mn-cs"/>
+        </a:defRPr>
+      </a:lvl7pPr>
+      <a:lvl8pPr marL="3200400" algn="l" defTabSz="914400" rtl="0" eaLnBrk="1" latinLnBrk="0" hangingPunct="1">
+        <a:defRPr sz="1800" kern="1200">
+          <a:solidFill>
+            <a:schemeClr val="tx1"/>
+          </a:solidFill>
+          <a:latin typeface="+mn-lt"/>
+          <a:ea typeface="+mn-ea"/>
+          <a:cs typeface="+mn-cs"/>
+        </a:defRPr>
+      </a:lvl8pPr>
+      <a:lvl9pPr marL="3657600" algn="l" defTabSz="914400" rtl="0" eaLnBrk="1" latinLnBrk="0" hangingPunct="1">
+        <a:defRPr sz="1800" kern="1200">
+          <a:solidFill>
+            <a:schemeClr val="tx1"/>
+          </a:solidFill>
+          <a:latin typeface="+mn-lt"/>
+          <a:ea typeface="+mn-ea"/>
+          <a:cs typeface="+mn-cs"/>
+        </a:defRPr>
+      </a:lvl9pPr>
+    </p:otherStyle>
+  </p:txStyles>
+</p:sldMaster>
+</file>
+
+<file path=ppt/slides/slide1.xml><?xml version="1.0" encoding="utf-8"?>
+<p:sld xmlns:a="http://schemas.openxmlformats.org/drawingml/2006/main" xmlns:r="http://schemas.openxmlformats.org/officeDocument/2006/relationships" xmlns:p="http://schemas.openxmlformats.org/presentationml/2006/main">
+  <p:cSld>
+    <p:spTree>
+      <p:nvGrpSpPr>
+        <p:cNvPr id="1" name=""/>
+        <p:cNvGrpSpPr/>
+        <p:nvPr/>
+      </p:nvGrpSpPr>
+      <p:grpSpPr>
+        <a:xfrm>
+          <a:off x="0" y="0"/>
+          <a:ext cx="0" cy="0"/>
+          <a:chOff x="0" y="0"/>
+          <a:chExt cx="0" cy="0"/>
+        </a:xfrm>
+      </p:grpSpPr>
+      <p:sp>
+        <p:nvSpPr>
+          <p:cNvPr id="4" name="Titolo 3">
+            <a:extLst>
+              <a:ext uri="{FF2B5EF4-FFF2-40B4-BE49-F238E27FC236}">
+                <a16:creationId xmlns:a16="http://schemas.microsoft.com/office/drawing/2014/main" id="{147DEBF8-C424-4730-9EE1-D01729F8D7FB}"/>
+              </a:ext>
+            </a:extLst>
+          </p:cNvPr>
+          <p:cNvSpPr>
+            <a:spLocks noGrp="1"/>
+          </p:cNvSpPr>
+          <p:nvPr>
+            <p:ph type="ctrTitle"/>
+          </p:nvPr>
+        </p:nvSpPr>
+        <p:spPr/>
+        <p:txBody>
+          <a:bodyPr/>
+          <a:lstStyle/>
+          <a:p>
+            <a:r>
+              <a:rPr lang="it-IT" dirty="0"/>
+              <a:t>PROGETTO TECNOLOGIE</a:t>
+            </a:r>
+          </a:p>
+        </p:txBody>
+      </p:sp>
+      <p:sp>
+        <p:nvSpPr>
+          <p:cNvPr id="5" name="Sottotitolo 4">
+            <a:extLst>
+              <a:ext uri="{FF2B5EF4-FFF2-40B4-BE49-F238E27FC236}">
+                <a16:creationId xmlns:a16="http://schemas.microsoft.com/office/drawing/2014/main" id="{83609A66-9608-4679-9D67-000216BE59E7}"/>
+              </a:ext>
+            </a:extLst>
+          </p:cNvPr>
+          <p:cNvSpPr>
+            <a:spLocks noGrp="1"/>
+          </p:cNvSpPr>
+          <p:nvPr>
+            <p:ph type="subTitle" idx="1"/>
+          </p:nvPr>
+        </p:nvSpPr>
+        <p:spPr/>
+        <p:txBody>
+          <a:bodyPr/>
+          <a:lstStyle/>
+          <a:p>
+            <a:r>
+              <a:rPr lang="it-IT" dirty="0"/>
+              <a:t>Vanzi Francesco, Locatelli Andrea, Simone Gerosa, Pianarosa Christian</a:t>
+            </a:r>
+          </a:p>
+        </p:txBody>
+      </p:sp>
+    </p:spTree>
+    <p:extLst>
+      <p:ext uri="{BB962C8B-B14F-4D97-AF65-F5344CB8AC3E}">
+        <p14:creationId xmlns:p14="http://schemas.microsoft.com/office/powerpoint/2010/main" val="3393482043"/>
       </p:ext>
     </p:extLst>
   </p:cSld>
@@ -4713,7 +5480,88 @@
 </p:sld>
 </file>
 
-<file path=ppt/slides/slide3.xml><?xml version="1.0" encoding="utf-8"?>
+<file path=ppt/slides/slide10.xml><?xml version="1.0" encoding="utf-8"?>
+<p:sld xmlns:a="http://schemas.openxmlformats.org/drawingml/2006/main" xmlns:r="http://schemas.openxmlformats.org/officeDocument/2006/relationships" xmlns:p="http://schemas.openxmlformats.org/presentationml/2006/main">
+  <p:cSld>
+    <p:spTree>
+      <p:nvGrpSpPr>
+        <p:cNvPr id="1" name=""/>
+        <p:cNvGrpSpPr/>
+        <p:nvPr/>
+      </p:nvGrpSpPr>
+      <p:grpSpPr>
+        <a:xfrm>
+          <a:off x="0" y="0"/>
+          <a:ext cx="0" cy="0"/>
+          <a:chOff x="0" y="0"/>
+          <a:chExt cx="0" cy="0"/>
+        </a:xfrm>
+      </p:grpSpPr>
+      <p:sp>
+        <p:nvSpPr>
+          <p:cNvPr id="2" name="Titolo 1"/>
+          <p:cNvSpPr>
+            <a:spLocks noGrp="1"/>
+          </p:cNvSpPr>
+          <p:nvPr>
+            <p:ph type="title"/>
+          </p:nvPr>
+        </p:nvSpPr>
+        <p:spPr/>
+        <p:txBody>
+          <a:bodyPr/>
+          <a:lstStyle/>
+          <a:p>
+            <a:r>
+              <a:rPr lang="it-IT" dirty="0"/>
+              <a:t>Crea una barra e vengono creati i sottomenù</a:t>
+            </a:r>
+          </a:p>
+        </p:txBody>
+      </p:sp>
+      <p:pic>
+        <p:nvPicPr>
+          <p:cNvPr id="4" name="Segnaposto contenuto 3"/>
+          <p:cNvPicPr>
+            <a:picLocks noGrp="1" noChangeAspect="1"/>
+          </p:cNvPicPr>
+          <p:nvPr>
+            <p:ph idx="1"/>
+          </p:nvPr>
+        </p:nvPicPr>
+        <p:blipFill>
+          <a:blip r:embed="rId2">
+            <a:extLst>
+              <a:ext uri="{28A0092B-C50C-407E-A947-70E740481C1C}">
+                <a14:useLocalDpi xmlns:a14="http://schemas.microsoft.com/office/drawing/2010/main" val="0"/>
+              </a:ext>
+            </a:extLst>
+          </a:blip>
+          <a:stretch>
+            <a:fillRect/>
+          </a:stretch>
+        </p:blipFill>
+        <p:spPr>
+          <a:xfrm>
+            <a:off x="4537471" y="863600"/>
+            <a:ext cx="5977733" cy="5121275"/>
+          </a:xfrm>
+        </p:spPr>
+      </p:pic>
+    </p:spTree>
+    <p:extLst>
+      <p:ext uri="{BB962C8B-B14F-4D97-AF65-F5344CB8AC3E}">
+        <p14:creationId xmlns:p14="http://schemas.microsoft.com/office/powerpoint/2010/main" val="94687734"/>
+      </p:ext>
+    </p:extLst>
+  </p:cSld>
+  <p:clrMapOvr>
+    <a:masterClrMapping/>
+  </p:clrMapOvr>
+</p:sld>
+</file>
+
+<file path=ppt/slides/slide11.xml><?xml version="1.0" encoding="utf-8"?>
 <p:sld xmlns:a="http://schemas.openxmlformats.org/drawingml/2006/main" xmlns:r="http://schemas.openxmlformats.org/officeDocument/2006/relationships" xmlns:p="http://schemas.openxmlformats.org/presentationml/2006/main">
   <p:cSld>
     <p:bg>
@@ -4740,7 +5588,7 @@
       </p:grpSpPr>
       <p:sp>
         <p:nvSpPr>
-          <p:cNvPr id="8" name="Rectangle 7">
+          <p:cNvPr id="17" name="Rectangle 16">
             <a:extLst>
               <a:ext uri="{FF2B5EF4-FFF2-40B4-BE49-F238E27FC236}">
                 <a16:creationId xmlns:a16="http://schemas.microsoft.com/office/drawing/2014/main" id="{82FB26DF-1058-4FF2-A7D8-CC9D04982CF2}"/>
@@ -4795,10 +5643,10 @@
       </p:sp>
       <p:pic>
         <p:nvPicPr>
-          <p:cNvPr id="3" name="Immagine 2" descr="Immagine che contiene testo&#10;&#10;Descrizione generata automaticamente">
+          <p:cNvPr id="5" name="Immagine 4" descr="Immagine che contiene testo, screenshot, monitor, interni&#10;&#10;Descrizione generata automaticamente">
             <a:extLst>
               <a:ext uri="{FF2B5EF4-FFF2-40B4-BE49-F238E27FC236}">
-                <a16:creationId xmlns:a16="http://schemas.microsoft.com/office/drawing/2014/main" id="{A47513E6-4CB4-4E7B-AEDF-D2012C30BD0E}"/>
+                <a16:creationId xmlns:a16="http://schemas.microsoft.com/office/drawing/2014/main" id="{57D9CAD2-2484-40D5-89C6-370B4245610A}"/>
               </a:ext>
             </a:extLst>
           </p:cNvPr>
@@ -4821,8 +5669,8 @@
         </p:blipFill>
         <p:spPr>
           <a:xfrm>
-            <a:off x="3443592" y="758952"/>
-            <a:ext cx="8510292" cy="4611070"/>
+            <a:off x="3607693" y="1553430"/>
+            <a:ext cx="8047304" cy="3741995"/>
           </a:xfrm>
           <a:prstGeom prst="rect">
             <a:avLst/>
@@ -4831,7 +5679,7 @@
       </p:pic>
       <p:sp>
         <p:nvSpPr>
-          <p:cNvPr id="10" name="Rectangle 9">
+          <p:cNvPr id="19" name="Rectangle 18">
             <a:extLst>
               <a:ext uri="{FF2B5EF4-FFF2-40B4-BE49-F238E27FC236}">
                 <a16:creationId xmlns:a16="http://schemas.microsoft.com/office/drawing/2014/main" id="{DF663E57-5EFE-40CA-99A5-7BDB95908FDF}"/>
@@ -4888,193 +5736,43 @@
       </p:sp>
       <p:sp>
         <p:nvSpPr>
-          <p:cNvPr id="4" name="CasellaDiTesto 3">
+          <p:cNvPr id="6" name="Titolo 1">
             <a:extLst>
               <a:ext uri="{FF2B5EF4-FFF2-40B4-BE49-F238E27FC236}">
-                <a16:creationId xmlns:a16="http://schemas.microsoft.com/office/drawing/2014/main" id="{B81F0D02-DE33-4299-8E3A-ABDCBE0DEA92}"/>
+                <a16:creationId xmlns:a16="http://schemas.microsoft.com/office/drawing/2014/main" id="{C0BA8EBE-24AC-4991-B246-D4A06117919A}"/>
               </a:ext>
             </a:extLst>
           </p:cNvPr>
-          <p:cNvSpPr txBox="1"/>
-          <p:nvPr/>
+          <p:cNvSpPr>
+            <a:spLocks noGrp="1"/>
+          </p:cNvSpPr>
+          <p:nvPr>
+            <p:ph type="title"/>
+          </p:nvPr>
         </p:nvSpPr>
         <p:spPr>
           <a:xfrm>
-            <a:off x="102602" y="1292498"/>
-            <a:ext cx="3238387" cy="1938992"/>
+            <a:off x="252919" y="1123837"/>
+            <a:ext cx="2947482" cy="4601183"/>
           </a:xfrm>
-          <a:prstGeom prst="rect">
-            <a:avLst/>
-          </a:prstGeom>
-          <a:noFill/>
         </p:spPr>
         <p:txBody>
-          <a:bodyPr wrap="none" rtlCol="0">
-            <a:spAutoFit/>
+          <a:bodyPr>
+            <a:normAutofit/>
           </a:bodyPr>
           <a:lstStyle/>
           <a:p>
             <a:r>
-              <a:rPr lang="en-US" sz="2400" dirty="0">
-                <a:solidFill>
-                  <a:schemeClr val="bg1"/>
-                </a:solidFill>
-              </a:rPr>
-              <a:t>Questa </a:t>
-            </a:r>
-            <a:r>
-              <a:rPr lang="en-US" sz="2400" dirty="0" err="1">
-                <a:solidFill>
-                  <a:schemeClr val="bg1"/>
-                </a:solidFill>
-              </a:rPr>
-              <a:t>funzione</a:t>
-            </a:r>
-            <a:r>
-              <a:rPr lang="en-US" sz="2400" dirty="0">
-                <a:solidFill>
-                  <a:schemeClr val="bg1"/>
-                </a:solidFill>
-              </a:rPr>
-              <a:t> </a:t>
-            </a:r>
-            <a:r>
-              <a:rPr lang="en-US" sz="2400" dirty="0" err="1">
-                <a:solidFill>
-                  <a:schemeClr val="bg1"/>
-                </a:solidFill>
-              </a:rPr>
-              <a:t>riesce</a:t>
-            </a:r>
-            <a:endParaRPr lang="en-US" sz="2400" dirty="0">
-              <a:solidFill>
-                <a:schemeClr val="bg1"/>
-              </a:solidFill>
-            </a:endParaRPr>
-          </a:p>
-          <a:p>
-            <a:r>
-              <a:rPr lang="en-US" sz="2400" dirty="0">
-                <a:solidFill>
-                  <a:schemeClr val="bg1"/>
-                </a:solidFill>
-              </a:rPr>
-              <a:t>a </a:t>
-            </a:r>
-            <a:r>
-              <a:rPr lang="en-US" sz="2400" dirty="0" err="1">
-                <a:solidFill>
-                  <a:schemeClr val="bg1"/>
-                </a:solidFill>
-              </a:rPr>
-              <a:t>cryptare</a:t>
-            </a:r>
-            <a:r>
-              <a:rPr lang="en-US" sz="2400" dirty="0">
-                <a:solidFill>
-                  <a:schemeClr val="bg1"/>
-                </a:solidFill>
-              </a:rPr>
-              <a:t> e </a:t>
-            </a:r>
-            <a:r>
-              <a:rPr lang="en-US" sz="2400" dirty="0" err="1">
-                <a:solidFill>
-                  <a:schemeClr val="bg1"/>
-                </a:solidFill>
-              </a:rPr>
-              <a:t>decryptare</a:t>
-            </a:r>
-            <a:r>
-              <a:rPr lang="en-US" sz="2400" dirty="0">
-                <a:solidFill>
-                  <a:schemeClr val="bg1"/>
-                </a:solidFill>
-              </a:rPr>
-              <a:t> </a:t>
-            </a:r>
-          </a:p>
-          <a:p>
-            <a:r>
-              <a:rPr lang="en-US" sz="2400" dirty="0" err="1">
-                <a:solidFill>
-                  <a:schemeClr val="bg1"/>
-                </a:solidFill>
-              </a:rPr>
-              <a:t>passandoli</a:t>
-            </a:r>
-            <a:r>
-              <a:rPr lang="en-US" sz="2400" dirty="0">
-                <a:solidFill>
-                  <a:schemeClr val="bg1"/>
-                </a:solidFill>
-              </a:rPr>
-              <a:t> file di input </a:t>
-            </a:r>
-          </a:p>
-          <a:p>
-            <a:r>
-              <a:rPr lang="en-US" sz="2400" dirty="0">
-                <a:solidFill>
-                  <a:schemeClr val="bg1"/>
-                </a:solidFill>
-              </a:rPr>
-              <a:t>ed output, e la </a:t>
-            </a:r>
-            <a:r>
-              <a:rPr lang="en-US" sz="2400" dirty="0" err="1">
-                <a:solidFill>
-                  <a:schemeClr val="bg1"/>
-                </a:solidFill>
-              </a:rPr>
-              <a:t>chiave</a:t>
-            </a:r>
-            <a:r>
-              <a:rPr lang="en-US" sz="2400" dirty="0">
-                <a:solidFill>
-                  <a:schemeClr val="bg1"/>
-                </a:solidFill>
-              </a:rPr>
-              <a:t> </a:t>
-            </a:r>
-          </a:p>
-          <a:p>
-            <a:r>
-              <a:rPr lang="en-US" sz="2400" dirty="0">
-                <a:solidFill>
-                  <a:schemeClr val="bg1"/>
-                </a:solidFill>
-              </a:rPr>
-              <a:t>di </a:t>
-            </a:r>
-            <a:r>
-              <a:rPr lang="en-US" sz="2400" dirty="0" err="1">
-                <a:solidFill>
-                  <a:schemeClr val="bg1"/>
-                </a:solidFill>
-              </a:rPr>
-              <a:t>cryptazione</a:t>
-            </a:r>
-            <a:r>
-              <a:rPr lang="en-US" sz="2400" dirty="0">
-                <a:solidFill>
-                  <a:schemeClr val="bg1"/>
-                </a:solidFill>
-              </a:rPr>
-              <a:t>.</a:t>
-            </a:r>
-            <a:endParaRPr lang="it-IT" sz="2400" dirty="0">
-              <a:solidFill>
-                <a:schemeClr val="bg1"/>
-              </a:solidFill>
-            </a:endParaRPr>
+              <a:rPr lang="it-IT" dirty="0"/>
+              <a:t>Finestra di Login e Registrazione di un Utente</a:t>
+            </a:r>
           </a:p>
         </p:txBody>
       </p:sp>
     </p:spTree>
     <p:extLst>
       <p:ext uri="{BB962C8B-B14F-4D97-AF65-F5344CB8AC3E}">
-        <p14:creationId xmlns:p14="http://schemas.microsoft.com/office/powerpoint/2010/main" val="2981225562"/>
+        <p14:creationId xmlns:p14="http://schemas.microsoft.com/office/powerpoint/2010/main" val="2407715207"/>
       </p:ext>
     </p:extLst>
   </p:cSld>
@@ -5084,7 +5782,7 @@
 </p:sld>
 </file>
 
-<file path=ppt/slides/slide4.xml><?xml version="1.0" encoding="utf-8"?>
+<file path=ppt/slides/slide12.xml><?xml version="1.0" encoding="utf-8"?>
 <p:sld xmlns:a="http://schemas.openxmlformats.org/drawingml/2006/main" xmlns:r="http://schemas.openxmlformats.org/officeDocument/2006/relationships" xmlns:p="http://schemas.openxmlformats.org/presentationml/2006/main">
   <p:cSld>
     <p:bg>
@@ -5111,10 +5809,10 @@
       </p:grpSpPr>
       <p:sp>
         <p:nvSpPr>
-          <p:cNvPr id="25" name="Rectangle 24">
+          <p:cNvPr id="38" name="Rectangle 37">
             <a:extLst>
               <a:ext uri="{FF2B5EF4-FFF2-40B4-BE49-F238E27FC236}">
-                <a16:creationId xmlns:a16="http://schemas.microsoft.com/office/drawing/2014/main" id="{82FB26DF-1058-4FF2-A7D8-CC9D04982CF2}"/>
+                <a16:creationId xmlns:a16="http://schemas.microsoft.com/office/drawing/2014/main" id="{B963DDB7-223F-43DC-A0B9-E57DC6C4583B}"/>
               </a:ext>
               <a:ext uri="{C183D7F6-B498-43B3-948B-1728B52AA6E4}">
                 <adec:decorative xmlns:adec="http://schemas.microsoft.com/office/drawing/2017/decorative" val="1"/>
@@ -5134,8 +5832,8 @@
         </p:nvSpPr>
         <p:spPr>
           <a:xfrm>
-            <a:off x="1" y="758952"/>
-            <a:ext cx="3443590" cy="5330952"/>
+            <a:off x="70" y="758952"/>
+            <a:ext cx="3005595" cy="5330952"/>
           </a:xfrm>
           <a:prstGeom prst="rect">
             <a:avLst/>
@@ -5166,10 +5864,10 @@
       </p:sp>
       <p:pic>
         <p:nvPicPr>
-          <p:cNvPr id="7" name="Immagine 6" descr="Immagine che contiene testo&#10;&#10;Descrizione generata automaticamente">
+          <p:cNvPr id="5" name="Immagine 4" descr="Immagine che contiene testo&#10;&#10;Descrizione generata automaticamente">
             <a:extLst>
               <a:ext uri="{FF2B5EF4-FFF2-40B4-BE49-F238E27FC236}">
-                <a16:creationId xmlns:a16="http://schemas.microsoft.com/office/drawing/2014/main" id="{4EA5D48B-8D57-42F0-B67D-B5F04A454EC5}"/>
+                <a16:creationId xmlns:a16="http://schemas.microsoft.com/office/drawing/2014/main" id="{9F109C2C-D1E7-49FD-98DA-318B5924E868}"/>
               </a:ext>
             </a:extLst>
           </p:cNvPr>
@@ -5178,7 +5876,7 @@
           </p:cNvPicPr>
           <p:nvPr/>
         </p:nvPicPr>
-        <p:blipFill>
+        <p:blipFill rotWithShape="1">
           <a:blip r:embed="rId2">
             <a:extLst>
               <a:ext uri="{28A0092B-C50C-407E-A947-70E740481C1C}">
@@ -5186,26 +5884,60 @@
               </a:ext>
             </a:extLst>
           </a:blip>
-          <a:stretch>
-            <a:fillRect/>
-          </a:stretch>
+          <a:srcRect r="7564" b="-3"/>
+          <a:stretch/>
         </p:blipFill>
         <p:spPr>
           <a:xfrm>
-            <a:off x="4615575" y="130760"/>
-            <a:ext cx="4521601" cy="6481580"/>
+            <a:off x="3166538" y="758952"/>
+            <a:ext cx="4163792" cy="5330952"/>
           </a:xfrm>
           <a:prstGeom prst="rect">
             <a:avLst/>
           </a:prstGeom>
         </p:spPr>
       </p:pic>
-      <p:sp>
-        <p:nvSpPr>
-          <p:cNvPr id="27" name="Rectangle 26">
+      <p:pic>
+        <p:nvPicPr>
+          <p:cNvPr id="11" name="Immagine 10" descr="Immagine che contiene testo&#10;&#10;Descrizione generata automaticamente">
             <a:extLst>
               <a:ext uri="{FF2B5EF4-FFF2-40B4-BE49-F238E27FC236}">
-                <a16:creationId xmlns:a16="http://schemas.microsoft.com/office/drawing/2014/main" id="{DF663E57-5EFE-40CA-99A5-7BDB95908FDF}"/>
+                <a16:creationId xmlns:a16="http://schemas.microsoft.com/office/drawing/2014/main" id="{A0B4D96E-4CE9-4A1E-9044-E15699ED76E4}"/>
+              </a:ext>
+            </a:extLst>
+          </p:cNvPr>
+          <p:cNvPicPr>
+            <a:picLocks noChangeAspect="1"/>
+          </p:cNvPicPr>
+          <p:nvPr/>
+        </p:nvPicPr>
+        <p:blipFill rotWithShape="1">
+          <a:blip r:embed="rId3">
+            <a:extLst>
+              <a:ext uri="{28A0092B-C50C-407E-A947-70E740481C1C}">
+                <a14:useLocalDpi xmlns:a14="http://schemas.microsoft.com/office/drawing/2010/main" val="0"/>
+              </a:ext>
+            </a:extLst>
+          </a:blip>
+          <a:srcRect t="26512" b="4031"/>
+          <a:stretch/>
+        </p:blipFill>
+        <p:spPr>
+          <a:xfrm>
+            <a:off x="7491196" y="758952"/>
+            <a:ext cx="4163792" cy="5330952"/>
+          </a:xfrm>
+          <a:prstGeom prst="rect">
+            <a:avLst/>
+          </a:prstGeom>
+        </p:spPr>
+      </p:pic>
+      <p:sp>
+        <p:nvSpPr>
+          <p:cNvPr id="40" name="Rectangle 39">
+            <a:extLst>
+              <a:ext uri="{FF2B5EF4-FFF2-40B4-BE49-F238E27FC236}">
+                <a16:creationId xmlns:a16="http://schemas.microsoft.com/office/drawing/2014/main" id="{79B22A04-1985-45DA-B778-EE89BD777FB9}"/>
               </a:ext>
               <a:ext uri="{C183D7F6-B498-43B3-948B-1728B52AA6E4}">
                 <adec:decorative xmlns:adec="http://schemas.microsoft.com/office/drawing/2017/decorative" val="1"/>
@@ -5259,270 +5991,43 @@
       </p:sp>
       <p:sp>
         <p:nvSpPr>
-          <p:cNvPr id="9" name="CasellaDiTesto 8">
+          <p:cNvPr id="6" name="Titolo 1">
             <a:extLst>
               <a:ext uri="{FF2B5EF4-FFF2-40B4-BE49-F238E27FC236}">
-                <a16:creationId xmlns:a16="http://schemas.microsoft.com/office/drawing/2014/main" id="{049118BA-3399-42F8-B510-4A28B60FE232}"/>
+                <a16:creationId xmlns:a16="http://schemas.microsoft.com/office/drawing/2014/main" id="{A6D44C12-2607-48AB-94A7-C2E308EE64FB}"/>
               </a:ext>
             </a:extLst>
           </p:cNvPr>
-          <p:cNvSpPr txBox="1"/>
-          <p:nvPr/>
+          <p:cNvSpPr>
+            <a:spLocks noGrp="1"/>
+          </p:cNvSpPr>
+          <p:nvPr>
+            <p:ph type="title"/>
+          </p:nvPr>
         </p:nvSpPr>
         <p:spPr>
           <a:xfrm>
-            <a:off x="69007" y="1588849"/>
-            <a:ext cx="3207224" cy="2677656"/>
+            <a:off x="252919" y="1123837"/>
+            <a:ext cx="2947482" cy="4601183"/>
           </a:xfrm>
-          <a:prstGeom prst="rect">
-            <a:avLst/>
-          </a:prstGeom>
-          <a:noFill/>
         </p:spPr>
         <p:txBody>
-          <a:bodyPr wrap="square" rtlCol="0">
-            <a:spAutoFit/>
+          <a:bodyPr>
+            <a:normAutofit/>
           </a:bodyPr>
           <a:lstStyle/>
           <a:p>
             <a:r>
-              <a:rPr lang="en-US" sz="2400" dirty="0">
-                <a:solidFill>
-                  <a:schemeClr val="bg1"/>
-                </a:solidFill>
-              </a:rPr>
-              <a:t>Qui </a:t>
-            </a:r>
-            <a:r>
-              <a:rPr lang="en-US" sz="2400" dirty="0" err="1">
-                <a:solidFill>
-                  <a:schemeClr val="bg1"/>
-                </a:solidFill>
-              </a:rPr>
-              <a:t>controllo</a:t>
-            </a:r>
-            <a:r>
-              <a:rPr lang="en-US" sz="2400" dirty="0">
-                <a:solidFill>
-                  <a:schemeClr val="bg1"/>
-                </a:solidFill>
-              </a:rPr>
-              <a:t> </a:t>
-            </a:r>
-            <a:r>
-              <a:rPr lang="en-US" sz="2400" dirty="0" err="1">
-                <a:solidFill>
-                  <a:schemeClr val="bg1"/>
-                </a:solidFill>
-              </a:rPr>
-              <a:t>che</a:t>
-            </a:r>
-            <a:r>
-              <a:rPr lang="en-US" sz="2400" dirty="0">
-                <a:solidFill>
-                  <a:schemeClr val="bg1"/>
-                </a:solidFill>
-              </a:rPr>
-              <a:t> la </a:t>
-            </a:r>
-            <a:r>
-              <a:rPr lang="en-US" sz="2400" dirty="0" err="1">
-                <a:solidFill>
-                  <a:schemeClr val="bg1"/>
-                </a:solidFill>
-              </a:rPr>
-              <a:t>seriale</a:t>
-            </a:r>
-            <a:r>
-              <a:rPr lang="en-US" sz="2400" dirty="0">
-                <a:solidFill>
-                  <a:schemeClr val="bg1"/>
-                </a:solidFill>
-              </a:rPr>
-              <a:t> </a:t>
-            </a:r>
-            <a:r>
-              <a:rPr lang="en-US" sz="2400" dirty="0" err="1">
-                <a:solidFill>
-                  <a:schemeClr val="bg1"/>
-                </a:solidFill>
-              </a:rPr>
-              <a:t>sia</a:t>
-            </a:r>
-            <a:r>
-              <a:rPr lang="en-US" sz="2400" dirty="0">
-                <a:solidFill>
-                  <a:schemeClr val="bg1"/>
-                </a:solidFill>
-              </a:rPr>
-              <a:t> </a:t>
-            </a:r>
-            <a:r>
-              <a:rPr lang="en-US" sz="2400" dirty="0" err="1">
-                <a:solidFill>
-                  <a:schemeClr val="bg1"/>
-                </a:solidFill>
-              </a:rPr>
-              <a:t>collegata</a:t>
-            </a:r>
-            <a:r>
-              <a:rPr lang="en-US" sz="2400" dirty="0">
-                <a:solidFill>
-                  <a:schemeClr val="bg1"/>
-                </a:solidFill>
-              </a:rPr>
-              <a:t> ad Arduino, </a:t>
-            </a:r>
-            <a:r>
-              <a:rPr lang="en-US" sz="2400" dirty="0" err="1">
-                <a:solidFill>
-                  <a:schemeClr val="bg1"/>
-                </a:solidFill>
-              </a:rPr>
-              <a:t>legge</a:t>
-            </a:r>
-            <a:r>
-              <a:rPr lang="en-US" sz="2400" dirty="0">
-                <a:solidFill>
-                  <a:schemeClr val="bg1"/>
-                </a:solidFill>
-              </a:rPr>
-              <a:t> o </a:t>
-            </a:r>
-          </a:p>
-          <a:p>
-            <a:r>
-              <a:rPr lang="en-US" sz="2400" dirty="0">
-                <a:solidFill>
-                  <a:schemeClr val="bg1"/>
-                </a:solidFill>
-              </a:rPr>
-              <a:t>genera la </a:t>
-            </a:r>
-            <a:r>
-              <a:rPr lang="en-US" sz="2400" dirty="0" err="1">
-                <a:solidFill>
-                  <a:schemeClr val="bg1"/>
-                </a:solidFill>
-              </a:rPr>
-              <a:t>chiave</a:t>
-            </a:r>
-            <a:r>
-              <a:rPr lang="en-US" sz="2400" dirty="0">
-                <a:solidFill>
-                  <a:schemeClr val="bg1"/>
-                </a:solidFill>
-              </a:rPr>
-              <a:t> in base </a:t>
-            </a:r>
-            <a:r>
-              <a:rPr lang="en-US" sz="2400" dirty="0" err="1">
-                <a:solidFill>
-                  <a:schemeClr val="bg1"/>
-                </a:solidFill>
-              </a:rPr>
-              <a:t>alla</a:t>
-            </a:r>
-            <a:r>
-              <a:rPr lang="en-US" sz="2400" dirty="0">
-                <a:solidFill>
-                  <a:schemeClr val="bg1"/>
-                </a:solidFill>
-              </a:rPr>
-              <a:t> </a:t>
-            </a:r>
-            <a:r>
-              <a:rPr lang="en-US" sz="2400" dirty="0" err="1">
-                <a:solidFill>
-                  <a:schemeClr val="bg1"/>
-                </a:solidFill>
-              </a:rPr>
-              <a:t>presenza</a:t>
-            </a:r>
-            <a:r>
-              <a:rPr lang="en-US" sz="2400" dirty="0">
-                <a:solidFill>
-                  <a:schemeClr val="bg1"/>
-                </a:solidFill>
-              </a:rPr>
-              <a:t>, genera una </a:t>
-            </a:r>
-            <a:r>
-              <a:rPr lang="en-US" sz="2400" dirty="0" err="1">
-                <a:solidFill>
-                  <a:schemeClr val="bg1"/>
-                </a:solidFill>
-              </a:rPr>
-              <a:t>chiave</a:t>
-            </a:r>
-            <a:r>
-              <a:rPr lang="en-US" sz="2400" dirty="0">
-                <a:solidFill>
-                  <a:schemeClr val="bg1"/>
-                </a:solidFill>
-              </a:rPr>
-              <a:t> </a:t>
-            </a:r>
-            <a:r>
-              <a:rPr lang="en-US" sz="2400" dirty="0" err="1">
-                <a:solidFill>
-                  <a:schemeClr val="bg1"/>
-                </a:solidFill>
-              </a:rPr>
-              <a:t>formata</a:t>
-            </a:r>
-            <a:r>
-              <a:rPr lang="en-US" sz="2400" dirty="0">
-                <a:solidFill>
-                  <a:schemeClr val="bg1"/>
-                </a:solidFill>
-              </a:rPr>
-              <a:t> da 24 </a:t>
-            </a:r>
-            <a:r>
-              <a:rPr lang="en-US" sz="2400" dirty="0" err="1">
-                <a:solidFill>
-                  <a:schemeClr val="bg1"/>
-                </a:solidFill>
-              </a:rPr>
-              <a:t>caratteri</a:t>
-            </a:r>
-            <a:r>
-              <a:rPr lang="en-US" sz="2400" dirty="0">
-                <a:solidFill>
-                  <a:schemeClr val="bg1"/>
-                </a:solidFill>
-              </a:rPr>
-              <a:t> </a:t>
-            </a:r>
-            <a:r>
-              <a:rPr lang="en-US" sz="2400" dirty="0" err="1">
-                <a:solidFill>
-                  <a:schemeClr val="bg1"/>
-                </a:solidFill>
-              </a:rPr>
-              <a:t>letterali</a:t>
-            </a:r>
-            <a:r>
-              <a:rPr lang="en-US" sz="2400" dirty="0">
-                <a:solidFill>
-                  <a:schemeClr val="bg1"/>
-                </a:solidFill>
-              </a:rPr>
-              <a:t>.</a:t>
-            </a:r>
-            <a:endParaRPr lang="it-IT" sz="2400" dirty="0">
-              <a:solidFill>
-                <a:schemeClr val="bg1"/>
-              </a:solidFill>
-            </a:endParaRPr>
+              <a:rPr lang="it-IT" dirty="0"/>
+              <a:t>Gestione di ID e Password</a:t>
+            </a:r>
           </a:p>
         </p:txBody>
       </p:sp>
     </p:spTree>
     <p:extLst>
       <p:ext uri="{BB962C8B-B14F-4D97-AF65-F5344CB8AC3E}">
-        <p14:creationId xmlns:p14="http://schemas.microsoft.com/office/powerpoint/2010/main" val="3540486241"/>
+        <p14:creationId xmlns:p14="http://schemas.microsoft.com/office/powerpoint/2010/main" val="1120142876"/>
       </p:ext>
     </p:extLst>
   </p:cSld>
@@ -5532,7 +6037,1147 @@
 </p:sld>
 </file>
 
-<file path=ppt/slides/slide5.xml><?xml version="1.0" encoding="utf-8"?>
+<file path=ppt/slides/slide13.xml><?xml version="1.0" encoding="utf-8"?>
+<p:sld xmlns:a="http://schemas.openxmlformats.org/drawingml/2006/main" xmlns:r="http://schemas.openxmlformats.org/officeDocument/2006/relationships" xmlns:p="http://schemas.openxmlformats.org/presentationml/2006/main">
+  <p:cSld>
+    <p:bg>
+      <p:bgPr>
+        <a:solidFill>
+          <a:schemeClr val="bg1"/>
+        </a:solidFill>
+        <a:effectLst/>
+      </p:bgPr>
+    </p:bg>
+    <p:spTree>
+      <p:nvGrpSpPr>
+        <p:cNvPr id="1" name=""/>
+        <p:cNvGrpSpPr/>
+        <p:nvPr/>
+      </p:nvGrpSpPr>
+      <p:grpSpPr>
+        <a:xfrm>
+          <a:off x="0" y="0"/>
+          <a:ext cx="0" cy="0"/>
+          <a:chOff x="0" y="0"/>
+          <a:chExt cx="0" cy="0"/>
+        </a:xfrm>
+      </p:grpSpPr>
+      <p:sp>
+        <p:nvSpPr>
+          <p:cNvPr id="13" name="Rectangle 12">
+            <a:extLst>
+              <a:ext uri="{FF2B5EF4-FFF2-40B4-BE49-F238E27FC236}">
+                <a16:creationId xmlns:a16="http://schemas.microsoft.com/office/drawing/2014/main" id="{17115F77-2FAE-4CA7-9A7F-10D5F2C8F831}"/>
+              </a:ext>
+              <a:ext uri="{C183D7F6-B498-43B3-948B-1728B52AA6E4}">
+                <adec:decorative xmlns:adec="http://schemas.microsoft.com/office/drawing/2017/decorative" val="1"/>
+              </a:ext>
+            </a:extLst>
+          </p:cNvPr>
+          <p:cNvSpPr>
+            <a:spLocks noGrp="1" noRot="1" noChangeAspect="1" noMove="1" noResize="1" noEditPoints="1" noAdjustHandles="1" noChangeArrowheads="1" noChangeShapeType="1" noTextEdit="1"/>
+          </p:cNvSpPr>
+          <p:nvPr>
+            <p:extLst>
+              <p:ext uri="{386F3935-93C4-4BCD-93E2-E3B085C9AB24}">
+                <p16:designElem xmlns:p16="http://schemas.microsoft.com/office/powerpoint/2015/main" val="1"/>
+              </p:ext>
+            </p:extLst>
+          </p:nvPr>
+        </p:nvSpPr>
+        <p:spPr>
+          <a:xfrm>
+            <a:off x="0" y="761999"/>
+            <a:ext cx="9141619" cy="5334001"/>
+          </a:xfrm>
+          <a:prstGeom prst="rect">
+            <a:avLst/>
+          </a:prstGeom>
+          <a:solidFill>
+            <a:schemeClr val="accent1"/>
+          </a:solidFill>
+          <a:ln>
+            <a:noFill/>
+          </a:ln>
+        </p:spPr>
+        <p:style>
+          <a:lnRef idx="2">
+            <a:schemeClr val="accent1">
+              <a:shade val="50000"/>
+            </a:schemeClr>
+          </a:lnRef>
+          <a:fillRef idx="1">
+            <a:schemeClr val="accent1"/>
+          </a:fillRef>
+          <a:effectRef idx="0">
+            <a:schemeClr val="accent1"/>
+          </a:effectRef>
+          <a:fontRef idx="minor">
+            <a:schemeClr val="lt1"/>
+          </a:fontRef>
+        </p:style>
+      </p:sp>
+      <p:sp>
+        <p:nvSpPr>
+          <p:cNvPr id="15" name="Rectangle 14">
+            <a:extLst>
+              <a:ext uri="{FF2B5EF4-FFF2-40B4-BE49-F238E27FC236}">
+                <a16:creationId xmlns:a16="http://schemas.microsoft.com/office/drawing/2014/main" id="{5CD4C046-A04C-46CC-AFA3-6B0621F628C8}"/>
+              </a:ext>
+              <a:ext uri="{C183D7F6-B498-43B3-948B-1728B52AA6E4}">
+                <adec:decorative xmlns:adec="http://schemas.microsoft.com/office/drawing/2017/decorative" val="1"/>
+              </a:ext>
+            </a:extLst>
+          </p:cNvPr>
+          <p:cNvSpPr>
+            <a:spLocks noGrp="1" noRot="1" noChangeAspect="1" noMove="1" noResize="1" noEditPoints="1" noAdjustHandles="1" noChangeArrowheads="1" noChangeShapeType="1" noTextEdit="1"/>
+          </p:cNvSpPr>
+          <p:nvPr>
+            <p:extLst>
+              <p:ext uri="{386F3935-93C4-4BCD-93E2-E3B085C9AB24}">
+                <p16:designElem xmlns:p16="http://schemas.microsoft.com/office/powerpoint/2015/main" val="1"/>
+              </p:ext>
+            </p:extLst>
+          </p:nvPr>
+        </p:nvSpPr>
+        <p:spPr>
+          <a:xfrm>
+            <a:off x="9270263" y="761999"/>
+            <a:ext cx="2925318" cy="5334001"/>
+          </a:xfrm>
+          <a:prstGeom prst="rect">
+            <a:avLst/>
+          </a:prstGeom>
+          <a:solidFill>
+            <a:srgbClr val="C8C8C8">
+              <a:alpha val="49804"/>
+            </a:srgbClr>
+          </a:solidFill>
+          <a:ln>
+            <a:noFill/>
+          </a:ln>
+        </p:spPr>
+        <p:style>
+          <a:lnRef idx="2">
+            <a:schemeClr val="accent1">
+              <a:shade val="50000"/>
+            </a:schemeClr>
+          </a:lnRef>
+          <a:fillRef idx="1">
+            <a:schemeClr val="accent1"/>
+          </a:fillRef>
+          <a:effectRef idx="0">
+            <a:schemeClr val="accent1"/>
+          </a:effectRef>
+          <a:fontRef idx="minor">
+            <a:schemeClr val="lt1"/>
+          </a:fontRef>
+        </p:style>
+      </p:sp>
+      <p:sp useBgFill="1">
+        <p:nvSpPr>
+          <p:cNvPr id="17" name="Rectangle 16">
+            <a:extLst>
+              <a:ext uri="{FF2B5EF4-FFF2-40B4-BE49-F238E27FC236}">
+                <a16:creationId xmlns:a16="http://schemas.microsoft.com/office/drawing/2014/main" id="{A5A2BA67-BF68-4F48-BAA9-1091D4FED1F8}"/>
+              </a:ext>
+              <a:ext uri="{C183D7F6-B498-43B3-948B-1728B52AA6E4}">
+                <adec:decorative xmlns:adec="http://schemas.microsoft.com/office/drawing/2017/decorative" val="1"/>
+              </a:ext>
+            </a:extLst>
+          </p:cNvPr>
+          <p:cNvSpPr>
+            <a:spLocks noGrp="1" noRot="1" noChangeAspect="1" noMove="1" noResize="1" noEditPoints="1" noAdjustHandles="1" noChangeArrowheads="1" noChangeShapeType="1" noTextEdit="1"/>
+          </p:cNvSpPr>
+          <p:nvPr>
+            <p:extLst>
+              <p:ext uri="{386F3935-93C4-4BCD-93E2-E3B085C9AB24}">
+                <p16:designElem xmlns:p16="http://schemas.microsoft.com/office/powerpoint/2015/main" val="1"/>
+              </p:ext>
+            </p:extLst>
+          </p:nvPr>
+        </p:nvSpPr>
+        <p:spPr>
+          <a:xfrm>
+            <a:off x="0" y="0"/>
+            <a:ext cx="12191999" cy="6858000"/>
+          </a:xfrm>
+          <a:prstGeom prst="rect">
+            <a:avLst/>
+          </a:prstGeom>
+          <a:ln>
+            <a:noFill/>
+          </a:ln>
+        </p:spPr>
+        <p:style>
+          <a:lnRef idx="2">
+            <a:schemeClr val="accent1">
+              <a:shade val="50000"/>
+            </a:schemeClr>
+          </a:lnRef>
+          <a:fillRef idx="1">
+            <a:schemeClr val="accent1"/>
+          </a:fillRef>
+          <a:effectRef idx="0">
+            <a:schemeClr val="accent1"/>
+          </a:effectRef>
+          <a:fontRef idx="minor">
+            <a:schemeClr val="lt1"/>
+          </a:fontRef>
+        </p:style>
+        <p:txBody>
+          <a:bodyPr rtlCol="0" anchor="ctr"/>
+          <a:lstStyle/>
+          <a:p>
+            <a:pPr algn="ctr"/>
+            <a:endParaRPr lang="en-US"/>
+          </a:p>
+        </p:txBody>
+      </p:sp>
+      <p:sp>
+        <p:nvSpPr>
+          <p:cNvPr id="19" name="Rectangle 18">
+            <a:extLst>
+              <a:ext uri="{FF2B5EF4-FFF2-40B4-BE49-F238E27FC236}">
+                <a16:creationId xmlns:a16="http://schemas.microsoft.com/office/drawing/2014/main" id="{E4190DBD-4A62-4416-ACB7-ACEC1DE3024B}"/>
+              </a:ext>
+              <a:ext uri="{C183D7F6-B498-43B3-948B-1728B52AA6E4}">
+                <adec:decorative xmlns:adec="http://schemas.microsoft.com/office/drawing/2017/decorative" val="1"/>
+              </a:ext>
+            </a:extLst>
+          </p:cNvPr>
+          <p:cNvSpPr>
+            <a:spLocks noGrp="1" noRot="1" noChangeAspect="1" noMove="1" noResize="1" noEditPoints="1" noAdjustHandles="1" noChangeArrowheads="1" noChangeShapeType="1" noTextEdit="1"/>
+          </p:cNvSpPr>
+          <p:nvPr>
+            <p:extLst>
+              <p:ext uri="{386F3935-93C4-4BCD-93E2-E3B085C9AB24}">
+                <p16:designElem xmlns:p16="http://schemas.microsoft.com/office/powerpoint/2015/main" val="1"/>
+              </p:ext>
+            </p:extLst>
+          </p:nvPr>
+        </p:nvSpPr>
+        <p:spPr>
+          <a:xfrm>
+            <a:off x="0" y="761999"/>
+            <a:ext cx="6092889" cy="5334001"/>
+          </a:xfrm>
+          <a:prstGeom prst="rect">
+            <a:avLst/>
+          </a:prstGeom>
+          <a:solidFill>
+            <a:schemeClr val="accent1"/>
+          </a:solidFill>
+          <a:ln>
+            <a:noFill/>
+          </a:ln>
+        </p:spPr>
+        <p:style>
+          <a:lnRef idx="2">
+            <a:schemeClr val="accent1">
+              <a:shade val="50000"/>
+            </a:schemeClr>
+          </a:lnRef>
+          <a:fillRef idx="1">
+            <a:schemeClr val="accent1"/>
+          </a:fillRef>
+          <a:effectRef idx="0">
+            <a:schemeClr val="accent1"/>
+          </a:effectRef>
+          <a:fontRef idx="minor">
+            <a:schemeClr val="lt1"/>
+          </a:fontRef>
+        </p:style>
+      </p:sp>
+      <p:sp>
+        <p:nvSpPr>
+          <p:cNvPr id="8" name="Titolo 1">
+            <a:extLst>
+              <a:ext uri="{FF2B5EF4-FFF2-40B4-BE49-F238E27FC236}">
+                <a16:creationId xmlns:a16="http://schemas.microsoft.com/office/drawing/2014/main" id="{B4974A78-251E-43B4-908B-9B7EE8AA9996}"/>
+              </a:ext>
+            </a:extLst>
+          </p:cNvPr>
+          <p:cNvSpPr>
+            <a:spLocks noGrp="1"/>
+          </p:cNvSpPr>
+          <p:nvPr>
+            <p:ph type="title"/>
+          </p:nvPr>
+        </p:nvSpPr>
+        <p:spPr>
+          <a:xfrm>
+            <a:off x="608375" y="2098548"/>
+            <a:ext cx="4705801" cy="3255264"/>
+          </a:xfrm>
+        </p:spPr>
+        <p:txBody>
+          <a:bodyPr vert="horz" lIns="91440" tIns="45720" rIns="91440" bIns="45720" rtlCol="0" anchor="b">
+            <a:normAutofit fontScale="90000"/>
+          </a:bodyPr>
+          <a:lstStyle/>
+          <a:p>
+            <a:r>
+              <a:rPr lang="en-US" sz="4000" dirty="0" err="1"/>
+              <a:t>Abbiamo</a:t>
+            </a:r>
+            <a:r>
+              <a:rPr lang="en-US" sz="4000" dirty="0"/>
+              <a:t> poi </a:t>
+            </a:r>
+            <a:r>
+              <a:rPr lang="en-US" sz="4000" dirty="0" err="1"/>
+              <a:t>creato</a:t>
+            </a:r>
+            <a:r>
+              <a:rPr lang="en-US" sz="4000" dirty="0"/>
+              <a:t> </a:t>
+            </a:r>
+            <a:r>
+              <a:rPr lang="en-US" sz="4000" dirty="0" err="1"/>
+              <a:t>tre</a:t>
+            </a:r>
+            <a:r>
+              <a:rPr lang="en-US" sz="4000" dirty="0"/>
+              <a:t> </a:t>
+            </a:r>
+            <a:r>
+              <a:rPr lang="en-US" sz="4000" dirty="0" err="1"/>
+              <a:t>bottoni</a:t>
+            </a:r>
+            <a:r>
+              <a:rPr lang="en-US" sz="4000" dirty="0"/>
+              <a:t>:</a:t>
+            </a:r>
+            <a:br>
+              <a:rPr lang="en-US" sz="4000" dirty="0"/>
+            </a:br>
+            <a:r>
+              <a:rPr lang="en-US" sz="4000" dirty="0"/>
+              <a:t>- </a:t>
+            </a:r>
+            <a:r>
+              <a:rPr lang="en-US" sz="4000" dirty="0" err="1"/>
+              <a:t>ResetButton</a:t>
+            </a:r>
+            <a:br>
+              <a:rPr lang="en-US" sz="4000" dirty="0"/>
+            </a:br>
+            <a:r>
+              <a:rPr lang="en-US" sz="4000" dirty="0"/>
+              <a:t>- </a:t>
+            </a:r>
+            <a:r>
+              <a:rPr lang="en-US" sz="4000" dirty="0" err="1"/>
+              <a:t>RegisterButton</a:t>
+            </a:r>
+            <a:br>
+              <a:rPr lang="en-US" sz="4000" dirty="0"/>
+            </a:br>
+            <a:r>
+              <a:rPr lang="en-US" sz="4000" dirty="0"/>
+              <a:t>- Login Button</a:t>
+            </a:r>
+            <a:br>
+              <a:rPr lang="en-US" sz="5900" spc="-100" dirty="0"/>
+            </a:br>
+            <a:endParaRPr lang="en-US" sz="5900" spc="-100" dirty="0"/>
+          </a:p>
+        </p:txBody>
+      </p:sp>
+      <p:pic>
+        <p:nvPicPr>
+          <p:cNvPr id="5" name="Immagine 4" descr="Immagine che contiene testo&#10;&#10;Descrizione generata automaticamente">
+            <a:extLst>
+              <a:ext uri="{FF2B5EF4-FFF2-40B4-BE49-F238E27FC236}">
+                <a16:creationId xmlns:a16="http://schemas.microsoft.com/office/drawing/2014/main" id="{FD02B9AE-C57D-4B9D-B9AB-EE0574CD0118}"/>
+              </a:ext>
+            </a:extLst>
+          </p:cNvPr>
+          <p:cNvPicPr>
+            <a:picLocks noChangeAspect="1"/>
+          </p:cNvPicPr>
+          <p:nvPr/>
+        </p:nvPicPr>
+        <p:blipFill rotWithShape="1">
+          <a:blip r:embed="rId2">
+            <a:extLst>
+              <a:ext uri="{28A0092B-C50C-407E-A947-70E740481C1C}">
+                <a14:useLocalDpi xmlns:a14="http://schemas.microsoft.com/office/drawing/2010/main" val="0"/>
+              </a:ext>
+            </a:extLst>
+          </a:blip>
+          <a:srcRect b="21270"/>
+          <a:stretch/>
+        </p:blipFill>
+        <p:spPr>
+          <a:xfrm>
+            <a:off x="6586977" y="759599"/>
+            <a:ext cx="4908848" cy="5330650"/>
+          </a:xfrm>
+          <a:prstGeom prst="rect">
+            <a:avLst/>
+          </a:prstGeom>
+        </p:spPr>
+      </p:pic>
+      <p:sp>
+        <p:nvSpPr>
+          <p:cNvPr id="21" name="Rectangle 20">
+            <a:extLst>
+              <a:ext uri="{FF2B5EF4-FFF2-40B4-BE49-F238E27FC236}">
+                <a16:creationId xmlns:a16="http://schemas.microsoft.com/office/drawing/2014/main" id="{DBF12D6D-FE37-445A-BF16-6DA1A659A4D7}"/>
+              </a:ext>
+              <a:ext uri="{C183D7F6-B498-43B3-948B-1728B52AA6E4}">
+                <adec:decorative xmlns:adec="http://schemas.microsoft.com/office/drawing/2017/decorative" val="1"/>
+              </a:ext>
+            </a:extLst>
+          </p:cNvPr>
+          <p:cNvSpPr>
+            <a:spLocks noGrp="1" noRot="1" noChangeAspect="1" noMove="1" noResize="1" noEditPoints="1" noAdjustHandles="1" noChangeArrowheads="1" noChangeShapeType="1" noTextEdit="1"/>
+          </p:cNvSpPr>
+          <p:nvPr>
+            <p:extLst>
+              <p:ext uri="{386F3935-93C4-4BCD-93E2-E3B085C9AB24}">
+                <p16:designElem xmlns:p16="http://schemas.microsoft.com/office/powerpoint/2015/main" val="1"/>
+              </p:ext>
+            </p:extLst>
+          </p:nvPr>
+        </p:nvSpPr>
+        <p:spPr>
+          <a:xfrm>
+            <a:off x="11815864" y="758952"/>
+            <a:ext cx="384048" cy="5330952"/>
+          </a:xfrm>
+          <a:prstGeom prst="rect">
+            <a:avLst/>
+          </a:prstGeom>
+          <a:solidFill>
+            <a:srgbClr val="C8C8C8">
+              <a:alpha val="49804"/>
+            </a:srgbClr>
+          </a:solidFill>
+          <a:ln>
+            <a:noFill/>
+          </a:ln>
+        </p:spPr>
+        <p:style>
+          <a:lnRef idx="2">
+            <a:schemeClr val="accent1">
+              <a:shade val="50000"/>
+            </a:schemeClr>
+          </a:lnRef>
+          <a:fillRef idx="1">
+            <a:schemeClr val="accent1"/>
+          </a:fillRef>
+          <a:effectRef idx="0">
+            <a:schemeClr val="accent1"/>
+          </a:effectRef>
+          <a:fontRef idx="minor">
+            <a:schemeClr val="lt1"/>
+          </a:fontRef>
+        </p:style>
+      </p:sp>
+    </p:spTree>
+    <p:extLst>
+      <p:ext uri="{BB962C8B-B14F-4D97-AF65-F5344CB8AC3E}">
+        <p14:creationId xmlns:p14="http://schemas.microsoft.com/office/powerpoint/2010/main" val="1931872111"/>
+      </p:ext>
+    </p:extLst>
+  </p:cSld>
+  <p:clrMapOvr>
+    <a:masterClrMapping/>
+  </p:clrMapOvr>
+  <p:timing>
+    <p:tnLst>
+      <p:par>
+        <p:cTn id="1" dur="indefinite" restart="never" nodeType="tmRoot">
+          <p:childTnLst>
+            <p:seq concurrent="1" nextAc="seek">
+              <p:cTn id="2" dur="indefinite" nodeType="mainSeq">
+                <p:childTnLst>
+                  <p:par>
+                    <p:cTn id="3" fill="hold">
+                      <p:stCondLst>
+                        <p:cond delay="indefinite"/>
+                        <p:cond evt="onBegin" delay="0">
+                          <p:tn val="2"/>
+                        </p:cond>
+                      </p:stCondLst>
+                      <p:childTnLst>
+                        <p:par>
+                          <p:cTn id="4" fill="hold">
+                            <p:stCondLst>
+                              <p:cond delay="0"/>
+                            </p:stCondLst>
+                            <p:childTnLst>
+                              <p:par>
+                                <p:cTn id="5" presetID="10" presetClass="entr" presetSubtype="0" fill="hold" grpId="0" nodeType="withEffect">
+                                  <p:stCondLst>
+                                    <p:cond delay="1000"/>
+                                  </p:stCondLst>
+                                  <p:iterate>
+                                    <p:tmPct val="10000"/>
+                                  </p:iterate>
+                                  <p:childTnLst>
+                                    <p:set>
+                                      <p:cBhvr>
+                                        <p:cTn id="6" dur="1" fill="hold">
+                                          <p:stCondLst>
+                                            <p:cond delay="0"/>
+                                          </p:stCondLst>
+                                        </p:cTn>
+                                        <p:tgtEl>
+                                          <p:spTgt spid="8"/>
+                                        </p:tgtEl>
+                                        <p:attrNameLst>
+                                          <p:attrName>style.visibility</p:attrName>
+                                        </p:attrNameLst>
+                                      </p:cBhvr>
+                                      <p:to>
+                                        <p:strVal val="visible"/>
+                                      </p:to>
+                                    </p:set>
+                                    <p:animEffect transition="in" filter="fade">
+                                      <p:cBhvr>
+                                        <p:cTn id="7" dur="700"/>
+                                        <p:tgtEl>
+                                          <p:spTgt spid="8"/>
+                                        </p:tgtEl>
+                                      </p:cBhvr>
+                                    </p:animEffect>
+                                  </p:childTnLst>
+                                </p:cTn>
+                              </p:par>
+                            </p:childTnLst>
+                          </p:cTn>
+                        </p:par>
+                      </p:childTnLst>
+                    </p:cTn>
+                  </p:par>
+                </p:childTnLst>
+              </p:cTn>
+              <p:prevCondLst>
+                <p:cond evt="onPrev" delay="0">
+                  <p:tgtEl>
+                    <p:sldTgt/>
+                  </p:tgtEl>
+                </p:cond>
+              </p:prevCondLst>
+              <p:nextCondLst>
+                <p:cond evt="onNext" delay="0">
+                  <p:tgtEl>
+                    <p:sldTgt/>
+                  </p:tgtEl>
+                </p:cond>
+              </p:nextCondLst>
+            </p:seq>
+          </p:childTnLst>
+        </p:cTn>
+      </p:par>
+    </p:tnLst>
+    <p:bldLst>
+      <p:bldP spid="8" grpId="0"/>
+    </p:bldLst>
+  </p:timing>
+</p:sld>
+</file>
+
+<file path=ppt/slides/slide14.xml><?xml version="1.0" encoding="utf-8"?>
+<p:sld xmlns:a="http://schemas.openxmlformats.org/drawingml/2006/main" xmlns:r="http://schemas.openxmlformats.org/officeDocument/2006/relationships" xmlns:p="http://schemas.openxmlformats.org/presentationml/2006/main">
+  <p:cSld>
+    <p:bg>
+      <p:bgPr>
+        <a:solidFill>
+          <a:schemeClr val="bg1"/>
+        </a:solidFill>
+        <a:effectLst/>
+      </p:bgPr>
+    </p:bg>
+    <p:spTree>
+      <p:nvGrpSpPr>
+        <p:cNvPr id="1" name=""/>
+        <p:cNvGrpSpPr/>
+        <p:nvPr/>
+      </p:nvGrpSpPr>
+      <p:grpSpPr>
+        <a:xfrm>
+          <a:off x="0" y="0"/>
+          <a:ext cx="0" cy="0"/>
+          <a:chOff x="0" y="0"/>
+          <a:chExt cx="0" cy="0"/>
+        </a:xfrm>
+      </p:grpSpPr>
+      <p:sp>
+        <p:nvSpPr>
+          <p:cNvPr id="54" name="Rectangle 53">
+            <a:extLst>
+              <a:ext uri="{FF2B5EF4-FFF2-40B4-BE49-F238E27FC236}">
+                <a16:creationId xmlns:a16="http://schemas.microsoft.com/office/drawing/2014/main" id="{82FB26DF-1058-4FF2-A7D8-CC9D04982CF2}"/>
+              </a:ext>
+              <a:ext uri="{C183D7F6-B498-43B3-948B-1728B52AA6E4}">
+                <adec:decorative xmlns:adec="http://schemas.microsoft.com/office/drawing/2017/decorative" val="1"/>
+              </a:ext>
+            </a:extLst>
+          </p:cNvPr>
+          <p:cNvSpPr>
+            <a:spLocks noGrp="1" noRot="1" noChangeAspect="1" noMove="1" noResize="1" noEditPoints="1" noAdjustHandles="1" noChangeArrowheads="1" noChangeShapeType="1" noTextEdit="1"/>
+          </p:cNvSpPr>
+          <p:nvPr>
+            <p:extLst>
+              <p:ext uri="{386F3935-93C4-4BCD-93E2-E3B085C9AB24}">
+                <p16:designElem xmlns:p16="http://schemas.microsoft.com/office/powerpoint/2015/main" val="1"/>
+              </p:ext>
+            </p:extLst>
+          </p:nvPr>
+        </p:nvSpPr>
+        <p:spPr>
+          <a:xfrm>
+            <a:off x="1" y="758952"/>
+            <a:ext cx="3443590" cy="5330952"/>
+          </a:xfrm>
+          <a:prstGeom prst="rect">
+            <a:avLst/>
+          </a:prstGeom>
+          <a:solidFill>
+            <a:schemeClr val="accent1"/>
+          </a:solidFill>
+          <a:ln>
+            <a:noFill/>
+          </a:ln>
+        </p:spPr>
+        <p:style>
+          <a:lnRef idx="2">
+            <a:schemeClr val="accent1">
+              <a:shade val="50000"/>
+            </a:schemeClr>
+          </a:lnRef>
+          <a:fillRef idx="1">
+            <a:schemeClr val="accent1"/>
+          </a:fillRef>
+          <a:effectRef idx="0">
+            <a:schemeClr val="accent1"/>
+          </a:effectRef>
+          <a:fontRef idx="minor">
+            <a:schemeClr val="lt1"/>
+          </a:fontRef>
+        </p:style>
+      </p:sp>
+      <p:pic>
+        <p:nvPicPr>
+          <p:cNvPr id="15" name="Immagine 14" descr="Immagine che contiene testo, screenshot, monitor&#10;&#10;Descrizione generata automaticamente">
+            <a:extLst>
+              <a:ext uri="{FF2B5EF4-FFF2-40B4-BE49-F238E27FC236}">
+                <a16:creationId xmlns:a16="http://schemas.microsoft.com/office/drawing/2014/main" id="{ADAD9D0E-E647-4E57-9B83-EDCD7333CD50}"/>
+              </a:ext>
+            </a:extLst>
+          </p:cNvPr>
+          <p:cNvPicPr>
+            <a:picLocks noChangeAspect="1"/>
+          </p:cNvPicPr>
+          <p:nvPr/>
+        </p:nvPicPr>
+        <p:blipFill>
+          <a:blip r:embed="rId2">
+            <a:extLst>
+              <a:ext uri="{28A0092B-C50C-407E-A947-70E740481C1C}">
+                <a14:useLocalDpi xmlns:a14="http://schemas.microsoft.com/office/drawing/2010/main" val="0"/>
+              </a:ext>
+            </a:extLst>
+          </a:blip>
+          <a:stretch>
+            <a:fillRect/>
+          </a:stretch>
+        </p:blipFill>
+        <p:spPr>
+          <a:xfrm>
+            <a:off x="3607693" y="1493075"/>
+            <a:ext cx="8047304" cy="3862705"/>
+          </a:xfrm>
+          <a:prstGeom prst="rect">
+            <a:avLst/>
+          </a:prstGeom>
+        </p:spPr>
+      </p:pic>
+      <p:sp>
+        <p:nvSpPr>
+          <p:cNvPr id="56" name="Rectangle 55">
+            <a:extLst>
+              <a:ext uri="{FF2B5EF4-FFF2-40B4-BE49-F238E27FC236}">
+                <a16:creationId xmlns:a16="http://schemas.microsoft.com/office/drawing/2014/main" id="{DF663E57-5EFE-40CA-99A5-7BDB95908FDF}"/>
+              </a:ext>
+              <a:ext uri="{C183D7F6-B498-43B3-948B-1728B52AA6E4}">
+                <adec:decorative xmlns:adec="http://schemas.microsoft.com/office/drawing/2017/decorative" val="1"/>
+              </a:ext>
+            </a:extLst>
+          </p:cNvPr>
+          <p:cNvSpPr>
+            <a:spLocks noGrp="1" noRot="1" noChangeAspect="1" noMove="1" noResize="1" noEditPoints="1" noAdjustHandles="1" noChangeArrowheads="1" noChangeShapeType="1" noTextEdit="1"/>
+          </p:cNvSpPr>
+          <p:nvPr>
+            <p:extLst>
+              <p:ext uri="{386F3935-93C4-4BCD-93E2-E3B085C9AB24}">
+                <p16:designElem xmlns:p16="http://schemas.microsoft.com/office/powerpoint/2015/main" val="1"/>
+              </p:ext>
+            </p:extLst>
+          </p:nvPr>
+        </p:nvSpPr>
+        <p:spPr>
+          <a:xfrm>
+            <a:off x="11815864" y="758952"/>
+            <a:ext cx="384048" cy="5330952"/>
+          </a:xfrm>
+          <a:prstGeom prst="rect">
+            <a:avLst/>
+          </a:prstGeom>
+          <a:solidFill>
+            <a:srgbClr val="C8C8C8">
+              <a:alpha val="49804"/>
+            </a:srgbClr>
+          </a:solidFill>
+          <a:ln>
+            <a:noFill/>
+          </a:ln>
+        </p:spPr>
+        <p:style>
+          <a:lnRef idx="2">
+            <a:schemeClr val="accent1">
+              <a:shade val="50000"/>
+            </a:schemeClr>
+          </a:lnRef>
+          <a:fillRef idx="1">
+            <a:schemeClr val="accent1"/>
+          </a:fillRef>
+          <a:effectRef idx="0">
+            <a:schemeClr val="accent1"/>
+          </a:effectRef>
+          <a:fontRef idx="minor">
+            <a:schemeClr val="lt1"/>
+          </a:fontRef>
+        </p:style>
+      </p:sp>
+      <p:sp>
+        <p:nvSpPr>
+          <p:cNvPr id="5" name="Titolo 1">
+            <a:extLst>
+              <a:ext uri="{FF2B5EF4-FFF2-40B4-BE49-F238E27FC236}">
+                <a16:creationId xmlns:a16="http://schemas.microsoft.com/office/drawing/2014/main" id="{6AC26880-CE26-4588-A3E9-99AF637B4F65}"/>
+              </a:ext>
+            </a:extLst>
+          </p:cNvPr>
+          <p:cNvSpPr>
+            <a:spLocks noGrp="1"/>
+          </p:cNvSpPr>
+          <p:nvPr>
+            <p:ph type="title"/>
+          </p:nvPr>
+        </p:nvSpPr>
+        <p:spPr>
+          <a:xfrm>
+            <a:off x="252919" y="1123837"/>
+            <a:ext cx="2947482" cy="4601183"/>
+          </a:xfrm>
+        </p:spPr>
+        <p:txBody>
+          <a:bodyPr>
+            <a:normAutofit/>
+          </a:bodyPr>
+          <a:lstStyle/>
+          <a:p>
+            <a:r>
+              <a:rPr lang="it-IT" dirty="0"/>
+              <a:t>Finestra di Creazione dei File di testo Criptati e Caricamento di essi</a:t>
+            </a:r>
+          </a:p>
+        </p:txBody>
+      </p:sp>
+    </p:spTree>
+    <p:extLst>
+      <p:ext uri="{BB962C8B-B14F-4D97-AF65-F5344CB8AC3E}">
+        <p14:creationId xmlns:p14="http://schemas.microsoft.com/office/powerpoint/2010/main" val="843654131"/>
+      </p:ext>
+    </p:extLst>
+  </p:cSld>
+  <p:clrMapOvr>
+    <a:masterClrMapping/>
+  </p:clrMapOvr>
+</p:sld>
+</file>
+
+<file path=ppt/slides/slide15.xml><?xml version="1.0" encoding="utf-8"?>
+<p:sld xmlns:a="http://schemas.openxmlformats.org/drawingml/2006/main" xmlns:r="http://schemas.openxmlformats.org/officeDocument/2006/relationships" xmlns:p="http://schemas.openxmlformats.org/presentationml/2006/main">
+  <p:cSld>
+    <p:bg>
+      <p:bgPr>
+        <a:solidFill>
+          <a:schemeClr val="bg1"/>
+        </a:solidFill>
+        <a:effectLst/>
+      </p:bgPr>
+    </p:bg>
+    <p:spTree>
+      <p:nvGrpSpPr>
+        <p:cNvPr id="1" name=""/>
+        <p:cNvGrpSpPr/>
+        <p:nvPr/>
+      </p:nvGrpSpPr>
+      <p:grpSpPr>
+        <a:xfrm>
+          <a:off x="0" y="0"/>
+          <a:ext cx="0" cy="0"/>
+          <a:chOff x="0" y="0"/>
+          <a:chExt cx="0" cy="0"/>
+        </a:xfrm>
+      </p:grpSpPr>
+      <p:sp>
+        <p:nvSpPr>
+          <p:cNvPr id="12" name="Rectangle 11">
+            <a:extLst>
+              <a:ext uri="{FF2B5EF4-FFF2-40B4-BE49-F238E27FC236}">
+                <a16:creationId xmlns:a16="http://schemas.microsoft.com/office/drawing/2014/main" id="{64C9EE1D-12BB-43F7-9A2A-893578DCA63A}"/>
+              </a:ext>
+              <a:ext uri="{C183D7F6-B498-43B3-948B-1728B52AA6E4}">
+                <adec:decorative xmlns:adec="http://schemas.microsoft.com/office/drawing/2017/decorative" val="1"/>
+              </a:ext>
+            </a:extLst>
+          </p:cNvPr>
+          <p:cNvSpPr>
+            <a:spLocks noGrp="1" noRot="1" noChangeAspect="1" noMove="1" noResize="1" noEditPoints="1" noAdjustHandles="1" noChangeArrowheads="1" noChangeShapeType="1" noTextEdit="1"/>
+          </p:cNvSpPr>
+          <p:nvPr>
+            <p:extLst>
+              <p:ext uri="{386F3935-93C4-4BCD-93E2-E3B085C9AB24}">
+                <p16:designElem xmlns:p16="http://schemas.microsoft.com/office/powerpoint/2015/main" val="1"/>
+              </p:ext>
+            </p:extLst>
+          </p:nvPr>
+        </p:nvSpPr>
+        <p:spPr>
+          <a:xfrm>
+            <a:off x="0" y="761999"/>
+            <a:ext cx="9141619" cy="5334001"/>
+          </a:xfrm>
+          <a:prstGeom prst="rect">
+            <a:avLst/>
+          </a:prstGeom>
+          <a:solidFill>
+            <a:schemeClr val="accent1"/>
+          </a:solidFill>
+          <a:ln>
+            <a:noFill/>
+          </a:ln>
+        </p:spPr>
+        <p:style>
+          <a:lnRef idx="2">
+            <a:schemeClr val="accent1">
+              <a:shade val="50000"/>
+            </a:schemeClr>
+          </a:lnRef>
+          <a:fillRef idx="1">
+            <a:schemeClr val="accent1"/>
+          </a:fillRef>
+          <a:effectRef idx="0">
+            <a:schemeClr val="accent1"/>
+          </a:effectRef>
+          <a:fontRef idx="minor">
+            <a:schemeClr val="lt1"/>
+          </a:fontRef>
+        </p:style>
+      </p:sp>
+      <p:sp>
+        <p:nvSpPr>
+          <p:cNvPr id="19" name="Rectangle 13">
+            <a:extLst>
+              <a:ext uri="{FF2B5EF4-FFF2-40B4-BE49-F238E27FC236}">
+                <a16:creationId xmlns:a16="http://schemas.microsoft.com/office/drawing/2014/main" id="{43962A31-C54E-4762-B155-59777FED1C75}"/>
+              </a:ext>
+              <a:ext uri="{C183D7F6-B498-43B3-948B-1728B52AA6E4}">
+                <adec:decorative xmlns:adec="http://schemas.microsoft.com/office/drawing/2017/decorative" val="1"/>
+              </a:ext>
+            </a:extLst>
+          </p:cNvPr>
+          <p:cNvSpPr>
+            <a:spLocks noGrp="1" noRot="1" noChangeAspect="1" noMove="1" noResize="1" noEditPoints="1" noAdjustHandles="1" noChangeArrowheads="1" noChangeShapeType="1" noTextEdit="1"/>
+          </p:cNvSpPr>
+          <p:nvPr>
+            <p:extLst>
+              <p:ext uri="{386F3935-93C4-4BCD-93E2-E3B085C9AB24}">
+                <p16:designElem xmlns:p16="http://schemas.microsoft.com/office/powerpoint/2015/main" val="1"/>
+              </p:ext>
+            </p:extLst>
+          </p:nvPr>
+        </p:nvSpPr>
+        <p:spPr>
+          <a:xfrm>
+            <a:off x="9270263" y="761999"/>
+            <a:ext cx="2925318" cy="5334001"/>
+          </a:xfrm>
+          <a:prstGeom prst="rect">
+            <a:avLst/>
+          </a:prstGeom>
+          <a:solidFill>
+            <a:srgbClr val="C8C8C8">
+              <a:alpha val="49804"/>
+            </a:srgbClr>
+          </a:solidFill>
+          <a:ln>
+            <a:noFill/>
+          </a:ln>
+        </p:spPr>
+        <p:style>
+          <a:lnRef idx="2">
+            <a:schemeClr val="accent1">
+              <a:shade val="50000"/>
+            </a:schemeClr>
+          </a:lnRef>
+          <a:fillRef idx="1">
+            <a:schemeClr val="accent1"/>
+          </a:fillRef>
+          <a:effectRef idx="0">
+            <a:schemeClr val="accent1"/>
+          </a:effectRef>
+          <a:fontRef idx="minor">
+            <a:schemeClr val="lt1"/>
+          </a:fontRef>
+        </p:style>
+      </p:sp>
+      <p:sp useBgFill="1">
+        <p:nvSpPr>
+          <p:cNvPr id="20" name="Rectangle 15">
+            <a:extLst>
+              <a:ext uri="{FF2B5EF4-FFF2-40B4-BE49-F238E27FC236}">
+                <a16:creationId xmlns:a16="http://schemas.microsoft.com/office/drawing/2014/main" id="{6B086509-1281-468A-AAAC-1BBEDAE75736}"/>
+              </a:ext>
+              <a:ext uri="{C183D7F6-B498-43B3-948B-1728B52AA6E4}">
+                <adec:decorative xmlns:adec="http://schemas.microsoft.com/office/drawing/2017/decorative" val="1"/>
+              </a:ext>
+            </a:extLst>
+          </p:cNvPr>
+          <p:cNvSpPr>
+            <a:spLocks noGrp="1" noRot="1" noChangeAspect="1" noMove="1" noResize="1" noEditPoints="1" noAdjustHandles="1" noChangeArrowheads="1" noChangeShapeType="1" noTextEdit="1"/>
+          </p:cNvSpPr>
+          <p:nvPr>
+            <p:extLst>
+              <p:ext uri="{386F3935-93C4-4BCD-93E2-E3B085C9AB24}">
+                <p16:designElem xmlns:p16="http://schemas.microsoft.com/office/powerpoint/2015/main" val="1"/>
+              </p:ext>
+            </p:extLst>
+          </p:nvPr>
+        </p:nvSpPr>
+        <p:spPr>
+          <a:xfrm>
+            <a:off x="0" y="0"/>
+            <a:ext cx="12191999" cy="6858000"/>
+          </a:xfrm>
+          <a:prstGeom prst="rect">
+            <a:avLst/>
+          </a:prstGeom>
+          <a:ln>
+            <a:noFill/>
+          </a:ln>
+        </p:spPr>
+        <p:style>
+          <a:lnRef idx="2">
+            <a:schemeClr val="accent1">
+              <a:shade val="50000"/>
+            </a:schemeClr>
+          </a:lnRef>
+          <a:fillRef idx="1">
+            <a:schemeClr val="accent1"/>
+          </a:fillRef>
+          <a:effectRef idx="0">
+            <a:schemeClr val="accent1"/>
+          </a:effectRef>
+          <a:fontRef idx="minor">
+            <a:schemeClr val="lt1"/>
+          </a:fontRef>
+        </p:style>
+        <p:txBody>
+          <a:bodyPr rtlCol="0" anchor="ctr"/>
+          <a:lstStyle/>
+          <a:p>
+            <a:pPr algn="ctr"/>
+            <a:endParaRPr lang="en-US"/>
+          </a:p>
+        </p:txBody>
+      </p:sp>
+      <p:sp>
+        <p:nvSpPr>
+          <p:cNvPr id="18" name="Rectangle 17">
+            <a:extLst>
+              <a:ext uri="{FF2B5EF4-FFF2-40B4-BE49-F238E27FC236}">
+                <a16:creationId xmlns:a16="http://schemas.microsoft.com/office/drawing/2014/main" id="{EEA73850-2107-4E65-85FE-EDD3F45FCDA2}"/>
+              </a:ext>
+              <a:ext uri="{C183D7F6-B498-43B3-948B-1728B52AA6E4}">
+                <adec:decorative xmlns:adec="http://schemas.microsoft.com/office/drawing/2017/decorative" val="1"/>
+              </a:ext>
+            </a:extLst>
+          </p:cNvPr>
+          <p:cNvSpPr>
+            <a:spLocks noGrp="1" noRot="1" noChangeAspect="1" noMove="1" noResize="1" noEditPoints="1" noAdjustHandles="1" noChangeArrowheads="1" noChangeShapeType="1" noTextEdit="1"/>
+          </p:cNvSpPr>
+          <p:nvPr>
+            <p:extLst>
+              <p:ext uri="{386F3935-93C4-4BCD-93E2-E3B085C9AB24}">
+                <p16:designElem xmlns:p16="http://schemas.microsoft.com/office/powerpoint/2015/main" val="1"/>
+              </p:ext>
+            </p:extLst>
+          </p:nvPr>
+        </p:nvSpPr>
+        <p:spPr>
+          <a:xfrm>
+            <a:off x="1" y="1300114"/>
+            <a:ext cx="4053525" cy="4257773"/>
+          </a:xfrm>
+          <a:prstGeom prst="rect">
+            <a:avLst/>
+          </a:prstGeom>
+          <a:solidFill>
+            <a:schemeClr val="accent1"/>
+          </a:solidFill>
+          <a:ln>
+            <a:noFill/>
+          </a:ln>
+        </p:spPr>
+        <p:style>
+          <a:lnRef idx="2">
+            <a:schemeClr val="accent1">
+              <a:shade val="50000"/>
+            </a:schemeClr>
+          </a:lnRef>
+          <a:fillRef idx="1">
+            <a:schemeClr val="accent1"/>
+          </a:fillRef>
+          <a:effectRef idx="0">
+            <a:schemeClr val="accent1"/>
+          </a:effectRef>
+          <a:fontRef idx="minor">
+            <a:schemeClr val="lt1"/>
+          </a:fontRef>
+        </p:style>
+      </p:sp>
+      <p:pic>
+        <p:nvPicPr>
+          <p:cNvPr id="5" name="Segnaposto contenuto 4" descr="Immagine che contiene testo&#10;&#10;Descrizione generata automaticamente">
+            <a:extLst>
+              <a:ext uri="{FF2B5EF4-FFF2-40B4-BE49-F238E27FC236}">
+                <a16:creationId xmlns:a16="http://schemas.microsoft.com/office/drawing/2014/main" id="{4EEE4462-556E-422D-B4C9-4C20932959DE}"/>
+              </a:ext>
+            </a:extLst>
+          </p:cNvPr>
+          <p:cNvPicPr>
+            <a:picLocks noGrp="1" noChangeAspect="1"/>
+          </p:cNvPicPr>
+          <p:nvPr>
+            <p:ph idx="1"/>
+          </p:nvPr>
+        </p:nvPicPr>
+        <p:blipFill>
+          <a:blip r:embed="rId2">
+            <a:extLst>
+              <a:ext uri="{28A0092B-C50C-407E-A947-70E740481C1C}">
+                <a14:useLocalDpi xmlns:a14="http://schemas.microsoft.com/office/drawing/2010/main" val="0"/>
+              </a:ext>
+            </a:extLst>
+          </a:blip>
+          <a:stretch>
+            <a:fillRect/>
+          </a:stretch>
+        </p:blipFill>
+        <p:spPr>
+          <a:xfrm>
+            <a:off x="4515391" y="1308032"/>
+            <a:ext cx="3435968" cy="4241935"/>
+          </a:xfrm>
+          <a:prstGeom prst="rect">
+            <a:avLst/>
+          </a:prstGeom>
+        </p:spPr>
+      </p:pic>
+      <p:pic>
+        <p:nvPicPr>
+          <p:cNvPr id="7" name="Immagine 6" descr="Immagine che contiene testo&#10;&#10;Descrizione generata automaticamente">
+            <a:extLst>
+              <a:ext uri="{FF2B5EF4-FFF2-40B4-BE49-F238E27FC236}">
+                <a16:creationId xmlns:a16="http://schemas.microsoft.com/office/drawing/2014/main" id="{E717973B-243F-4393-B76E-87293838D423}"/>
+              </a:ext>
+            </a:extLst>
+          </p:cNvPr>
+          <p:cNvPicPr>
+            <a:picLocks noChangeAspect="1"/>
+          </p:cNvPicPr>
+          <p:nvPr/>
+        </p:nvPicPr>
+        <p:blipFill>
+          <a:blip r:embed="rId3">
+            <a:extLst>
+              <a:ext uri="{28A0092B-C50C-407E-A947-70E740481C1C}">
+                <a14:useLocalDpi xmlns:a14="http://schemas.microsoft.com/office/drawing/2010/main" val="0"/>
+              </a:ext>
+            </a:extLst>
+          </a:blip>
+          <a:stretch>
+            <a:fillRect/>
+          </a:stretch>
+        </p:blipFill>
+        <p:spPr>
+          <a:xfrm>
+            <a:off x="8271399" y="1556537"/>
+            <a:ext cx="3435969" cy="3744925"/>
+          </a:xfrm>
+          <a:prstGeom prst="rect">
+            <a:avLst/>
+          </a:prstGeom>
+        </p:spPr>
+      </p:pic>
+      <p:sp>
+        <p:nvSpPr>
+          <p:cNvPr id="8" name="Titolo 1">
+            <a:extLst>
+              <a:ext uri="{FF2B5EF4-FFF2-40B4-BE49-F238E27FC236}">
+                <a16:creationId xmlns:a16="http://schemas.microsoft.com/office/drawing/2014/main" id="{EF17DAC2-CD6A-42D5-883F-C750D669728A}"/>
+              </a:ext>
+            </a:extLst>
+          </p:cNvPr>
+          <p:cNvSpPr>
+            <a:spLocks noGrp="1"/>
+          </p:cNvSpPr>
+          <p:nvPr>
+            <p:ph type="title"/>
+          </p:nvPr>
+        </p:nvSpPr>
+        <p:spPr>
+          <a:xfrm>
+            <a:off x="553022" y="1128407"/>
+            <a:ext cx="2947482" cy="4601183"/>
+          </a:xfrm>
+        </p:spPr>
+        <p:txBody>
+          <a:bodyPr>
+            <a:normAutofit/>
+          </a:bodyPr>
+          <a:lstStyle/>
+          <a:p>
+            <a:r>
+              <a:rPr lang="it-IT" dirty="0"/>
+              <a:t>Abbiamo anche implementato un Menu</a:t>
+            </a:r>
+          </a:p>
+        </p:txBody>
+      </p:sp>
+    </p:spTree>
+    <p:extLst>
+      <p:ext uri="{BB962C8B-B14F-4D97-AF65-F5344CB8AC3E}">
+        <p14:creationId xmlns:p14="http://schemas.microsoft.com/office/powerpoint/2010/main" val="295594935"/>
+      </p:ext>
+    </p:extLst>
+  </p:cSld>
+  <p:clrMapOvr>
+    <a:masterClrMapping/>
+  </p:clrMapOvr>
+</p:sld>
+</file>
+
+<file path=ppt/slides/slide2.xml><?xml version="1.0" encoding="utf-8"?>
 <p:sld xmlns:a="http://schemas.openxmlformats.org/drawingml/2006/main" xmlns:r="http://schemas.openxmlformats.org/officeDocument/2006/relationships" xmlns:p="http://schemas.openxmlformats.org/presentationml/2006/main">
   <p:cSld>
     <p:spTree>
@@ -5703,6 +7348,2456 @@
     <p:extLst>
       <p:ext uri="{BB962C8B-B14F-4D97-AF65-F5344CB8AC3E}">
         <p14:creationId xmlns:p14="http://schemas.microsoft.com/office/powerpoint/2010/main" val="2237535324"/>
+      </p:ext>
+    </p:extLst>
+  </p:cSld>
+  <p:clrMapOvr>
+    <a:masterClrMapping/>
+  </p:clrMapOvr>
+</p:sld>
+</file>
+
+<file path=ppt/slides/slide3.xml><?xml version="1.0" encoding="utf-8"?>
+<p:sld xmlns:a="http://schemas.openxmlformats.org/drawingml/2006/main" xmlns:r="http://schemas.openxmlformats.org/officeDocument/2006/relationships" xmlns:p="http://schemas.openxmlformats.org/presentationml/2006/main">
+  <p:cSld>
+    <p:bg>
+      <p:bgPr>
+        <a:solidFill>
+          <a:schemeClr val="bg1"/>
+        </a:solidFill>
+        <a:effectLst/>
+      </p:bgPr>
+    </p:bg>
+    <p:spTree>
+      <p:nvGrpSpPr>
+        <p:cNvPr id="1" name=""/>
+        <p:cNvGrpSpPr/>
+        <p:nvPr/>
+      </p:nvGrpSpPr>
+      <p:grpSpPr>
+        <a:xfrm>
+          <a:off x="0" y="0"/>
+          <a:ext cx="0" cy="0"/>
+          <a:chOff x="0" y="0"/>
+          <a:chExt cx="0" cy="0"/>
+        </a:xfrm>
+      </p:grpSpPr>
+      <p:sp>
+        <p:nvSpPr>
+          <p:cNvPr id="16" name="Rectangle 8">
+            <a:extLst>
+              <a:ext uri="{FF2B5EF4-FFF2-40B4-BE49-F238E27FC236}">
+                <a16:creationId xmlns:a16="http://schemas.microsoft.com/office/drawing/2014/main" id="{4F645BF8-7885-4398-80BC-4C0DF24F5CEE}"/>
+              </a:ext>
+              <a:ext uri="{C183D7F6-B498-43B3-948B-1728B52AA6E4}">
+                <adec:decorative xmlns:adec="http://schemas.microsoft.com/office/drawing/2017/decorative" val="1"/>
+              </a:ext>
+            </a:extLst>
+          </p:cNvPr>
+          <p:cNvSpPr>
+            <a:spLocks noGrp="1" noRot="1" noChangeAspect="1" noMove="1" noResize="1" noEditPoints="1" noAdjustHandles="1" noChangeArrowheads="1" noChangeShapeType="1" noTextEdit="1"/>
+          </p:cNvSpPr>
+          <p:nvPr>
+            <p:extLst>
+              <p:ext uri="{386F3935-93C4-4BCD-93E2-E3B085C9AB24}">
+                <p16:designElem xmlns:p16="http://schemas.microsoft.com/office/powerpoint/2015/main" val="1"/>
+              </p:ext>
+            </p:extLst>
+          </p:nvPr>
+        </p:nvSpPr>
+        <p:spPr>
+          <a:xfrm>
+            <a:off x="1" y="758952"/>
+            <a:ext cx="3443590" cy="5330952"/>
+          </a:xfrm>
+          <a:prstGeom prst="rect">
+            <a:avLst/>
+          </a:prstGeom>
+          <a:solidFill>
+            <a:schemeClr val="accent1"/>
+          </a:solidFill>
+          <a:ln>
+            <a:noFill/>
+          </a:ln>
+        </p:spPr>
+        <p:style>
+          <a:lnRef idx="2">
+            <a:schemeClr val="accent1">
+              <a:shade val="50000"/>
+            </a:schemeClr>
+          </a:lnRef>
+          <a:fillRef idx="1">
+            <a:schemeClr val="accent1"/>
+          </a:fillRef>
+          <a:effectRef idx="0">
+            <a:schemeClr val="accent1"/>
+          </a:effectRef>
+          <a:fontRef idx="minor">
+            <a:schemeClr val="lt1"/>
+          </a:fontRef>
+        </p:style>
+      </p:sp>
+      <p:sp>
+        <p:nvSpPr>
+          <p:cNvPr id="18" name="Rectangle 10">
+            <a:extLst>
+              <a:ext uri="{FF2B5EF4-FFF2-40B4-BE49-F238E27FC236}">
+                <a16:creationId xmlns:a16="http://schemas.microsoft.com/office/drawing/2014/main" id="{3212FB65-CD2B-4005-B910-132DCE19FCC7}"/>
+              </a:ext>
+              <a:ext uri="{C183D7F6-B498-43B3-948B-1728B52AA6E4}">
+                <adec:decorative xmlns:adec="http://schemas.microsoft.com/office/drawing/2017/decorative" val="1"/>
+              </a:ext>
+            </a:extLst>
+          </p:cNvPr>
+          <p:cNvSpPr>
+            <a:spLocks noGrp="1" noRot="1" noChangeAspect="1" noMove="1" noResize="1" noEditPoints="1" noAdjustHandles="1" noChangeArrowheads="1" noChangeShapeType="1" noTextEdit="1"/>
+          </p:cNvSpPr>
+          <p:nvPr>
+            <p:extLst>
+              <p:ext uri="{386F3935-93C4-4BCD-93E2-E3B085C9AB24}">
+                <p16:designElem xmlns:p16="http://schemas.microsoft.com/office/powerpoint/2015/main" val="1"/>
+              </p:ext>
+            </p:extLst>
+          </p:nvPr>
+        </p:nvSpPr>
+        <p:spPr>
+          <a:xfrm>
+            <a:off x="11815864" y="758952"/>
+            <a:ext cx="384048" cy="5330952"/>
+          </a:xfrm>
+          <a:prstGeom prst="rect">
+            <a:avLst/>
+          </a:prstGeom>
+          <a:solidFill>
+            <a:srgbClr val="C8C8C8">
+              <a:alpha val="49804"/>
+            </a:srgbClr>
+          </a:solidFill>
+          <a:ln>
+            <a:noFill/>
+          </a:ln>
+        </p:spPr>
+        <p:style>
+          <a:lnRef idx="2">
+            <a:schemeClr val="accent1">
+              <a:shade val="50000"/>
+            </a:schemeClr>
+          </a:lnRef>
+          <a:fillRef idx="1">
+            <a:schemeClr val="accent1"/>
+          </a:fillRef>
+          <a:effectRef idx="0">
+            <a:schemeClr val="accent1"/>
+          </a:effectRef>
+          <a:fontRef idx="minor">
+            <a:schemeClr val="lt1"/>
+          </a:fontRef>
+        </p:style>
+      </p:sp>
+      <p:sp useBgFill="1">
+        <p:nvSpPr>
+          <p:cNvPr id="19" name="Rectangle 12">
+            <a:extLst>
+              <a:ext uri="{FF2B5EF4-FFF2-40B4-BE49-F238E27FC236}">
+                <a16:creationId xmlns:a16="http://schemas.microsoft.com/office/drawing/2014/main" id="{EE9F5D7F-1BBC-4096-ADA7-AA9C9E4D2868}"/>
+              </a:ext>
+              <a:ext uri="{C183D7F6-B498-43B3-948B-1728B52AA6E4}">
+                <adec:decorative xmlns:adec="http://schemas.microsoft.com/office/drawing/2017/decorative" val="1"/>
+              </a:ext>
+            </a:extLst>
+          </p:cNvPr>
+          <p:cNvSpPr>
+            <a:spLocks noGrp="1" noRot="1" noChangeAspect="1" noMove="1" noResize="1" noEditPoints="1" noAdjustHandles="1" noChangeArrowheads="1" noChangeShapeType="1" noTextEdit="1"/>
+          </p:cNvSpPr>
+          <p:nvPr>
+            <p:extLst>
+              <p:ext uri="{386F3935-93C4-4BCD-93E2-E3B085C9AB24}">
+                <p16:designElem xmlns:p16="http://schemas.microsoft.com/office/powerpoint/2015/main" val="1"/>
+              </p:ext>
+            </p:extLst>
+          </p:nvPr>
+        </p:nvSpPr>
+        <p:spPr>
+          <a:xfrm>
+            <a:off x="0" y="0"/>
+            <a:ext cx="12192000" cy="6858000"/>
+          </a:xfrm>
+          <a:prstGeom prst="rect">
+            <a:avLst/>
+          </a:prstGeom>
+          <a:ln>
+            <a:noFill/>
+          </a:ln>
+        </p:spPr>
+        <p:style>
+          <a:lnRef idx="2">
+            <a:schemeClr val="accent1">
+              <a:shade val="50000"/>
+            </a:schemeClr>
+          </a:lnRef>
+          <a:fillRef idx="1">
+            <a:schemeClr val="accent1"/>
+          </a:fillRef>
+          <a:effectRef idx="0">
+            <a:schemeClr val="accent1"/>
+          </a:effectRef>
+          <a:fontRef idx="minor">
+            <a:schemeClr val="lt1"/>
+          </a:fontRef>
+        </p:style>
+        <p:txBody>
+          <a:bodyPr rtlCol="0" anchor="ctr"/>
+          <a:lstStyle/>
+          <a:p>
+            <a:pPr algn="ctr"/>
+            <a:endParaRPr lang="en-US"/>
+          </a:p>
+        </p:txBody>
+      </p:sp>
+      <p:sp>
+        <p:nvSpPr>
+          <p:cNvPr id="15" name="Rectangle 14">
+            <a:extLst>
+              <a:ext uri="{FF2B5EF4-FFF2-40B4-BE49-F238E27FC236}">
+                <a16:creationId xmlns:a16="http://schemas.microsoft.com/office/drawing/2014/main" id="{06D370DD-716B-4528-B475-331F84CEA5A1}"/>
+              </a:ext>
+              <a:ext uri="{C183D7F6-B498-43B3-948B-1728B52AA6E4}">
+                <adec:decorative xmlns:adec="http://schemas.microsoft.com/office/drawing/2017/decorative" val="1"/>
+              </a:ext>
+            </a:extLst>
+          </p:cNvPr>
+          <p:cNvSpPr>
+            <a:spLocks noGrp="1" noRot="1" noChangeAspect="1" noMove="1" noResize="1" noEditPoints="1" noAdjustHandles="1" noChangeArrowheads="1" noChangeShapeType="1" noTextEdit="1"/>
+          </p:cNvSpPr>
+          <p:nvPr>
+            <p:extLst>
+              <p:ext uri="{386F3935-93C4-4BCD-93E2-E3B085C9AB24}">
+                <p16:designElem xmlns:p16="http://schemas.microsoft.com/office/powerpoint/2015/main" val="1"/>
+              </p:ext>
+            </p:extLst>
+          </p:nvPr>
+        </p:nvSpPr>
+        <p:spPr>
+          <a:xfrm>
+            <a:off x="5139514" y="758953"/>
+            <a:ext cx="7052486" cy="5330952"/>
+          </a:xfrm>
+          <a:prstGeom prst="rect">
+            <a:avLst/>
+          </a:prstGeom>
+          <a:solidFill>
+            <a:schemeClr val="accent1"/>
+          </a:solidFill>
+          <a:ln>
+            <a:noFill/>
+          </a:ln>
+        </p:spPr>
+        <p:style>
+          <a:lnRef idx="2">
+            <a:schemeClr val="accent1">
+              <a:shade val="50000"/>
+            </a:schemeClr>
+          </a:lnRef>
+          <a:fillRef idx="1">
+            <a:schemeClr val="accent1"/>
+          </a:fillRef>
+          <a:effectRef idx="0">
+            <a:schemeClr val="accent1"/>
+          </a:effectRef>
+          <a:fontRef idx="minor">
+            <a:schemeClr val="lt1"/>
+          </a:fontRef>
+        </p:style>
+      </p:sp>
+      <p:sp>
+        <p:nvSpPr>
+          <p:cNvPr id="17" name="Rectangle 16">
+            <a:extLst>
+              <a:ext uri="{FF2B5EF4-FFF2-40B4-BE49-F238E27FC236}">
+                <a16:creationId xmlns:a16="http://schemas.microsoft.com/office/drawing/2014/main" id="{E79D076F-656A-4CD9-83AD-AF8F4B28CA49}"/>
+              </a:ext>
+              <a:ext uri="{C183D7F6-B498-43B3-948B-1728B52AA6E4}">
+                <adec:decorative xmlns:adec="http://schemas.microsoft.com/office/drawing/2017/decorative" val="1"/>
+              </a:ext>
+            </a:extLst>
+          </p:cNvPr>
+          <p:cNvSpPr>
+            <a:spLocks noGrp="1" noRot="1" noChangeAspect="1" noMove="1" noResize="1" noEditPoints="1" noAdjustHandles="1" noChangeArrowheads="1" noChangeShapeType="1" noTextEdit="1"/>
+          </p:cNvSpPr>
+          <p:nvPr>
+            <p:extLst>
+              <p:ext uri="{386F3935-93C4-4BCD-93E2-E3B085C9AB24}">
+                <p16:designElem xmlns:p16="http://schemas.microsoft.com/office/powerpoint/2015/main" val="1"/>
+              </p:ext>
+            </p:extLst>
+          </p:nvPr>
+        </p:nvSpPr>
+        <p:spPr>
+          <a:xfrm>
+            <a:off x="-7912" y="758952"/>
+            <a:ext cx="384048" cy="5330952"/>
+          </a:xfrm>
+          <a:prstGeom prst="rect">
+            <a:avLst/>
+          </a:prstGeom>
+          <a:solidFill>
+            <a:srgbClr val="C8C8C8">
+              <a:alpha val="49804"/>
+            </a:srgbClr>
+          </a:solidFill>
+          <a:ln>
+            <a:noFill/>
+          </a:ln>
+        </p:spPr>
+        <p:style>
+          <a:lnRef idx="2">
+            <a:schemeClr val="accent1">
+              <a:shade val="50000"/>
+            </a:schemeClr>
+          </a:lnRef>
+          <a:fillRef idx="1">
+            <a:schemeClr val="accent1"/>
+          </a:fillRef>
+          <a:effectRef idx="0">
+            <a:schemeClr val="accent1"/>
+          </a:effectRef>
+          <a:fontRef idx="minor">
+            <a:schemeClr val="lt1"/>
+          </a:fontRef>
+        </p:style>
+      </p:sp>
+      <p:pic>
+        <p:nvPicPr>
+          <p:cNvPr id="3" name="Immagine 2" descr="Immagine che contiene testo&#10;&#10;Descrizione generata automaticamente">
+            <a:extLst>
+              <a:ext uri="{FF2B5EF4-FFF2-40B4-BE49-F238E27FC236}">
+                <a16:creationId xmlns:a16="http://schemas.microsoft.com/office/drawing/2014/main" id="{858BAF39-7256-4207-A3BF-1F73413A0221}"/>
+              </a:ext>
+            </a:extLst>
+          </p:cNvPr>
+          <p:cNvPicPr>
+            <a:picLocks noChangeAspect="1"/>
+          </p:cNvPicPr>
+          <p:nvPr/>
+        </p:nvPicPr>
+        <p:blipFill>
+          <a:blip r:embed="rId2">
+            <a:extLst>
+              <a:ext uri="{28A0092B-C50C-407E-A947-70E740481C1C}">
+                <a14:useLocalDpi xmlns:a14="http://schemas.microsoft.com/office/drawing/2010/main" val="0"/>
+              </a:ext>
+            </a:extLst>
+          </a:blip>
+          <a:stretch>
+            <a:fillRect/>
+          </a:stretch>
+        </p:blipFill>
+        <p:spPr>
+          <a:xfrm>
+            <a:off x="1357281" y="758953"/>
+            <a:ext cx="3311995" cy="5904494"/>
+          </a:xfrm>
+          <a:prstGeom prst="rect">
+            <a:avLst/>
+          </a:prstGeom>
+        </p:spPr>
+      </p:pic>
+      <p:sp>
+        <p:nvSpPr>
+          <p:cNvPr id="4" name="CasellaDiTesto 3">
+            <a:extLst>
+              <a:ext uri="{FF2B5EF4-FFF2-40B4-BE49-F238E27FC236}">
+                <a16:creationId xmlns:a16="http://schemas.microsoft.com/office/drawing/2014/main" id="{1216BDFA-E7E9-4C8F-8903-D30BB8CC3C03}"/>
+              </a:ext>
+            </a:extLst>
+          </p:cNvPr>
+          <p:cNvSpPr txBox="1"/>
+          <p:nvPr/>
+        </p:nvSpPr>
+        <p:spPr>
+          <a:xfrm>
+            <a:off x="5307102" y="903268"/>
+            <a:ext cx="6451109" cy="2403350"/>
+          </a:xfrm>
+          <a:prstGeom prst="rect">
+            <a:avLst/>
+          </a:prstGeom>
+        </p:spPr>
+        <p:txBody>
+          <a:bodyPr vert="horz" lIns="91440" tIns="45720" rIns="91440" bIns="45720" rtlCol="0" anchor="t">
+            <a:normAutofit/>
+          </a:bodyPr>
+          <a:lstStyle/>
+          <a:p>
+            <a:pPr defTabSz="914400">
+              <a:lnSpc>
+                <a:spcPct val="90000"/>
+              </a:lnSpc>
+              <a:spcAft>
+                <a:spcPts val="600"/>
+              </a:spcAft>
+              <a:buClr>
+                <a:schemeClr val="accent1"/>
+              </a:buClr>
+            </a:pPr>
+            <a:r>
+              <a:rPr lang="en-US" sz="2800" dirty="0">
+                <a:solidFill>
+                  <a:srgbClr val="FFFFFF"/>
+                </a:solidFill>
+              </a:rPr>
+              <a:t>-Nella setup </a:t>
+            </a:r>
+            <a:r>
+              <a:rPr lang="en-US" sz="2800" dirty="0" err="1">
+                <a:solidFill>
+                  <a:srgbClr val="FFFFFF"/>
+                </a:solidFill>
+              </a:rPr>
+              <a:t>inizializzo</a:t>
+            </a:r>
+            <a:r>
+              <a:rPr lang="en-US" sz="2800" dirty="0">
+                <a:solidFill>
+                  <a:srgbClr val="FFFFFF"/>
+                </a:solidFill>
+              </a:rPr>
+              <a:t> la </a:t>
+            </a:r>
+            <a:r>
+              <a:rPr lang="en-US" sz="2800" dirty="0" err="1">
+                <a:solidFill>
+                  <a:srgbClr val="FFFFFF"/>
+                </a:solidFill>
+              </a:rPr>
+              <a:t>seriale</a:t>
+            </a:r>
+            <a:r>
+              <a:rPr lang="en-US" sz="2800" dirty="0">
+                <a:solidFill>
+                  <a:srgbClr val="FFFFFF"/>
+                </a:solidFill>
+              </a:rPr>
+              <a:t>, </a:t>
+            </a:r>
+            <a:r>
+              <a:rPr lang="en-US" sz="2800" dirty="0" err="1">
+                <a:solidFill>
+                  <a:srgbClr val="FFFFFF"/>
+                </a:solidFill>
+              </a:rPr>
+              <a:t>richiamo</a:t>
+            </a:r>
+            <a:r>
+              <a:rPr lang="en-US" sz="2800" dirty="0">
+                <a:solidFill>
+                  <a:srgbClr val="FFFFFF"/>
+                </a:solidFill>
+              </a:rPr>
+              <a:t> un </a:t>
+            </a:r>
+            <a:r>
+              <a:rPr lang="en-US" sz="2800" dirty="0" err="1">
+                <a:solidFill>
+                  <a:srgbClr val="FFFFFF"/>
+                </a:solidFill>
+              </a:rPr>
+              <a:t>controllo</a:t>
+            </a:r>
+            <a:r>
+              <a:rPr lang="en-US" sz="2800" dirty="0">
+                <a:solidFill>
+                  <a:srgbClr val="FFFFFF"/>
+                </a:solidFill>
+              </a:rPr>
+              <a:t> per </a:t>
+            </a:r>
+            <a:r>
+              <a:rPr lang="en-US" sz="2800" dirty="0" err="1">
+                <a:solidFill>
+                  <a:srgbClr val="FFFFFF"/>
+                </a:solidFill>
+              </a:rPr>
+              <a:t>vedere</a:t>
+            </a:r>
+            <a:r>
+              <a:rPr lang="en-US" sz="2800" dirty="0">
+                <a:solidFill>
+                  <a:srgbClr val="FFFFFF"/>
+                </a:solidFill>
+              </a:rPr>
+              <a:t> se </a:t>
+            </a:r>
+            <a:r>
+              <a:rPr lang="en-US" sz="2800" dirty="0" err="1">
+                <a:solidFill>
+                  <a:srgbClr val="FFFFFF"/>
+                </a:solidFill>
+              </a:rPr>
+              <a:t>nella</a:t>
+            </a:r>
+            <a:r>
+              <a:rPr lang="en-US" sz="2800" dirty="0">
+                <a:solidFill>
+                  <a:srgbClr val="FFFFFF"/>
+                </a:solidFill>
+              </a:rPr>
+              <a:t> </a:t>
+            </a:r>
+            <a:r>
+              <a:rPr lang="en-US" sz="2800" dirty="0" err="1">
+                <a:solidFill>
+                  <a:srgbClr val="FFFFFF"/>
+                </a:solidFill>
+              </a:rPr>
+              <a:t>eeprom</a:t>
+            </a:r>
+            <a:r>
+              <a:rPr lang="en-US" sz="2800" dirty="0">
+                <a:solidFill>
+                  <a:srgbClr val="FFFFFF"/>
+                </a:solidFill>
+              </a:rPr>
+              <a:t> di Arduino e’ </a:t>
+            </a:r>
+            <a:r>
+              <a:rPr lang="en-US" sz="2800" dirty="0" err="1">
+                <a:solidFill>
+                  <a:srgbClr val="FFFFFF"/>
+                </a:solidFill>
+              </a:rPr>
+              <a:t>gia</a:t>
+            </a:r>
+            <a:r>
+              <a:rPr lang="en-US" sz="2800" dirty="0">
+                <a:solidFill>
+                  <a:srgbClr val="FFFFFF"/>
+                </a:solidFill>
+              </a:rPr>
+              <a:t> </a:t>
+            </a:r>
+            <a:r>
+              <a:rPr lang="en-US" sz="2800" dirty="0" err="1">
+                <a:solidFill>
+                  <a:srgbClr val="FFFFFF"/>
+                </a:solidFill>
+              </a:rPr>
+              <a:t>presente</a:t>
+            </a:r>
+            <a:r>
+              <a:rPr lang="en-US" sz="2800" dirty="0">
+                <a:solidFill>
+                  <a:srgbClr val="FFFFFF"/>
+                </a:solidFill>
+              </a:rPr>
+              <a:t> una key, </a:t>
+            </a:r>
+            <a:r>
+              <a:rPr lang="en-US" sz="2800" dirty="0" err="1">
+                <a:solidFill>
+                  <a:srgbClr val="FFFFFF"/>
+                </a:solidFill>
+              </a:rPr>
+              <a:t>comunico</a:t>
+            </a:r>
+            <a:r>
+              <a:rPr lang="en-US" sz="2800" dirty="0">
+                <a:solidFill>
+                  <a:srgbClr val="FFFFFF"/>
+                </a:solidFill>
+              </a:rPr>
+              <a:t> a Java </a:t>
+            </a:r>
+            <a:r>
+              <a:rPr lang="en-US" sz="2800" dirty="0" err="1">
+                <a:solidFill>
+                  <a:srgbClr val="FFFFFF"/>
+                </a:solidFill>
+              </a:rPr>
+              <a:t>tramite</a:t>
+            </a:r>
+            <a:r>
+              <a:rPr lang="en-US" sz="2800" dirty="0">
+                <a:solidFill>
+                  <a:srgbClr val="FFFFFF"/>
+                </a:solidFill>
+              </a:rPr>
+              <a:t> </a:t>
+            </a:r>
+            <a:r>
+              <a:rPr lang="en-US" sz="2800" dirty="0" err="1">
+                <a:solidFill>
+                  <a:srgbClr val="FFFFFF"/>
+                </a:solidFill>
+              </a:rPr>
+              <a:t>seriale</a:t>
+            </a:r>
+            <a:r>
+              <a:rPr lang="en-US" sz="2800" dirty="0">
+                <a:solidFill>
+                  <a:srgbClr val="FFFFFF"/>
+                </a:solidFill>
+              </a:rPr>
+              <a:t> </a:t>
+            </a:r>
+            <a:r>
+              <a:rPr lang="en-US" sz="2800" dirty="0" err="1">
+                <a:solidFill>
+                  <a:srgbClr val="FFFFFF"/>
+                </a:solidFill>
+              </a:rPr>
+              <a:t>che</a:t>
+            </a:r>
+            <a:r>
+              <a:rPr lang="en-US" sz="2800" dirty="0">
+                <a:solidFill>
+                  <a:srgbClr val="FFFFFF"/>
+                </a:solidFill>
+              </a:rPr>
+              <a:t> la </a:t>
+            </a:r>
+            <a:r>
+              <a:rPr lang="en-US" sz="2800" dirty="0" err="1">
+                <a:solidFill>
+                  <a:srgbClr val="FFFFFF"/>
+                </a:solidFill>
+              </a:rPr>
+              <a:t>chiave</a:t>
+            </a:r>
+            <a:r>
+              <a:rPr lang="en-US" sz="2800" dirty="0">
+                <a:solidFill>
+                  <a:srgbClr val="FFFFFF"/>
+                </a:solidFill>
+              </a:rPr>
+              <a:t> </a:t>
+            </a:r>
+            <a:r>
+              <a:rPr lang="en-US" sz="2800" dirty="0" err="1">
+                <a:solidFill>
+                  <a:srgbClr val="FFFFFF"/>
+                </a:solidFill>
+              </a:rPr>
+              <a:t>esiste</a:t>
+            </a:r>
+            <a:r>
+              <a:rPr lang="en-US" sz="2800" dirty="0">
+                <a:solidFill>
+                  <a:srgbClr val="FFFFFF"/>
+                </a:solidFill>
+              </a:rPr>
+              <a:t> o no.</a:t>
+            </a:r>
+          </a:p>
+        </p:txBody>
+      </p:sp>
+      <p:sp>
+        <p:nvSpPr>
+          <p:cNvPr id="6" name="CasellaDiTesto 5">
+            <a:extLst>
+              <a:ext uri="{FF2B5EF4-FFF2-40B4-BE49-F238E27FC236}">
+                <a16:creationId xmlns:a16="http://schemas.microsoft.com/office/drawing/2014/main" id="{AD360B54-C3A3-43D4-9D6C-677A03B5B069}"/>
+              </a:ext>
+            </a:extLst>
+          </p:cNvPr>
+          <p:cNvSpPr txBox="1"/>
+          <p:nvPr/>
+        </p:nvSpPr>
+        <p:spPr>
+          <a:xfrm>
+            <a:off x="5307102" y="3576829"/>
+            <a:ext cx="6857968" cy="1384995"/>
+          </a:xfrm>
+          <a:prstGeom prst="rect">
+            <a:avLst/>
+          </a:prstGeom>
+          <a:noFill/>
+        </p:spPr>
+        <p:txBody>
+          <a:bodyPr wrap="none" rtlCol="0">
+            <a:spAutoFit/>
+          </a:bodyPr>
+          <a:lstStyle/>
+          <a:p>
+            <a:r>
+              <a:rPr lang="en-US" sz="2800" dirty="0">
+                <a:solidFill>
+                  <a:schemeClr val="bg1"/>
+                </a:solidFill>
+              </a:rPr>
+              <a:t>-</a:t>
+            </a:r>
+            <a:r>
+              <a:rPr lang="en-US" sz="2800" dirty="0" err="1">
+                <a:solidFill>
+                  <a:schemeClr val="bg1"/>
+                </a:solidFill>
+              </a:rPr>
+              <a:t>Controlla</a:t>
+            </a:r>
+            <a:r>
+              <a:rPr lang="en-US" sz="2800" dirty="0">
+                <a:solidFill>
+                  <a:schemeClr val="bg1"/>
+                </a:solidFill>
+              </a:rPr>
+              <a:t> </a:t>
+            </a:r>
+            <a:r>
+              <a:rPr lang="en-US" sz="2800" dirty="0" err="1">
+                <a:solidFill>
+                  <a:schemeClr val="bg1"/>
+                </a:solidFill>
+              </a:rPr>
+              <a:t>che</a:t>
+            </a:r>
+            <a:r>
+              <a:rPr lang="en-US" sz="2800" dirty="0">
+                <a:solidFill>
+                  <a:schemeClr val="bg1"/>
+                </a:solidFill>
+              </a:rPr>
+              <a:t> </a:t>
+            </a:r>
+            <a:r>
+              <a:rPr lang="en-US" sz="2800" dirty="0" err="1">
+                <a:solidFill>
+                  <a:schemeClr val="bg1"/>
+                </a:solidFill>
+              </a:rPr>
+              <a:t>nella</a:t>
+            </a:r>
+            <a:r>
+              <a:rPr lang="en-US" sz="2800" dirty="0">
+                <a:solidFill>
+                  <a:schemeClr val="bg1"/>
+                </a:solidFill>
+              </a:rPr>
+              <a:t> </a:t>
+            </a:r>
+            <a:r>
+              <a:rPr lang="en-US" sz="2800" dirty="0" err="1">
+                <a:solidFill>
+                  <a:schemeClr val="bg1"/>
+                </a:solidFill>
+              </a:rPr>
+              <a:t>eeprom</a:t>
+            </a:r>
+            <a:r>
+              <a:rPr lang="en-US" sz="2800" dirty="0">
+                <a:solidFill>
+                  <a:schemeClr val="bg1"/>
+                </a:solidFill>
+              </a:rPr>
+              <a:t> ci </a:t>
+            </a:r>
+            <a:r>
+              <a:rPr lang="en-US" sz="2800" dirty="0" err="1">
+                <a:solidFill>
+                  <a:schemeClr val="bg1"/>
+                </a:solidFill>
+              </a:rPr>
+              <a:t>siano</a:t>
+            </a:r>
+            <a:r>
+              <a:rPr lang="en-US" sz="2800" dirty="0">
+                <a:solidFill>
+                  <a:schemeClr val="bg1"/>
+                </a:solidFill>
+              </a:rPr>
+              <a:t> </a:t>
+            </a:r>
+            <a:r>
+              <a:rPr lang="en-US" sz="2800" dirty="0" err="1">
+                <a:solidFill>
+                  <a:schemeClr val="bg1"/>
+                </a:solidFill>
+              </a:rPr>
+              <a:t>caratteri</a:t>
+            </a:r>
+            <a:r>
+              <a:rPr lang="en-US" sz="2800" dirty="0">
+                <a:solidFill>
+                  <a:schemeClr val="bg1"/>
+                </a:solidFill>
+              </a:rPr>
+              <a:t> </a:t>
+            </a:r>
+          </a:p>
+          <a:p>
+            <a:r>
+              <a:rPr lang="en-US" sz="2800" dirty="0" err="1">
+                <a:solidFill>
+                  <a:schemeClr val="bg1"/>
+                </a:solidFill>
+              </a:rPr>
+              <a:t>diversi</a:t>
+            </a:r>
+            <a:r>
+              <a:rPr lang="en-US" sz="2800" dirty="0">
+                <a:solidFill>
+                  <a:schemeClr val="bg1"/>
+                </a:solidFill>
+              </a:rPr>
+              <a:t> da 0, </a:t>
+            </a:r>
+            <a:r>
+              <a:rPr lang="en-US" sz="2800" dirty="0" err="1">
+                <a:solidFill>
+                  <a:schemeClr val="bg1"/>
+                </a:solidFill>
+              </a:rPr>
+              <a:t>questo</a:t>
+            </a:r>
+            <a:r>
+              <a:rPr lang="en-US" sz="2800" dirty="0">
+                <a:solidFill>
+                  <a:schemeClr val="bg1"/>
+                </a:solidFill>
+              </a:rPr>
+              <a:t> </a:t>
+            </a:r>
+            <a:r>
+              <a:rPr lang="en-US" sz="2800" dirty="0" err="1">
+                <a:solidFill>
+                  <a:schemeClr val="bg1"/>
+                </a:solidFill>
+              </a:rPr>
+              <a:t>significa</a:t>
+            </a:r>
+            <a:r>
+              <a:rPr lang="en-US" sz="2800" dirty="0">
+                <a:solidFill>
+                  <a:schemeClr val="bg1"/>
+                </a:solidFill>
+              </a:rPr>
+              <a:t> </a:t>
+            </a:r>
+            <a:r>
+              <a:rPr lang="en-US" sz="2800" dirty="0" err="1">
+                <a:solidFill>
+                  <a:schemeClr val="bg1"/>
+                </a:solidFill>
+              </a:rPr>
+              <a:t>che</a:t>
+            </a:r>
+            <a:r>
+              <a:rPr lang="en-US" sz="2800" dirty="0">
+                <a:solidFill>
+                  <a:schemeClr val="bg1"/>
+                </a:solidFill>
+              </a:rPr>
+              <a:t> la </a:t>
+            </a:r>
+            <a:r>
+              <a:rPr lang="en-US" sz="2800" dirty="0" err="1">
+                <a:solidFill>
+                  <a:schemeClr val="bg1"/>
+                </a:solidFill>
+              </a:rPr>
+              <a:t>eeprom</a:t>
+            </a:r>
+            <a:endParaRPr lang="en-US" sz="2800" dirty="0">
+              <a:solidFill>
+                <a:schemeClr val="bg1"/>
+              </a:solidFill>
+            </a:endParaRPr>
+          </a:p>
+          <a:p>
+            <a:r>
+              <a:rPr lang="en-US" sz="2800" dirty="0">
+                <a:solidFill>
+                  <a:schemeClr val="bg1"/>
+                </a:solidFill>
+              </a:rPr>
+              <a:t>e’ </a:t>
+            </a:r>
+            <a:r>
+              <a:rPr lang="en-US" sz="2800" dirty="0" err="1">
+                <a:solidFill>
+                  <a:schemeClr val="bg1"/>
+                </a:solidFill>
+              </a:rPr>
+              <a:t>vuota</a:t>
+            </a:r>
+            <a:r>
+              <a:rPr lang="en-US" sz="2800" dirty="0">
+                <a:solidFill>
+                  <a:schemeClr val="bg1"/>
+                </a:solidFill>
+              </a:rPr>
+              <a:t>.</a:t>
+            </a:r>
+            <a:endParaRPr lang="it-IT" sz="2800" dirty="0">
+              <a:solidFill>
+                <a:schemeClr val="bg1"/>
+              </a:solidFill>
+            </a:endParaRPr>
+          </a:p>
+        </p:txBody>
+      </p:sp>
+    </p:spTree>
+    <p:extLst>
+      <p:ext uri="{BB962C8B-B14F-4D97-AF65-F5344CB8AC3E}">
+        <p14:creationId xmlns:p14="http://schemas.microsoft.com/office/powerpoint/2010/main" val="2864410976"/>
+      </p:ext>
+    </p:extLst>
+  </p:cSld>
+  <p:clrMapOvr>
+    <a:masterClrMapping/>
+  </p:clrMapOvr>
+</p:sld>
+</file>
+
+<file path=ppt/slides/slide4.xml><?xml version="1.0" encoding="utf-8"?>
+<p:sld xmlns:a="http://schemas.openxmlformats.org/drawingml/2006/main" xmlns:r="http://schemas.openxmlformats.org/officeDocument/2006/relationships" xmlns:p="http://schemas.openxmlformats.org/presentationml/2006/main">
+  <p:cSld>
+    <p:bg>
+      <p:bgPr>
+        <a:solidFill>
+          <a:schemeClr val="bg1"/>
+        </a:solidFill>
+        <a:effectLst/>
+      </p:bgPr>
+    </p:bg>
+    <p:spTree>
+      <p:nvGrpSpPr>
+        <p:cNvPr id="1" name=""/>
+        <p:cNvGrpSpPr/>
+        <p:nvPr/>
+      </p:nvGrpSpPr>
+      <p:grpSpPr>
+        <a:xfrm>
+          <a:off x="0" y="0"/>
+          <a:ext cx="0" cy="0"/>
+          <a:chOff x="0" y="0"/>
+          <a:chExt cx="0" cy="0"/>
+        </a:xfrm>
+      </p:grpSpPr>
+      <p:sp>
+        <p:nvSpPr>
+          <p:cNvPr id="8" name="Rectangle 7">
+            <a:extLst>
+              <a:ext uri="{FF2B5EF4-FFF2-40B4-BE49-F238E27FC236}">
+                <a16:creationId xmlns:a16="http://schemas.microsoft.com/office/drawing/2014/main" id="{82FB26DF-1058-4FF2-A7D8-CC9D04982CF2}"/>
+              </a:ext>
+              <a:ext uri="{C183D7F6-B498-43B3-948B-1728B52AA6E4}">
+                <adec:decorative xmlns:adec="http://schemas.microsoft.com/office/drawing/2017/decorative" val="1"/>
+              </a:ext>
+            </a:extLst>
+          </p:cNvPr>
+          <p:cNvSpPr>
+            <a:spLocks noGrp="1" noRot="1" noChangeAspect="1" noMove="1" noResize="1" noEditPoints="1" noAdjustHandles="1" noChangeArrowheads="1" noChangeShapeType="1" noTextEdit="1"/>
+          </p:cNvSpPr>
+          <p:nvPr>
+            <p:extLst>
+              <p:ext uri="{386F3935-93C4-4BCD-93E2-E3B085C9AB24}">
+                <p16:designElem xmlns:p16="http://schemas.microsoft.com/office/powerpoint/2015/main" val="1"/>
+              </p:ext>
+            </p:extLst>
+          </p:nvPr>
+        </p:nvSpPr>
+        <p:spPr>
+          <a:xfrm>
+            <a:off x="1" y="758952"/>
+            <a:ext cx="3443590" cy="5330952"/>
+          </a:xfrm>
+          <a:prstGeom prst="rect">
+            <a:avLst/>
+          </a:prstGeom>
+          <a:solidFill>
+            <a:schemeClr val="accent1"/>
+          </a:solidFill>
+          <a:ln>
+            <a:noFill/>
+          </a:ln>
+        </p:spPr>
+        <p:style>
+          <a:lnRef idx="2">
+            <a:schemeClr val="accent1">
+              <a:shade val="50000"/>
+            </a:schemeClr>
+          </a:lnRef>
+          <a:fillRef idx="1">
+            <a:schemeClr val="accent1"/>
+          </a:fillRef>
+          <a:effectRef idx="0">
+            <a:schemeClr val="accent1"/>
+          </a:effectRef>
+          <a:fontRef idx="minor">
+            <a:schemeClr val="lt1"/>
+          </a:fontRef>
+        </p:style>
+      </p:sp>
+      <p:pic>
+        <p:nvPicPr>
+          <p:cNvPr id="3" name="Immagine 2" descr="Immagine che contiene testo&#10;&#10;Descrizione generata automaticamente">
+            <a:extLst>
+              <a:ext uri="{FF2B5EF4-FFF2-40B4-BE49-F238E27FC236}">
+                <a16:creationId xmlns:a16="http://schemas.microsoft.com/office/drawing/2014/main" id="{A405FF58-6A1E-45BB-B715-B79BF25D7918}"/>
+              </a:ext>
+            </a:extLst>
+          </p:cNvPr>
+          <p:cNvPicPr>
+            <a:picLocks noChangeAspect="1"/>
+          </p:cNvPicPr>
+          <p:nvPr/>
+        </p:nvPicPr>
+        <p:blipFill>
+          <a:blip r:embed="rId2">
+            <a:extLst>
+              <a:ext uri="{28A0092B-C50C-407E-A947-70E740481C1C}">
+                <a14:useLocalDpi xmlns:a14="http://schemas.microsoft.com/office/drawing/2010/main" val="0"/>
+              </a:ext>
+            </a:extLst>
+          </a:blip>
+          <a:stretch>
+            <a:fillRect/>
+          </a:stretch>
+        </p:blipFill>
+        <p:spPr>
+          <a:xfrm>
+            <a:off x="4749749" y="758952"/>
+            <a:ext cx="5763191" cy="5330952"/>
+          </a:xfrm>
+          <a:prstGeom prst="rect">
+            <a:avLst/>
+          </a:prstGeom>
+        </p:spPr>
+      </p:pic>
+      <p:sp>
+        <p:nvSpPr>
+          <p:cNvPr id="10" name="Rectangle 9">
+            <a:extLst>
+              <a:ext uri="{FF2B5EF4-FFF2-40B4-BE49-F238E27FC236}">
+                <a16:creationId xmlns:a16="http://schemas.microsoft.com/office/drawing/2014/main" id="{DF663E57-5EFE-40CA-99A5-7BDB95908FDF}"/>
+              </a:ext>
+              <a:ext uri="{C183D7F6-B498-43B3-948B-1728B52AA6E4}">
+                <adec:decorative xmlns:adec="http://schemas.microsoft.com/office/drawing/2017/decorative" val="1"/>
+              </a:ext>
+            </a:extLst>
+          </p:cNvPr>
+          <p:cNvSpPr>
+            <a:spLocks noGrp="1" noRot="1" noChangeAspect="1" noMove="1" noResize="1" noEditPoints="1" noAdjustHandles="1" noChangeArrowheads="1" noChangeShapeType="1" noTextEdit="1"/>
+          </p:cNvSpPr>
+          <p:nvPr>
+            <p:extLst>
+              <p:ext uri="{386F3935-93C4-4BCD-93E2-E3B085C9AB24}">
+                <p16:designElem xmlns:p16="http://schemas.microsoft.com/office/powerpoint/2015/main" val="1"/>
+              </p:ext>
+            </p:extLst>
+          </p:nvPr>
+        </p:nvSpPr>
+        <p:spPr>
+          <a:xfrm>
+            <a:off x="11815864" y="758952"/>
+            <a:ext cx="384048" cy="5330952"/>
+          </a:xfrm>
+          <a:prstGeom prst="rect">
+            <a:avLst/>
+          </a:prstGeom>
+          <a:solidFill>
+            <a:srgbClr val="C8C8C8">
+              <a:alpha val="49804"/>
+            </a:srgbClr>
+          </a:solidFill>
+          <a:ln>
+            <a:noFill/>
+          </a:ln>
+        </p:spPr>
+        <p:style>
+          <a:lnRef idx="2">
+            <a:schemeClr val="accent1">
+              <a:shade val="50000"/>
+            </a:schemeClr>
+          </a:lnRef>
+          <a:fillRef idx="1">
+            <a:schemeClr val="accent1"/>
+          </a:fillRef>
+          <a:effectRef idx="0">
+            <a:schemeClr val="accent1"/>
+          </a:effectRef>
+          <a:fontRef idx="minor">
+            <a:schemeClr val="lt1"/>
+          </a:fontRef>
+        </p:style>
+      </p:sp>
+      <p:sp>
+        <p:nvSpPr>
+          <p:cNvPr id="4" name="CasellaDiTesto 3">
+            <a:extLst>
+              <a:ext uri="{FF2B5EF4-FFF2-40B4-BE49-F238E27FC236}">
+                <a16:creationId xmlns:a16="http://schemas.microsoft.com/office/drawing/2014/main" id="{2F220191-62B9-49A1-AAA0-9CAE6FF6EF11}"/>
+              </a:ext>
+            </a:extLst>
+          </p:cNvPr>
+          <p:cNvSpPr txBox="1"/>
+          <p:nvPr/>
+        </p:nvSpPr>
+        <p:spPr>
+          <a:xfrm>
+            <a:off x="155643" y="1157591"/>
+            <a:ext cx="3264035" cy="1384995"/>
+          </a:xfrm>
+          <a:prstGeom prst="rect">
+            <a:avLst/>
+          </a:prstGeom>
+          <a:noFill/>
+        </p:spPr>
+        <p:txBody>
+          <a:bodyPr wrap="none" rtlCol="0">
+            <a:spAutoFit/>
+          </a:bodyPr>
+          <a:lstStyle/>
+          <a:p>
+            <a:r>
+              <a:rPr lang="en-US" sz="2800" dirty="0">
+                <a:solidFill>
+                  <a:schemeClr val="bg1"/>
+                </a:solidFill>
+              </a:rPr>
+              <a:t>-La prima </a:t>
+            </a:r>
+            <a:r>
+              <a:rPr lang="en-US" sz="2800" dirty="0" err="1">
+                <a:solidFill>
+                  <a:schemeClr val="bg1"/>
+                </a:solidFill>
+              </a:rPr>
+              <a:t>procedura</a:t>
+            </a:r>
+            <a:r>
+              <a:rPr lang="en-US" sz="2800" dirty="0">
+                <a:solidFill>
+                  <a:schemeClr val="bg1"/>
+                </a:solidFill>
+              </a:rPr>
+              <a:t> </a:t>
+            </a:r>
+          </a:p>
+          <a:p>
+            <a:r>
+              <a:rPr lang="en-US" sz="2800" dirty="0" err="1">
+                <a:solidFill>
+                  <a:schemeClr val="bg1"/>
+                </a:solidFill>
+              </a:rPr>
+              <a:t>restituisce</a:t>
+            </a:r>
+            <a:r>
+              <a:rPr lang="en-US" sz="2800" dirty="0">
+                <a:solidFill>
+                  <a:schemeClr val="bg1"/>
+                </a:solidFill>
+              </a:rPr>
+              <a:t> la </a:t>
+            </a:r>
+            <a:r>
+              <a:rPr lang="en-US" sz="2800" dirty="0" err="1">
+                <a:solidFill>
+                  <a:schemeClr val="bg1"/>
+                </a:solidFill>
+              </a:rPr>
+              <a:t>chiave</a:t>
+            </a:r>
+            <a:r>
+              <a:rPr lang="en-US" sz="2800" dirty="0">
+                <a:solidFill>
+                  <a:schemeClr val="bg1"/>
+                </a:solidFill>
+              </a:rPr>
+              <a:t> </a:t>
+            </a:r>
+          </a:p>
+          <a:p>
+            <a:r>
+              <a:rPr lang="en-US" sz="2800" dirty="0" err="1">
+                <a:solidFill>
+                  <a:schemeClr val="bg1"/>
+                </a:solidFill>
+              </a:rPr>
+              <a:t>scritta</a:t>
+            </a:r>
+            <a:r>
+              <a:rPr lang="en-US" sz="2800" dirty="0">
+                <a:solidFill>
+                  <a:schemeClr val="bg1"/>
+                </a:solidFill>
+              </a:rPr>
+              <a:t> </a:t>
+            </a:r>
+            <a:r>
+              <a:rPr lang="en-US" sz="2800" dirty="0" err="1">
+                <a:solidFill>
+                  <a:schemeClr val="bg1"/>
+                </a:solidFill>
+              </a:rPr>
+              <a:t>sulla</a:t>
+            </a:r>
+            <a:r>
+              <a:rPr lang="en-US" sz="2800" dirty="0">
+                <a:solidFill>
+                  <a:schemeClr val="bg1"/>
+                </a:solidFill>
+              </a:rPr>
+              <a:t> </a:t>
+            </a:r>
+            <a:r>
+              <a:rPr lang="en-US" sz="2800" dirty="0" err="1">
+                <a:solidFill>
+                  <a:schemeClr val="bg1"/>
+                </a:solidFill>
+              </a:rPr>
+              <a:t>eeprom</a:t>
+            </a:r>
+            <a:r>
+              <a:rPr lang="en-US" sz="2800" dirty="0">
+                <a:solidFill>
+                  <a:schemeClr val="bg1"/>
+                </a:solidFill>
+              </a:rPr>
+              <a:t>.</a:t>
+            </a:r>
+            <a:endParaRPr lang="it-IT" sz="2800" dirty="0">
+              <a:solidFill>
+                <a:schemeClr val="bg1"/>
+              </a:solidFill>
+            </a:endParaRPr>
+          </a:p>
+        </p:txBody>
+      </p:sp>
+      <p:sp>
+        <p:nvSpPr>
+          <p:cNvPr id="5" name="CasellaDiTesto 4">
+            <a:extLst>
+              <a:ext uri="{FF2B5EF4-FFF2-40B4-BE49-F238E27FC236}">
+                <a16:creationId xmlns:a16="http://schemas.microsoft.com/office/drawing/2014/main" id="{795A85F5-7DDD-4EAA-90F1-23FBA29C137C}"/>
+              </a:ext>
+            </a:extLst>
+          </p:cNvPr>
+          <p:cNvSpPr txBox="1"/>
+          <p:nvPr/>
+        </p:nvSpPr>
+        <p:spPr>
+          <a:xfrm>
+            <a:off x="240145" y="3429000"/>
+            <a:ext cx="3076483" cy="1200329"/>
+          </a:xfrm>
+          <a:prstGeom prst="rect">
+            <a:avLst/>
+          </a:prstGeom>
+          <a:noFill/>
+        </p:spPr>
+        <p:txBody>
+          <a:bodyPr wrap="none" rtlCol="0">
+            <a:spAutoFit/>
+          </a:bodyPr>
+          <a:lstStyle/>
+          <a:p>
+            <a:r>
+              <a:rPr lang="en-US" sz="2400" dirty="0">
+                <a:solidFill>
+                  <a:schemeClr val="bg1"/>
+                </a:solidFill>
+              </a:rPr>
+              <a:t>-</a:t>
+            </a:r>
+            <a:r>
+              <a:rPr lang="en-US" sz="2400" dirty="0" err="1">
+                <a:solidFill>
+                  <a:schemeClr val="bg1"/>
+                </a:solidFill>
+              </a:rPr>
+              <a:t>inizializza</a:t>
+            </a:r>
+            <a:r>
+              <a:rPr lang="en-US" sz="2400" dirty="0">
+                <a:solidFill>
+                  <a:schemeClr val="bg1"/>
+                </a:solidFill>
+              </a:rPr>
+              <a:t> la </a:t>
+            </a:r>
+            <a:r>
+              <a:rPr lang="en-US" sz="2400" dirty="0" err="1">
+                <a:solidFill>
+                  <a:schemeClr val="bg1"/>
+                </a:solidFill>
+              </a:rPr>
+              <a:t>eeprom</a:t>
+            </a:r>
+            <a:r>
+              <a:rPr lang="en-US" sz="2400" dirty="0">
+                <a:solidFill>
+                  <a:schemeClr val="bg1"/>
+                </a:solidFill>
+              </a:rPr>
+              <a:t> </a:t>
+            </a:r>
+          </a:p>
+          <a:p>
+            <a:r>
+              <a:rPr lang="en-US" sz="2400" dirty="0">
+                <a:solidFill>
+                  <a:schemeClr val="bg1"/>
+                </a:solidFill>
+              </a:rPr>
+              <a:t>con la </a:t>
+            </a:r>
+            <a:r>
+              <a:rPr lang="en-US" sz="2400" dirty="0" err="1">
+                <a:solidFill>
+                  <a:schemeClr val="bg1"/>
+                </a:solidFill>
+              </a:rPr>
+              <a:t>chiave</a:t>
+            </a:r>
+            <a:r>
+              <a:rPr lang="en-US" sz="2400" dirty="0">
+                <a:solidFill>
+                  <a:schemeClr val="bg1"/>
+                </a:solidFill>
+              </a:rPr>
+              <a:t> generate </a:t>
+            </a:r>
+          </a:p>
+          <a:p>
+            <a:r>
+              <a:rPr lang="en-US" sz="2400" dirty="0">
+                <a:solidFill>
+                  <a:schemeClr val="bg1"/>
+                </a:solidFill>
+              </a:rPr>
+              <a:t>da java.</a:t>
+            </a:r>
+            <a:endParaRPr lang="it-IT" sz="2400" dirty="0">
+              <a:solidFill>
+                <a:schemeClr val="bg1"/>
+              </a:solidFill>
+            </a:endParaRPr>
+          </a:p>
+        </p:txBody>
+      </p:sp>
+    </p:spTree>
+    <p:extLst>
+      <p:ext uri="{BB962C8B-B14F-4D97-AF65-F5344CB8AC3E}">
+        <p14:creationId xmlns:p14="http://schemas.microsoft.com/office/powerpoint/2010/main" val="2665676220"/>
+      </p:ext>
+    </p:extLst>
+  </p:cSld>
+  <p:clrMapOvr>
+    <a:masterClrMapping/>
+  </p:clrMapOvr>
+</p:sld>
+</file>
+
+<file path=ppt/slides/slide5.xml><?xml version="1.0" encoding="utf-8"?>
+<p:sld xmlns:a="http://schemas.openxmlformats.org/drawingml/2006/main" xmlns:r="http://schemas.openxmlformats.org/officeDocument/2006/relationships" xmlns:p="http://schemas.openxmlformats.org/presentationml/2006/main">
+  <p:cSld>
+    <p:bg>
+      <p:bgPr>
+        <a:solidFill>
+          <a:schemeClr val="bg1"/>
+        </a:solidFill>
+        <a:effectLst/>
+      </p:bgPr>
+    </p:bg>
+    <p:spTree>
+      <p:nvGrpSpPr>
+        <p:cNvPr id="1" name=""/>
+        <p:cNvGrpSpPr/>
+        <p:nvPr/>
+      </p:nvGrpSpPr>
+      <p:grpSpPr>
+        <a:xfrm>
+          <a:off x="0" y="0"/>
+          <a:ext cx="0" cy="0"/>
+          <a:chOff x="0" y="0"/>
+          <a:chExt cx="0" cy="0"/>
+        </a:xfrm>
+      </p:grpSpPr>
+      <p:sp>
+        <p:nvSpPr>
+          <p:cNvPr id="8" name="Rectangle 7">
+            <a:extLst>
+              <a:ext uri="{FF2B5EF4-FFF2-40B4-BE49-F238E27FC236}">
+                <a16:creationId xmlns:a16="http://schemas.microsoft.com/office/drawing/2014/main" id="{82FB26DF-1058-4FF2-A7D8-CC9D04982CF2}"/>
+              </a:ext>
+              <a:ext uri="{C183D7F6-B498-43B3-948B-1728B52AA6E4}">
+                <adec:decorative xmlns:adec="http://schemas.microsoft.com/office/drawing/2017/decorative" val="1"/>
+              </a:ext>
+            </a:extLst>
+          </p:cNvPr>
+          <p:cNvSpPr>
+            <a:spLocks noGrp="1" noRot="1" noChangeAspect="1" noMove="1" noResize="1" noEditPoints="1" noAdjustHandles="1" noChangeArrowheads="1" noChangeShapeType="1" noTextEdit="1"/>
+          </p:cNvSpPr>
+          <p:nvPr>
+            <p:extLst>
+              <p:ext uri="{386F3935-93C4-4BCD-93E2-E3B085C9AB24}">
+                <p16:designElem xmlns:p16="http://schemas.microsoft.com/office/powerpoint/2015/main" val="1"/>
+              </p:ext>
+            </p:extLst>
+          </p:nvPr>
+        </p:nvSpPr>
+        <p:spPr>
+          <a:xfrm>
+            <a:off x="1" y="758952"/>
+            <a:ext cx="3443590" cy="5330952"/>
+          </a:xfrm>
+          <a:prstGeom prst="rect">
+            <a:avLst/>
+          </a:prstGeom>
+          <a:solidFill>
+            <a:schemeClr val="accent1"/>
+          </a:solidFill>
+          <a:ln>
+            <a:noFill/>
+          </a:ln>
+        </p:spPr>
+        <p:style>
+          <a:lnRef idx="2">
+            <a:schemeClr val="accent1">
+              <a:shade val="50000"/>
+            </a:schemeClr>
+          </a:lnRef>
+          <a:fillRef idx="1">
+            <a:schemeClr val="accent1"/>
+          </a:fillRef>
+          <a:effectRef idx="0">
+            <a:schemeClr val="accent1"/>
+          </a:effectRef>
+          <a:fontRef idx="minor">
+            <a:schemeClr val="lt1"/>
+          </a:fontRef>
+        </p:style>
+      </p:sp>
+      <p:pic>
+        <p:nvPicPr>
+          <p:cNvPr id="3" name="Immagine 2" descr="Immagine che contiene testo&#10;&#10;Descrizione generata automaticamente">
+            <a:extLst>
+              <a:ext uri="{FF2B5EF4-FFF2-40B4-BE49-F238E27FC236}">
+                <a16:creationId xmlns:a16="http://schemas.microsoft.com/office/drawing/2014/main" id="{A47513E6-4CB4-4E7B-AEDF-D2012C30BD0E}"/>
+              </a:ext>
+            </a:extLst>
+          </p:cNvPr>
+          <p:cNvPicPr>
+            <a:picLocks noChangeAspect="1"/>
+          </p:cNvPicPr>
+          <p:nvPr/>
+        </p:nvPicPr>
+        <p:blipFill>
+          <a:blip r:embed="rId2">
+            <a:extLst>
+              <a:ext uri="{28A0092B-C50C-407E-A947-70E740481C1C}">
+                <a14:useLocalDpi xmlns:a14="http://schemas.microsoft.com/office/drawing/2010/main" val="0"/>
+              </a:ext>
+            </a:extLst>
+          </a:blip>
+          <a:stretch>
+            <a:fillRect/>
+          </a:stretch>
+        </p:blipFill>
+        <p:spPr>
+          <a:xfrm>
+            <a:off x="3443592" y="758952"/>
+            <a:ext cx="8510292" cy="4611070"/>
+          </a:xfrm>
+          <a:prstGeom prst="rect">
+            <a:avLst/>
+          </a:prstGeom>
+        </p:spPr>
+      </p:pic>
+      <p:sp>
+        <p:nvSpPr>
+          <p:cNvPr id="10" name="Rectangle 9">
+            <a:extLst>
+              <a:ext uri="{FF2B5EF4-FFF2-40B4-BE49-F238E27FC236}">
+                <a16:creationId xmlns:a16="http://schemas.microsoft.com/office/drawing/2014/main" id="{DF663E57-5EFE-40CA-99A5-7BDB95908FDF}"/>
+              </a:ext>
+              <a:ext uri="{C183D7F6-B498-43B3-948B-1728B52AA6E4}">
+                <adec:decorative xmlns:adec="http://schemas.microsoft.com/office/drawing/2017/decorative" val="1"/>
+              </a:ext>
+            </a:extLst>
+          </p:cNvPr>
+          <p:cNvSpPr>
+            <a:spLocks noGrp="1" noRot="1" noChangeAspect="1" noMove="1" noResize="1" noEditPoints="1" noAdjustHandles="1" noChangeArrowheads="1" noChangeShapeType="1" noTextEdit="1"/>
+          </p:cNvSpPr>
+          <p:nvPr>
+            <p:extLst>
+              <p:ext uri="{386F3935-93C4-4BCD-93E2-E3B085C9AB24}">
+                <p16:designElem xmlns:p16="http://schemas.microsoft.com/office/powerpoint/2015/main" val="1"/>
+              </p:ext>
+            </p:extLst>
+          </p:nvPr>
+        </p:nvSpPr>
+        <p:spPr>
+          <a:xfrm>
+            <a:off x="11815864" y="758952"/>
+            <a:ext cx="384048" cy="5330952"/>
+          </a:xfrm>
+          <a:prstGeom prst="rect">
+            <a:avLst/>
+          </a:prstGeom>
+          <a:solidFill>
+            <a:srgbClr val="C8C8C8">
+              <a:alpha val="49804"/>
+            </a:srgbClr>
+          </a:solidFill>
+          <a:ln>
+            <a:noFill/>
+          </a:ln>
+        </p:spPr>
+        <p:style>
+          <a:lnRef idx="2">
+            <a:schemeClr val="accent1">
+              <a:shade val="50000"/>
+            </a:schemeClr>
+          </a:lnRef>
+          <a:fillRef idx="1">
+            <a:schemeClr val="accent1"/>
+          </a:fillRef>
+          <a:effectRef idx="0">
+            <a:schemeClr val="accent1"/>
+          </a:effectRef>
+          <a:fontRef idx="minor">
+            <a:schemeClr val="lt1"/>
+          </a:fontRef>
+        </p:style>
+      </p:sp>
+      <p:sp>
+        <p:nvSpPr>
+          <p:cNvPr id="4" name="CasellaDiTesto 3">
+            <a:extLst>
+              <a:ext uri="{FF2B5EF4-FFF2-40B4-BE49-F238E27FC236}">
+                <a16:creationId xmlns:a16="http://schemas.microsoft.com/office/drawing/2014/main" id="{B81F0D02-DE33-4299-8E3A-ABDCBE0DEA92}"/>
+              </a:ext>
+            </a:extLst>
+          </p:cNvPr>
+          <p:cNvSpPr txBox="1"/>
+          <p:nvPr/>
+        </p:nvSpPr>
+        <p:spPr>
+          <a:xfrm>
+            <a:off x="102602" y="1292498"/>
+            <a:ext cx="3238387" cy="1938992"/>
+          </a:xfrm>
+          <a:prstGeom prst="rect">
+            <a:avLst/>
+          </a:prstGeom>
+          <a:noFill/>
+        </p:spPr>
+        <p:txBody>
+          <a:bodyPr wrap="none" rtlCol="0">
+            <a:spAutoFit/>
+          </a:bodyPr>
+          <a:lstStyle/>
+          <a:p>
+            <a:r>
+              <a:rPr lang="en-US" sz="2400" dirty="0">
+                <a:solidFill>
+                  <a:schemeClr val="bg1"/>
+                </a:solidFill>
+              </a:rPr>
+              <a:t>Questa </a:t>
+            </a:r>
+            <a:r>
+              <a:rPr lang="en-US" sz="2400" dirty="0" err="1">
+                <a:solidFill>
+                  <a:schemeClr val="bg1"/>
+                </a:solidFill>
+              </a:rPr>
+              <a:t>funzione</a:t>
+            </a:r>
+            <a:r>
+              <a:rPr lang="en-US" sz="2400" dirty="0">
+                <a:solidFill>
+                  <a:schemeClr val="bg1"/>
+                </a:solidFill>
+              </a:rPr>
+              <a:t> </a:t>
+            </a:r>
+            <a:r>
+              <a:rPr lang="en-US" sz="2400" dirty="0" err="1">
+                <a:solidFill>
+                  <a:schemeClr val="bg1"/>
+                </a:solidFill>
+              </a:rPr>
+              <a:t>riesce</a:t>
+            </a:r>
+            <a:endParaRPr lang="en-US" sz="2400" dirty="0">
+              <a:solidFill>
+                <a:schemeClr val="bg1"/>
+              </a:solidFill>
+            </a:endParaRPr>
+          </a:p>
+          <a:p>
+            <a:r>
+              <a:rPr lang="en-US" sz="2400" dirty="0">
+                <a:solidFill>
+                  <a:schemeClr val="bg1"/>
+                </a:solidFill>
+              </a:rPr>
+              <a:t>a </a:t>
+            </a:r>
+            <a:r>
+              <a:rPr lang="en-US" sz="2400" dirty="0" err="1">
+                <a:solidFill>
+                  <a:schemeClr val="bg1"/>
+                </a:solidFill>
+              </a:rPr>
+              <a:t>cryptare</a:t>
+            </a:r>
+            <a:r>
+              <a:rPr lang="en-US" sz="2400" dirty="0">
+                <a:solidFill>
+                  <a:schemeClr val="bg1"/>
+                </a:solidFill>
+              </a:rPr>
+              <a:t> e </a:t>
+            </a:r>
+            <a:r>
+              <a:rPr lang="en-US" sz="2400" dirty="0" err="1">
+                <a:solidFill>
+                  <a:schemeClr val="bg1"/>
+                </a:solidFill>
+              </a:rPr>
+              <a:t>decryptare</a:t>
+            </a:r>
+            <a:r>
+              <a:rPr lang="en-US" sz="2400" dirty="0">
+                <a:solidFill>
+                  <a:schemeClr val="bg1"/>
+                </a:solidFill>
+              </a:rPr>
+              <a:t> </a:t>
+            </a:r>
+          </a:p>
+          <a:p>
+            <a:r>
+              <a:rPr lang="en-US" sz="2400" dirty="0" err="1">
+                <a:solidFill>
+                  <a:schemeClr val="bg1"/>
+                </a:solidFill>
+              </a:rPr>
+              <a:t>passandoli</a:t>
+            </a:r>
+            <a:r>
+              <a:rPr lang="en-US" sz="2400" dirty="0">
+                <a:solidFill>
+                  <a:schemeClr val="bg1"/>
+                </a:solidFill>
+              </a:rPr>
+              <a:t> file di input </a:t>
+            </a:r>
+          </a:p>
+          <a:p>
+            <a:r>
+              <a:rPr lang="en-US" sz="2400" dirty="0">
+                <a:solidFill>
+                  <a:schemeClr val="bg1"/>
+                </a:solidFill>
+              </a:rPr>
+              <a:t>ed output, e la </a:t>
+            </a:r>
+            <a:r>
+              <a:rPr lang="en-US" sz="2400" dirty="0" err="1">
+                <a:solidFill>
+                  <a:schemeClr val="bg1"/>
+                </a:solidFill>
+              </a:rPr>
+              <a:t>chiave</a:t>
+            </a:r>
+            <a:r>
+              <a:rPr lang="en-US" sz="2400" dirty="0">
+                <a:solidFill>
+                  <a:schemeClr val="bg1"/>
+                </a:solidFill>
+              </a:rPr>
+              <a:t> </a:t>
+            </a:r>
+          </a:p>
+          <a:p>
+            <a:r>
+              <a:rPr lang="en-US" sz="2400" dirty="0">
+                <a:solidFill>
+                  <a:schemeClr val="bg1"/>
+                </a:solidFill>
+              </a:rPr>
+              <a:t>di </a:t>
+            </a:r>
+            <a:r>
+              <a:rPr lang="en-US" sz="2400" dirty="0" err="1">
+                <a:solidFill>
+                  <a:schemeClr val="bg1"/>
+                </a:solidFill>
+              </a:rPr>
+              <a:t>cryptazione</a:t>
+            </a:r>
+            <a:r>
+              <a:rPr lang="en-US" sz="2400" dirty="0">
+                <a:solidFill>
+                  <a:schemeClr val="bg1"/>
+                </a:solidFill>
+              </a:rPr>
+              <a:t>.</a:t>
+            </a:r>
+            <a:endParaRPr lang="it-IT" sz="2400" dirty="0">
+              <a:solidFill>
+                <a:schemeClr val="bg1"/>
+              </a:solidFill>
+            </a:endParaRPr>
+          </a:p>
+        </p:txBody>
+      </p:sp>
+    </p:spTree>
+    <p:extLst>
+      <p:ext uri="{BB962C8B-B14F-4D97-AF65-F5344CB8AC3E}">
+        <p14:creationId xmlns:p14="http://schemas.microsoft.com/office/powerpoint/2010/main" val="2981225562"/>
+      </p:ext>
+    </p:extLst>
+  </p:cSld>
+  <p:clrMapOvr>
+    <a:masterClrMapping/>
+  </p:clrMapOvr>
+</p:sld>
+</file>
+
+<file path=ppt/slides/slide6.xml><?xml version="1.0" encoding="utf-8"?>
+<p:sld xmlns:a="http://schemas.openxmlformats.org/drawingml/2006/main" xmlns:r="http://schemas.openxmlformats.org/officeDocument/2006/relationships" xmlns:p="http://schemas.openxmlformats.org/presentationml/2006/main">
+  <p:cSld>
+    <p:bg>
+      <p:bgPr>
+        <a:solidFill>
+          <a:schemeClr val="bg1"/>
+        </a:solidFill>
+        <a:effectLst/>
+      </p:bgPr>
+    </p:bg>
+    <p:spTree>
+      <p:nvGrpSpPr>
+        <p:cNvPr id="1" name=""/>
+        <p:cNvGrpSpPr/>
+        <p:nvPr/>
+      </p:nvGrpSpPr>
+      <p:grpSpPr>
+        <a:xfrm>
+          <a:off x="0" y="0"/>
+          <a:ext cx="0" cy="0"/>
+          <a:chOff x="0" y="0"/>
+          <a:chExt cx="0" cy="0"/>
+        </a:xfrm>
+      </p:grpSpPr>
+      <p:sp>
+        <p:nvSpPr>
+          <p:cNvPr id="25" name="Rectangle 24">
+            <a:extLst>
+              <a:ext uri="{FF2B5EF4-FFF2-40B4-BE49-F238E27FC236}">
+                <a16:creationId xmlns:a16="http://schemas.microsoft.com/office/drawing/2014/main" id="{82FB26DF-1058-4FF2-A7D8-CC9D04982CF2}"/>
+              </a:ext>
+              <a:ext uri="{C183D7F6-B498-43B3-948B-1728B52AA6E4}">
+                <adec:decorative xmlns:adec="http://schemas.microsoft.com/office/drawing/2017/decorative" val="1"/>
+              </a:ext>
+            </a:extLst>
+          </p:cNvPr>
+          <p:cNvSpPr>
+            <a:spLocks noGrp="1" noRot="1" noChangeAspect="1" noMove="1" noResize="1" noEditPoints="1" noAdjustHandles="1" noChangeArrowheads="1" noChangeShapeType="1" noTextEdit="1"/>
+          </p:cNvSpPr>
+          <p:nvPr>
+            <p:extLst>
+              <p:ext uri="{386F3935-93C4-4BCD-93E2-E3B085C9AB24}">
+                <p16:designElem xmlns:p16="http://schemas.microsoft.com/office/powerpoint/2015/main" val="1"/>
+              </p:ext>
+            </p:extLst>
+          </p:nvPr>
+        </p:nvSpPr>
+        <p:spPr>
+          <a:xfrm>
+            <a:off x="1" y="758952"/>
+            <a:ext cx="3443590" cy="5330952"/>
+          </a:xfrm>
+          <a:prstGeom prst="rect">
+            <a:avLst/>
+          </a:prstGeom>
+          <a:solidFill>
+            <a:schemeClr val="accent1"/>
+          </a:solidFill>
+          <a:ln>
+            <a:noFill/>
+          </a:ln>
+        </p:spPr>
+        <p:style>
+          <a:lnRef idx="2">
+            <a:schemeClr val="accent1">
+              <a:shade val="50000"/>
+            </a:schemeClr>
+          </a:lnRef>
+          <a:fillRef idx="1">
+            <a:schemeClr val="accent1"/>
+          </a:fillRef>
+          <a:effectRef idx="0">
+            <a:schemeClr val="accent1"/>
+          </a:effectRef>
+          <a:fontRef idx="minor">
+            <a:schemeClr val="lt1"/>
+          </a:fontRef>
+        </p:style>
+      </p:sp>
+      <p:pic>
+        <p:nvPicPr>
+          <p:cNvPr id="7" name="Immagine 6" descr="Immagine che contiene testo&#10;&#10;Descrizione generata automaticamente">
+            <a:extLst>
+              <a:ext uri="{FF2B5EF4-FFF2-40B4-BE49-F238E27FC236}">
+                <a16:creationId xmlns:a16="http://schemas.microsoft.com/office/drawing/2014/main" id="{4EA5D48B-8D57-42F0-B67D-B5F04A454EC5}"/>
+              </a:ext>
+            </a:extLst>
+          </p:cNvPr>
+          <p:cNvPicPr>
+            <a:picLocks noChangeAspect="1"/>
+          </p:cNvPicPr>
+          <p:nvPr/>
+        </p:nvPicPr>
+        <p:blipFill>
+          <a:blip r:embed="rId2">
+            <a:extLst>
+              <a:ext uri="{28A0092B-C50C-407E-A947-70E740481C1C}">
+                <a14:useLocalDpi xmlns:a14="http://schemas.microsoft.com/office/drawing/2010/main" val="0"/>
+              </a:ext>
+            </a:extLst>
+          </a:blip>
+          <a:stretch>
+            <a:fillRect/>
+          </a:stretch>
+        </p:blipFill>
+        <p:spPr>
+          <a:xfrm>
+            <a:off x="4615575" y="130760"/>
+            <a:ext cx="4521601" cy="6481580"/>
+          </a:xfrm>
+          <a:prstGeom prst="rect">
+            <a:avLst/>
+          </a:prstGeom>
+        </p:spPr>
+      </p:pic>
+      <p:sp>
+        <p:nvSpPr>
+          <p:cNvPr id="27" name="Rectangle 26">
+            <a:extLst>
+              <a:ext uri="{FF2B5EF4-FFF2-40B4-BE49-F238E27FC236}">
+                <a16:creationId xmlns:a16="http://schemas.microsoft.com/office/drawing/2014/main" id="{DF663E57-5EFE-40CA-99A5-7BDB95908FDF}"/>
+              </a:ext>
+              <a:ext uri="{C183D7F6-B498-43B3-948B-1728B52AA6E4}">
+                <adec:decorative xmlns:adec="http://schemas.microsoft.com/office/drawing/2017/decorative" val="1"/>
+              </a:ext>
+            </a:extLst>
+          </p:cNvPr>
+          <p:cNvSpPr>
+            <a:spLocks noGrp="1" noRot="1" noChangeAspect="1" noMove="1" noResize="1" noEditPoints="1" noAdjustHandles="1" noChangeArrowheads="1" noChangeShapeType="1" noTextEdit="1"/>
+          </p:cNvSpPr>
+          <p:nvPr>
+            <p:extLst>
+              <p:ext uri="{386F3935-93C4-4BCD-93E2-E3B085C9AB24}">
+                <p16:designElem xmlns:p16="http://schemas.microsoft.com/office/powerpoint/2015/main" val="1"/>
+              </p:ext>
+            </p:extLst>
+          </p:nvPr>
+        </p:nvSpPr>
+        <p:spPr>
+          <a:xfrm>
+            <a:off x="11815864" y="758952"/>
+            <a:ext cx="384048" cy="5330952"/>
+          </a:xfrm>
+          <a:prstGeom prst="rect">
+            <a:avLst/>
+          </a:prstGeom>
+          <a:solidFill>
+            <a:srgbClr val="C8C8C8">
+              <a:alpha val="49804"/>
+            </a:srgbClr>
+          </a:solidFill>
+          <a:ln>
+            <a:noFill/>
+          </a:ln>
+        </p:spPr>
+        <p:style>
+          <a:lnRef idx="2">
+            <a:schemeClr val="accent1">
+              <a:shade val="50000"/>
+            </a:schemeClr>
+          </a:lnRef>
+          <a:fillRef idx="1">
+            <a:schemeClr val="accent1"/>
+          </a:fillRef>
+          <a:effectRef idx="0">
+            <a:schemeClr val="accent1"/>
+          </a:effectRef>
+          <a:fontRef idx="minor">
+            <a:schemeClr val="lt1"/>
+          </a:fontRef>
+        </p:style>
+      </p:sp>
+      <p:sp>
+        <p:nvSpPr>
+          <p:cNvPr id="9" name="CasellaDiTesto 8">
+            <a:extLst>
+              <a:ext uri="{FF2B5EF4-FFF2-40B4-BE49-F238E27FC236}">
+                <a16:creationId xmlns:a16="http://schemas.microsoft.com/office/drawing/2014/main" id="{049118BA-3399-42F8-B510-4A28B60FE232}"/>
+              </a:ext>
+            </a:extLst>
+          </p:cNvPr>
+          <p:cNvSpPr txBox="1"/>
+          <p:nvPr/>
+        </p:nvSpPr>
+        <p:spPr>
+          <a:xfrm>
+            <a:off x="69007" y="1588849"/>
+            <a:ext cx="3207224" cy="2677656"/>
+          </a:xfrm>
+          <a:prstGeom prst="rect">
+            <a:avLst/>
+          </a:prstGeom>
+          <a:noFill/>
+        </p:spPr>
+        <p:txBody>
+          <a:bodyPr wrap="square" rtlCol="0">
+            <a:spAutoFit/>
+          </a:bodyPr>
+          <a:lstStyle/>
+          <a:p>
+            <a:r>
+              <a:rPr lang="en-US" sz="2400" dirty="0">
+                <a:solidFill>
+                  <a:schemeClr val="bg1"/>
+                </a:solidFill>
+              </a:rPr>
+              <a:t>Qui </a:t>
+            </a:r>
+            <a:r>
+              <a:rPr lang="en-US" sz="2400" dirty="0" err="1">
+                <a:solidFill>
+                  <a:schemeClr val="bg1"/>
+                </a:solidFill>
+              </a:rPr>
+              <a:t>controllo</a:t>
+            </a:r>
+            <a:r>
+              <a:rPr lang="en-US" sz="2400" dirty="0">
+                <a:solidFill>
+                  <a:schemeClr val="bg1"/>
+                </a:solidFill>
+              </a:rPr>
+              <a:t> </a:t>
+            </a:r>
+            <a:r>
+              <a:rPr lang="en-US" sz="2400" dirty="0" err="1">
+                <a:solidFill>
+                  <a:schemeClr val="bg1"/>
+                </a:solidFill>
+              </a:rPr>
+              <a:t>che</a:t>
+            </a:r>
+            <a:r>
+              <a:rPr lang="en-US" sz="2400" dirty="0">
+                <a:solidFill>
+                  <a:schemeClr val="bg1"/>
+                </a:solidFill>
+              </a:rPr>
+              <a:t> la </a:t>
+            </a:r>
+            <a:r>
+              <a:rPr lang="en-US" sz="2400" dirty="0" err="1">
+                <a:solidFill>
+                  <a:schemeClr val="bg1"/>
+                </a:solidFill>
+              </a:rPr>
+              <a:t>seriale</a:t>
+            </a:r>
+            <a:r>
+              <a:rPr lang="en-US" sz="2400" dirty="0">
+                <a:solidFill>
+                  <a:schemeClr val="bg1"/>
+                </a:solidFill>
+              </a:rPr>
+              <a:t> </a:t>
+            </a:r>
+            <a:r>
+              <a:rPr lang="en-US" sz="2400" dirty="0" err="1">
+                <a:solidFill>
+                  <a:schemeClr val="bg1"/>
+                </a:solidFill>
+              </a:rPr>
+              <a:t>sia</a:t>
+            </a:r>
+            <a:r>
+              <a:rPr lang="en-US" sz="2400" dirty="0">
+                <a:solidFill>
+                  <a:schemeClr val="bg1"/>
+                </a:solidFill>
+              </a:rPr>
+              <a:t> </a:t>
+            </a:r>
+            <a:r>
+              <a:rPr lang="en-US" sz="2400" dirty="0" err="1">
+                <a:solidFill>
+                  <a:schemeClr val="bg1"/>
+                </a:solidFill>
+              </a:rPr>
+              <a:t>collegata</a:t>
+            </a:r>
+            <a:r>
+              <a:rPr lang="en-US" sz="2400" dirty="0">
+                <a:solidFill>
+                  <a:schemeClr val="bg1"/>
+                </a:solidFill>
+              </a:rPr>
+              <a:t> ad Arduino, </a:t>
+            </a:r>
+            <a:r>
+              <a:rPr lang="en-US" sz="2400" dirty="0" err="1">
+                <a:solidFill>
+                  <a:schemeClr val="bg1"/>
+                </a:solidFill>
+              </a:rPr>
+              <a:t>legge</a:t>
+            </a:r>
+            <a:r>
+              <a:rPr lang="en-US" sz="2400" dirty="0">
+                <a:solidFill>
+                  <a:schemeClr val="bg1"/>
+                </a:solidFill>
+              </a:rPr>
+              <a:t> o </a:t>
+            </a:r>
+          </a:p>
+          <a:p>
+            <a:r>
+              <a:rPr lang="en-US" sz="2400" dirty="0">
+                <a:solidFill>
+                  <a:schemeClr val="bg1"/>
+                </a:solidFill>
+              </a:rPr>
+              <a:t>genera la </a:t>
+            </a:r>
+            <a:r>
+              <a:rPr lang="en-US" sz="2400" dirty="0" err="1">
+                <a:solidFill>
+                  <a:schemeClr val="bg1"/>
+                </a:solidFill>
+              </a:rPr>
+              <a:t>chiave</a:t>
+            </a:r>
+            <a:r>
+              <a:rPr lang="en-US" sz="2400" dirty="0">
+                <a:solidFill>
+                  <a:schemeClr val="bg1"/>
+                </a:solidFill>
+              </a:rPr>
+              <a:t> in base </a:t>
+            </a:r>
+            <a:r>
+              <a:rPr lang="en-US" sz="2400" dirty="0" err="1">
+                <a:solidFill>
+                  <a:schemeClr val="bg1"/>
+                </a:solidFill>
+              </a:rPr>
+              <a:t>alla</a:t>
+            </a:r>
+            <a:r>
+              <a:rPr lang="en-US" sz="2400" dirty="0">
+                <a:solidFill>
+                  <a:schemeClr val="bg1"/>
+                </a:solidFill>
+              </a:rPr>
+              <a:t> </a:t>
+            </a:r>
+            <a:r>
+              <a:rPr lang="en-US" sz="2400" dirty="0" err="1">
+                <a:solidFill>
+                  <a:schemeClr val="bg1"/>
+                </a:solidFill>
+              </a:rPr>
+              <a:t>presenza</a:t>
+            </a:r>
+            <a:r>
+              <a:rPr lang="en-US" sz="2400" dirty="0">
+                <a:solidFill>
+                  <a:schemeClr val="bg1"/>
+                </a:solidFill>
+              </a:rPr>
+              <a:t>, genera una </a:t>
+            </a:r>
+            <a:r>
+              <a:rPr lang="en-US" sz="2400" dirty="0" err="1">
+                <a:solidFill>
+                  <a:schemeClr val="bg1"/>
+                </a:solidFill>
+              </a:rPr>
+              <a:t>chiave</a:t>
+            </a:r>
+            <a:r>
+              <a:rPr lang="en-US" sz="2400" dirty="0">
+                <a:solidFill>
+                  <a:schemeClr val="bg1"/>
+                </a:solidFill>
+              </a:rPr>
+              <a:t> </a:t>
+            </a:r>
+            <a:r>
+              <a:rPr lang="en-US" sz="2400" dirty="0" err="1">
+                <a:solidFill>
+                  <a:schemeClr val="bg1"/>
+                </a:solidFill>
+              </a:rPr>
+              <a:t>formata</a:t>
+            </a:r>
+            <a:r>
+              <a:rPr lang="en-US" sz="2400" dirty="0">
+                <a:solidFill>
+                  <a:schemeClr val="bg1"/>
+                </a:solidFill>
+              </a:rPr>
+              <a:t> da 24 </a:t>
+            </a:r>
+            <a:r>
+              <a:rPr lang="en-US" sz="2400" dirty="0" err="1">
+                <a:solidFill>
+                  <a:schemeClr val="bg1"/>
+                </a:solidFill>
+              </a:rPr>
+              <a:t>caratteri</a:t>
+            </a:r>
+            <a:r>
+              <a:rPr lang="en-US" sz="2400" dirty="0">
+                <a:solidFill>
+                  <a:schemeClr val="bg1"/>
+                </a:solidFill>
+              </a:rPr>
+              <a:t> </a:t>
+            </a:r>
+            <a:r>
+              <a:rPr lang="en-US" sz="2400" dirty="0" err="1">
+                <a:solidFill>
+                  <a:schemeClr val="bg1"/>
+                </a:solidFill>
+              </a:rPr>
+              <a:t>letterali</a:t>
+            </a:r>
+            <a:r>
+              <a:rPr lang="en-US" sz="2400" dirty="0">
+                <a:solidFill>
+                  <a:schemeClr val="bg1"/>
+                </a:solidFill>
+              </a:rPr>
+              <a:t>.</a:t>
+            </a:r>
+            <a:endParaRPr lang="it-IT" sz="2400" dirty="0">
+              <a:solidFill>
+                <a:schemeClr val="bg1"/>
+              </a:solidFill>
+            </a:endParaRPr>
+          </a:p>
+        </p:txBody>
+      </p:sp>
+    </p:spTree>
+    <p:extLst>
+      <p:ext uri="{BB962C8B-B14F-4D97-AF65-F5344CB8AC3E}">
+        <p14:creationId xmlns:p14="http://schemas.microsoft.com/office/powerpoint/2010/main" val="3540486241"/>
+      </p:ext>
+    </p:extLst>
+  </p:cSld>
+  <p:clrMapOvr>
+    <a:masterClrMapping/>
+  </p:clrMapOvr>
+</p:sld>
+</file>
+
+<file path=ppt/slides/slide7.xml><?xml version="1.0" encoding="utf-8"?>
+<p:sld xmlns:a="http://schemas.openxmlformats.org/drawingml/2006/main" xmlns:r="http://schemas.openxmlformats.org/officeDocument/2006/relationships" xmlns:p="http://schemas.openxmlformats.org/presentationml/2006/main">
+  <p:cSld>
+    <p:spTree>
+      <p:nvGrpSpPr>
+        <p:cNvPr id="1" name=""/>
+        <p:cNvGrpSpPr/>
+        <p:nvPr/>
+      </p:nvGrpSpPr>
+      <p:grpSpPr>
+        <a:xfrm>
+          <a:off x="0" y="0"/>
+          <a:ext cx="0" cy="0"/>
+          <a:chOff x="0" y="0"/>
+          <a:chExt cx="0" cy="0"/>
+        </a:xfrm>
+      </p:grpSpPr>
+      <p:pic>
+        <p:nvPicPr>
+          <p:cNvPr id="4" name="Immagine 3"/>
+          <p:cNvPicPr>
+            <a:picLocks noChangeAspect="1"/>
+          </p:cNvPicPr>
+          <p:nvPr/>
+        </p:nvPicPr>
+        <p:blipFill>
+          <a:blip r:embed="rId2">
+            <a:extLst>
+              <a:ext uri="{28A0092B-C50C-407E-A947-70E740481C1C}">
+                <a14:useLocalDpi xmlns:a14="http://schemas.microsoft.com/office/drawing/2010/main" val="0"/>
+              </a:ext>
+            </a:extLst>
+          </a:blip>
+          <a:stretch>
+            <a:fillRect/>
+          </a:stretch>
+        </p:blipFill>
+        <p:spPr>
+          <a:xfrm>
+            <a:off x="786326" y="2184396"/>
+            <a:ext cx="5367906" cy="2512864"/>
+          </a:xfrm>
+          <a:prstGeom prst="rect">
+            <a:avLst/>
+          </a:prstGeom>
+        </p:spPr>
+      </p:pic>
+      <p:sp>
+        <p:nvSpPr>
+          <p:cNvPr id="6" name="CasellaDiTesto 5"/>
+          <p:cNvSpPr txBox="1"/>
+          <p:nvPr/>
+        </p:nvSpPr>
+        <p:spPr>
+          <a:xfrm>
+            <a:off x="9476509" y="1413164"/>
+            <a:ext cx="2568633" cy="923330"/>
+          </a:xfrm>
+          <a:prstGeom prst="rect">
+            <a:avLst/>
+          </a:prstGeom>
+          <a:noFill/>
+        </p:spPr>
+        <p:txBody>
+          <a:bodyPr wrap="square" rtlCol="0">
+            <a:spAutoFit/>
+          </a:bodyPr>
+          <a:lstStyle/>
+          <a:p>
+            <a:r>
+              <a:rPr lang="it-IT" dirty="0"/>
+              <a:t>Creazione di bottoni e </a:t>
+            </a:r>
+            <a:r>
+              <a:rPr lang="it-IT" dirty="0" err="1"/>
+              <a:t>label</a:t>
+            </a:r>
+            <a:endParaRPr lang="it-IT" dirty="0"/>
+          </a:p>
+          <a:p>
+            <a:endParaRPr lang="it-IT" dirty="0"/>
+          </a:p>
+        </p:txBody>
+      </p:sp>
+      <p:sp>
+        <p:nvSpPr>
+          <p:cNvPr id="7" name="CasellaDiTesto 6"/>
+          <p:cNvSpPr txBox="1"/>
+          <p:nvPr/>
+        </p:nvSpPr>
+        <p:spPr>
+          <a:xfrm>
+            <a:off x="9551324" y="2917767"/>
+            <a:ext cx="2385752" cy="646331"/>
+          </a:xfrm>
+          <a:prstGeom prst="rect">
+            <a:avLst/>
+          </a:prstGeom>
+          <a:noFill/>
+        </p:spPr>
+        <p:txBody>
+          <a:bodyPr wrap="square" rtlCol="0">
+            <a:spAutoFit/>
+          </a:bodyPr>
+          <a:lstStyle/>
+          <a:p>
+            <a:r>
+              <a:rPr lang="it-IT" dirty="0" err="1"/>
+              <a:t>PasswordField</a:t>
+            </a:r>
+            <a:r>
+              <a:rPr lang="it-IT" dirty="0"/>
+              <a:t>() rende la password «segreta»</a:t>
+            </a:r>
+          </a:p>
+        </p:txBody>
+      </p:sp>
+    </p:spTree>
+    <p:extLst>
+      <p:ext uri="{BB962C8B-B14F-4D97-AF65-F5344CB8AC3E}">
+        <p14:creationId xmlns:p14="http://schemas.microsoft.com/office/powerpoint/2010/main" val="3397792296"/>
+      </p:ext>
+    </p:extLst>
+  </p:cSld>
+  <p:clrMapOvr>
+    <a:masterClrMapping/>
+  </p:clrMapOvr>
+</p:sld>
+</file>
+
+<file path=ppt/slides/slide8.xml><?xml version="1.0" encoding="utf-8"?>
+<p:sld xmlns:a="http://schemas.openxmlformats.org/drawingml/2006/main" xmlns:r="http://schemas.openxmlformats.org/officeDocument/2006/relationships" xmlns:p="http://schemas.openxmlformats.org/presentationml/2006/main">
+  <p:cSld>
+    <p:spTree>
+      <p:nvGrpSpPr>
+        <p:cNvPr id="1" name=""/>
+        <p:cNvGrpSpPr/>
+        <p:nvPr/>
+      </p:nvGrpSpPr>
+      <p:grpSpPr>
+        <a:xfrm>
+          <a:off x="0" y="0"/>
+          <a:ext cx="0" cy="0"/>
+          <a:chOff x="0" y="0"/>
+          <a:chExt cx="0" cy="0"/>
+        </a:xfrm>
+      </p:grpSpPr>
+      <p:sp>
+        <p:nvSpPr>
+          <p:cNvPr id="2" name="Titolo 1"/>
+          <p:cNvSpPr>
+            <a:spLocks noGrp="1"/>
+          </p:cNvSpPr>
+          <p:nvPr>
+            <p:ph type="title"/>
+          </p:nvPr>
+        </p:nvSpPr>
+        <p:spPr/>
+        <p:txBody>
+          <a:bodyPr/>
+          <a:lstStyle/>
+          <a:p>
+            <a:r>
+              <a:rPr lang="it-IT" dirty="0"/>
+              <a:t>Aggiunge ai frame gli elementi e li setta </a:t>
+            </a:r>
+          </a:p>
+        </p:txBody>
+      </p:sp>
+      <p:pic>
+        <p:nvPicPr>
+          <p:cNvPr id="4" name="Segnaposto contenuto 3"/>
+          <p:cNvPicPr>
+            <a:picLocks noGrp="1" noChangeAspect="1"/>
+          </p:cNvPicPr>
+          <p:nvPr>
+            <p:ph idx="1"/>
+          </p:nvPr>
+        </p:nvPicPr>
+        <p:blipFill>
+          <a:blip r:embed="rId2">
+            <a:extLst>
+              <a:ext uri="{28A0092B-C50C-407E-A947-70E740481C1C}">
+                <a14:useLocalDpi xmlns:a14="http://schemas.microsoft.com/office/drawing/2010/main" val="0"/>
+              </a:ext>
+            </a:extLst>
+          </a:blip>
+          <a:stretch>
+            <a:fillRect/>
+          </a:stretch>
+        </p:blipFill>
+        <p:spPr>
+          <a:xfrm>
+            <a:off x="5449598" y="2333473"/>
+            <a:ext cx="4153480" cy="2181529"/>
+          </a:xfrm>
+        </p:spPr>
+      </p:pic>
+    </p:spTree>
+    <p:extLst>
+      <p:ext uri="{BB962C8B-B14F-4D97-AF65-F5344CB8AC3E}">
+        <p14:creationId xmlns:p14="http://schemas.microsoft.com/office/powerpoint/2010/main" val="497295926"/>
+      </p:ext>
+    </p:extLst>
+  </p:cSld>
+  <p:clrMapOvr>
+    <a:masterClrMapping/>
+  </p:clrMapOvr>
+</p:sld>
+</file>
+
+<file path=ppt/slides/slide9.xml><?xml version="1.0" encoding="utf-8"?>
+<p:sld xmlns:a="http://schemas.openxmlformats.org/drawingml/2006/main" xmlns:r="http://schemas.openxmlformats.org/officeDocument/2006/relationships" xmlns:p="http://schemas.openxmlformats.org/presentationml/2006/main">
+  <p:cSld>
+    <p:spTree>
+      <p:nvGrpSpPr>
+        <p:cNvPr id="1" name=""/>
+        <p:cNvGrpSpPr/>
+        <p:nvPr/>
+      </p:nvGrpSpPr>
+      <p:grpSpPr>
+        <a:xfrm>
+          <a:off x="0" y="0"/>
+          <a:ext cx="0" cy="0"/>
+          <a:chOff x="0" y="0"/>
+          <a:chExt cx="0" cy="0"/>
+        </a:xfrm>
+      </p:grpSpPr>
+      <p:sp>
+        <p:nvSpPr>
+          <p:cNvPr id="2" name="Titolo 1"/>
+          <p:cNvSpPr>
+            <a:spLocks noGrp="1"/>
+          </p:cNvSpPr>
+          <p:nvPr>
+            <p:ph type="title"/>
+          </p:nvPr>
+        </p:nvSpPr>
+        <p:spPr/>
+        <p:txBody>
+          <a:bodyPr/>
+          <a:lstStyle/>
+          <a:p>
+            <a:r>
+              <a:rPr lang="it-IT" dirty="0"/>
+              <a:t>Vengono settati il colore dei bordi, lo stile e il colore dei bottoni e lo sfondo dell’</a:t>
+            </a:r>
+            <a:r>
+              <a:rPr lang="it-IT" dirty="0" err="1"/>
+              <a:t>app</a:t>
+            </a:r>
+            <a:endParaRPr lang="it-IT" dirty="0"/>
+          </a:p>
+        </p:txBody>
+      </p:sp>
+      <p:pic>
+        <p:nvPicPr>
+          <p:cNvPr id="4" name="Segnaposto contenuto 3"/>
+          <p:cNvPicPr>
+            <a:picLocks noGrp="1" noChangeAspect="1"/>
+          </p:cNvPicPr>
+          <p:nvPr>
+            <p:ph idx="1"/>
+          </p:nvPr>
+        </p:nvPicPr>
+        <p:blipFill>
+          <a:blip r:embed="rId2">
+            <a:extLst>
+              <a:ext uri="{28A0092B-C50C-407E-A947-70E740481C1C}">
+                <a14:useLocalDpi xmlns:a14="http://schemas.microsoft.com/office/drawing/2010/main" val="0"/>
+              </a:ext>
+            </a:extLst>
+          </a:blip>
+          <a:stretch>
+            <a:fillRect/>
+          </a:stretch>
+        </p:blipFill>
+        <p:spPr>
+          <a:xfrm>
+            <a:off x="5425782" y="1247471"/>
+            <a:ext cx="4201111" cy="4353533"/>
+          </a:xfrm>
+        </p:spPr>
+      </p:pic>
+    </p:spTree>
+    <p:extLst>
+      <p:ext uri="{BB962C8B-B14F-4D97-AF65-F5344CB8AC3E}">
+        <p14:creationId xmlns:p14="http://schemas.microsoft.com/office/powerpoint/2010/main" val="3324108789"/>
       </p:ext>
     </p:extLst>
   </p:cSld>
@@ -5941,4 +10036,466 @@
     </a:ext>
   </a:extLst>
 </a:theme>
+</file>
+
+<file path=ppt/theme/theme2.xml><?xml version="1.0" encoding="utf-8"?>
+<a:theme xmlns:a="http://schemas.openxmlformats.org/drawingml/2006/main" name="Cornice">
+  <a:themeElements>
+    <a:clrScheme name="Cornice">
+      <a:dk1>
+        <a:srgbClr val="000000"/>
+      </a:dk1>
+      <a:lt1>
+        <a:srgbClr val="FFFFFF"/>
+      </a:lt1>
+      <a:dk2>
+        <a:srgbClr val="545454"/>
+      </a:dk2>
+      <a:lt2>
+        <a:srgbClr val="BFBFBF"/>
+      </a:lt2>
+      <a:accent1>
+        <a:srgbClr val="40BAD2"/>
+      </a:accent1>
+      <a:accent2>
+        <a:srgbClr val="FAB900"/>
+      </a:accent2>
+      <a:accent3>
+        <a:srgbClr val="90BB23"/>
+      </a:accent3>
+      <a:accent4>
+        <a:srgbClr val="EE7008"/>
+      </a:accent4>
+      <a:accent5>
+        <a:srgbClr val="1AB39F"/>
+      </a:accent5>
+      <a:accent6>
+        <a:srgbClr val="D5393D"/>
+      </a:accent6>
+      <a:hlink>
+        <a:srgbClr val="90BB23"/>
+      </a:hlink>
+      <a:folHlink>
+        <a:srgbClr val="EE7008"/>
+      </a:folHlink>
+    </a:clrScheme>
+    <a:fontScheme name="Cornice">
+      <a:majorFont>
+        <a:latin typeface="Corbel" panose="020B0503020204020204"/>
+        <a:ea typeface=""/>
+        <a:cs typeface=""/>
+        <a:font script="Jpan" typeface="ＭＳ ゴシック"/>
+        <a:font script="Hang" typeface="HY중고딕"/>
+        <a:font script="Hans" typeface="幼圆"/>
+        <a:font script="Hant" typeface="微軟正黑體"/>
+        <a:font script="Arab" typeface="Tahoma"/>
+        <a:font script="Hebr" typeface="Gisha"/>
+        <a:font script="Thai" typeface="DilleniaUPC"/>
+        <a:font script="Ethi" typeface="Nyala"/>
+        <a:font script="Beng" typeface="Vrinda"/>
+        <a:font script="Gujr" typeface="Shruti"/>
+        <a:font script="Khmr" typeface="DaunPenh"/>
+        <a:font script="Knda" typeface="Tunga"/>
+        <a:font script="Guru" typeface="Raavi"/>
+        <a:font script="Cans" typeface="Euphemia"/>
+        <a:font script="Cher" typeface="Plantagenet Cherokee"/>
+        <a:font script="Yiii" typeface="Microsoft Yi Baiti"/>
+        <a:font script="Tibt" typeface="Microsoft Himalaya"/>
+        <a:font script="Thaa" typeface="MV Boli"/>
+        <a:font script="Deva" typeface="Mangal"/>
+        <a:font script="Telu" typeface="Gautami"/>
+        <a:font script="Taml" typeface="Latha"/>
+        <a:font script="Syrc" typeface="Estrangelo Edessa"/>
+        <a:font script="Orya" typeface="Kalinga"/>
+        <a:font script="Mlym" typeface="Kartika"/>
+        <a:font script="Laoo" typeface="DokChampa"/>
+        <a:font script="Sinh" typeface="Iskoola Pota"/>
+        <a:font script="Mong" typeface="Mongolian Baiti"/>
+        <a:font script="Viet" typeface="Tahoma"/>
+        <a:font script="Uigh" typeface="Microsoft Uighur"/>
+        <a:font script="Geor" typeface="Sylfaen"/>
+      </a:majorFont>
+      <a:minorFont>
+        <a:latin typeface="Corbel" panose="020B0503020204020204"/>
+        <a:ea typeface=""/>
+        <a:cs typeface=""/>
+        <a:font script="Jpan" typeface="ＭＳ ゴシック"/>
+        <a:font script="Hang" typeface="HY중고딕"/>
+        <a:font script="Hans" typeface="幼圆"/>
+        <a:font script="Hant" typeface="微軟正黑體"/>
+        <a:font script="Arab" typeface="Tahoma"/>
+        <a:font script="Hebr" typeface="Gisha"/>
+        <a:font script="Thai" typeface="DilleniaUPC"/>
+        <a:font script="Ethi" typeface="Nyala"/>
+        <a:font script="Beng" typeface="Vrinda"/>
+        <a:font script="Gujr" typeface="Shruti"/>
+        <a:font script="Khmr" typeface="DaunPenh"/>
+        <a:font script="Knda" typeface="Tunga"/>
+        <a:font script="Guru" typeface="Raavi"/>
+        <a:font script="Cans" typeface="Euphemia"/>
+        <a:font script="Cher" typeface="Plantagenet Cherokee"/>
+        <a:font script="Yiii" typeface="Microsoft Yi Baiti"/>
+        <a:font script="Tibt" typeface="Microsoft Himalaya"/>
+        <a:font script="Thaa" typeface="MV Boli"/>
+        <a:font script="Deva" typeface="Mangal"/>
+        <a:font script="Telu" typeface="Gautami"/>
+        <a:font script="Taml" typeface="Latha"/>
+        <a:font script="Syrc" typeface="Estrangelo Edessa"/>
+        <a:font script="Orya" typeface="Kalinga"/>
+        <a:font script="Mlym" typeface="Kartika"/>
+        <a:font script="Laoo" typeface="DokChampa"/>
+        <a:font script="Sinh" typeface="Iskoola Pota"/>
+        <a:font script="Mong" typeface="Mongolian Baiti"/>
+        <a:font script="Viet" typeface="Verdana"/>
+        <a:font script="Uigh" typeface="Microsoft Uighur"/>
+        <a:font script="Geor" typeface="Sylfaen"/>
+      </a:minorFont>
+    </a:fontScheme>
+    <a:fmtScheme name="Cornice">
+      <a:fillStyleLst>
+        <a:solidFill>
+          <a:schemeClr val="phClr"/>
+        </a:solidFill>
+        <a:solidFill>
+          <a:schemeClr val="phClr">
+            <a:tint val="65000"/>
+          </a:schemeClr>
+        </a:solidFill>
+        <a:solidFill>
+          <a:schemeClr val="phClr">
+            <a:shade val="80000"/>
+            <a:satMod val="150000"/>
+          </a:schemeClr>
+        </a:solidFill>
+      </a:fillStyleLst>
+      <a:lnStyleLst>
+        <a:ln w="9525" cap="flat" cmpd="sng" algn="ctr">
+          <a:solidFill>
+            <a:schemeClr val="phClr"/>
+          </a:solidFill>
+          <a:prstDash val="solid"/>
+        </a:ln>
+        <a:ln w="10795" cap="flat" cmpd="sng" algn="ctr">
+          <a:solidFill>
+            <a:schemeClr val="phClr"/>
+          </a:solidFill>
+          <a:prstDash val="solid"/>
+        </a:ln>
+        <a:ln w="17145" cap="flat" cmpd="sng" algn="ctr">
+          <a:solidFill>
+            <a:schemeClr val="phClr">
+              <a:shade val="95000"/>
+              <a:alpha val="50000"/>
+              <a:satMod val="150000"/>
+            </a:schemeClr>
+          </a:solidFill>
+          <a:prstDash val="solid"/>
+        </a:ln>
+      </a:lnStyleLst>
+      <a:effectStyleLst>
+        <a:effectStyle>
+          <a:effectLst/>
+        </a:effectStyle>
+        <a:effectStyle>
+          <a:effectLst/>
+        </a:effectStyle>
+        <a:effectStyle>
+          <a:effectLst>
+            <a:outerShdw blurRad="44450" dist="13970" dir="5400000" algn="ctr" rotWithShape="0">
+              <a:srgbClr val="000000">
+                <a:alpha val="45000"/>
+              </a:srgbClr>
+            </a:outerShdw>
+          </a:effectLst>
+          <a:scene3d>
+            <a:camera prst="orthographicFront">
+              <a:rot lat="0" lon="0" rev="0"/>
+            </a:camera>
+            <a:lightRig rig="twoPt" dir="tl"/>
+          </a:scene3d>
+          <a:sp3d prstMaterial="flat">
+            <a:bevelT w="12700" h="25400" prst="coolSlant"/>
+          </a:sp3d>
+        </a:effectStyle>
+      </a:effectStyleLst>
+      <a:bgFillStyleLst>
+        <a:solidFill>
+          <a:schemeClr val="phClr"/>
+        </a:solidFill>
+        <a:solidFill>
+          <a:schemeClr val="phClr">
+            <a:tint val="95000"/>
+            <a:satMod val="170000"/>
+          </a:schemeClr>
+        </a:solidFill>
+        <a:gradFill rotWithShape="1">
+          <a:gsLst>
+            <a:gs pos="0">
+              <a:schemeClr val="phClr">
+                <a:tint val="93000"/>
+                <a:shade val="98000"/>
+                <a:satMod val="120000"/>
+                <a:lumMod val="102000"/>
+              </a:schemeClr>
+            </a:gs>
+            <a:gs pos="48000">
+              <a:schemeClr val="phClr">
+                <a:tint val="98000"/>
+                <a:shade val="90000"/>
+                <a:satMod val="110000"/>
+                <a:lumMod val="103000"/>
+              </a:schemeClr>
+            </a:gs>
+            <a:gs pos="100000">
+              <a:schemeClr val="phClr">
+                <a:tint val="98000"/>
+                <a:shade val="80000"/>
+                <a:satMod val="100000"/>
+              </a:schemeClr>
+            </a:gs>
+          </a:gsLst>
+          <a:lin ang="5400000" scaled="0"/>
+        </a:gradFill>
+      </a:bgFillStyleLst>
+    </a:fmtScheme>
+  </a:themeElements>
+  <a:objectDefaults/>
+  <a:extraClrSchemeLst/>
+  <a:extLst>
+    <a:ext uri="{05A4C25C-085E-4340-85A3-A5531E510DB2}">
+      <thm15:themeFamily xmlns:thm15="http://schemas.microsoft.com/office/thememl/2012/main" name="Frame" id="{F226E7A2-7162-461C-9490-D27D9DC04E43}" vid="{629A0216-3BBD-45C0-B63F-2683BEA18F60}"/>
+    </a:ext>
+  </a:extLst>
+</a:theme>
+</file>
+
+<file path=ppt/theme/theme3.xml><?xml version="1.0" encoding="utf-8"?>
+<a:theme xmlns:a="http://schemas.openxmlformats.org/drawingml/2006/main" name="Cornice">
+  <a:themeElements>
+    <a:clrScheme name="Cornice">
+      <a:dk1>
+        <a:srgbClr val="000000"/>
+      </a:dk1>
+      <a:lt1>
+        <a:srgbClr val="FFFFFF"/>
+      </a:lt1>
+      <a:dk2>
+        <a:srgbClr val="545454"/>
+      </a:dk2>
+      <a:lt2>
+        <a:srgbClr val="BFBFBF"/>
+      </a:lt2>
+      <a:accent1>
+        <a:srgbClr val="40BAD2"/>
+      </a:accent1>
+      <a:accent2>
+        <a:srgbClr val="FAB900"/>
+      </a:accent2>
+      <a:accent3>
+        <a:srgbClr val="90BB23"/>
+      </a:accent3>
+      <a:accent4>
+        <a:srgbClr val="EE7008"/>
+      </a:accent4>
+      <a:accent5>
+        <a:srgbClr val="1AB39F"/>
+      </a:accent5>
+      <a:accent6>
+        <a:srgbClr val="D5393D"/>
+      </a:accent6>
+      <a:hlink>
+        <a:srgbClr val="90BB23"/>
+      </a:hlink>
+      <a:folHlink>
+        <a:srgbClr val="EE7008"/>
+      </a:folHlink>
+    </a:clrScheme>
+    <a:fontScheme name="Cornice">
+      <a:majorFont>
+        <a:latin typeface="Corbel" panose="020B0503020204020204"/>
+        <a:ea typeface=""/>
+        <a:cs typeface=""/>
+        <a:font script="Jpan" typeface="ＭＳ ゴシック"/>
+        <a:font script="Hang" typeface="HY중고딕"/>
+        <a:font script="Hans" typeface="幼圆"/>
+        <a:font script="Hant" typeface="微軟正黑體"/>
+        <a:font script="Arab" typeface="Tahoma"/>
+        <a:font script="Hebr" typeface="Gisha"/>
+        <a:font script="Thai" typeface="DilleniaUPC"/>
+        <a:font script="Ethi" typeface="Nyala"/>
+        <a:font script="Beng" typeface="Vrinda"/>
+        <a:font script="Gujr" typeface="Shruti"/>
+        <a:font script="Khmr" typeface="DaunPenh"/>
+        <a:font script="Knda" typeface="Tunga"/>
+        <a:font script="Guru" typeface="Raavi"/>
+        <a:font script="Cans" typeface="Euphemia"/>
+        <a:font script="Cher" typeface="Plantagenet Cherokee"/>
+        <a:font script="Yiii" typeface="Microsoft Yi Baiti"/>
+        <a:font script="Tibt" typeface="Microsoft Himalaya"/>
+        <a:font script="Thaa" typeface="MV Boli"/>
+        <a:font script="Deva" typeface="Mangal"/>
+        <a:font script="Telu" typeface="Gautami"/>
+        <a:font script="Taml" typeface="Latha"/>
+        <a:font script="Syrc" typeface="Estrangelo Edessa"/>
+        <a:font script="Orya" typeface="Kalinga"/>
+        <a:font script="Mlym" typeface="Kartika"/>
+        <a:font script="Laoo" typeface="DokChampa"/>
+        <a:font script="Sinh" typeface="Iskoola Pota"/>
+        <a:font script="Mong" typeface="Mongolian Baiti"/>
+        <a:font script="Viet" typeface="Tahoma"/>
+        <a:font script="Uigh" typeface="Microsoft Uighur"/>
+        <a:font script="Geor" typeface="Sylfaen"/>
+      </a:majorFont>
+      <a:minorFont>
+        <a:latin typeface="Corbel" panose="020B0503020204020204"/>
+        <a:ea typeface=""/>
+        <a:cs typeface=""/>
+        <a:font script="Jpan" typeface="ＭＳ ゴシック"/>
+        <a:font script="Hang" typeface="HY중고딕"/>
+        <a:font script="Hans" typeface="幼圆"/>
+        <a:font script="Hant" typeface="微軟正黑體"/>
+        <a:font script="Arab" typeface="Tahoma"/>
+        <a:font script="Hebr" typeface="Gisha"/>
+        <a:font script="Thai" typeface="DilleniaUPC"/>
+        <a:font script="Ethi" typeface="Nyala"/>
+        <a:font script="Beng" typeface="Vrinda"/>
+        <a:font script="Gujr" typeface="Shruti"/>
+        <a:font script="Khmr" typeface="DaunPenh"/>
+        <a:font script="Knda" typeface="Tunga"/>
+        <a:font script="Guru" typeface="Raavi"/>
+        <a:font script="Cans" typeface="Euphemia"/>
+        <a:font script="Cher" typeface="Plantagenet Cherokee"/>
+        <a:font script="Yiii" typeface="Microsoft Yi Baiti"/>
+        <a:font script="Tibt" typeface="Microsoft Himalaya"/>
+        <a:font script="Thaa" typeface="MV Boli"/>
+        <a:font script="Deva" typeface="Mangal"/>
+        <a:font script="Telu" typeface="Gautami"/>
+        <a:font script="Taml" typeface="Latha"/>
+        <a:font script="Syrc" typeface="Estrangelo Edessa"/>
+        <a:font script="Orya" typeface="Kalinga"/>
+        <a:font script="Mlym" typeface="Kartika"/>
+        <a:font script="Laoo" typeface="DokChampa"/>
+        <a:font script="Sinh" typeface="Iskoola Pota"/>
+        <a:font script="Mong" typeface="Mongolian Baiti"/>
+        <a:font script="Viet" typeface="Verdana"/>
+        <a:font script="Uigh" typeface="Microsoft Uighur"/>
+        <a:font script="Geor" typeface="Sylfaen"/>
+      </a:minorFont>
+    </a:fontScheme>
+    <a:fmtScheme name="Cornice">
+      <a:fillStyleLst>
+        <a:solidFill>
+          <a:schemeClr val="phClr"/>
+        </a:solidFill>
+        <a:solidFill>
+          <a:schemeClr val="phClr">
+            <a:tint val="65000"/>
+          </a:schemeClr>
+        </a:solidFill>
+        <a:solidFill>
+          <a:schemeClr val="phClr">
+            <a:shade val="80000"/>
+            <a:satMod val="150000"/>
+          </a:schemeClr>
+        </a:solidFill>
+      </a:fillStyleLst>
+      <a:lnStyleLst>
+        <a:ln w="9525" cap="flat" cmpd="sng" algn="ctr">
+          <a:solidFill>
+            <a:schemeClr val="phClr"/>
+          </a:solidFill>
+          <a:prstDash val="solid"/>
+        </a:ln>
+        <a:ln w="10795" cap="flat" cmpd="sng" algn="ctr">
+          <a:solidFill>
+            <a:schemeClr val="phClr"/>
+          </a:solidFill>
+          <a:prstDash val="solid"/>
+        </a:ln>
+        <a:ln w="17145" cap="flat" cmpd="sng" algn="ctr">
+          <a:solidFill>
+            <a:schemeClr val="phClr">
+              <a:shade val="95000"/>
+              <a:alpha val="50000"/>
+              <a:satMod val="150000"/>
+            </a:schemeClr>
+          </a:solidFill>
+          <a:prstDash val="solid"/>
+        </a:ln>
+      </a:lnStyleLst>
+      <a:effectStyleLst>
+        <a:effectStyle>
+          <a:effectLst/>
+        </a:effectStyle>
+        <a:effectStyle>
+          <a:effectLst/>
+        </a:effectStyle>
+        <a:effectStyle>
+          <a:effectLst>
+            <a:outerShdw blurRad="44450" dist="13970" dir="5400000" algn="ctr" rotWithShape="0">
+              <a:srgbClr val="000000">
+                <a:alpha val="45000"/>
+              </a:srgbClr>
+            </a:outerShdw>
+          </a:effectLst>
+          <a:scene3d>
+            <a:camera prst="orthographicFront">
+              <a:rot lat="0" lon="0" rev="0"/>
+            </a:camera>
+            <a:lightRig rig="twoPt" dir="tl"/>
+          </a:scene3d>
+          <a:sp3d prstMaterial="flat">
+            <a:bevelT w="12700" h="25400" prst="coolSlant"/>
+          </a:sp3d>
+        </a:effectStyle>
+      </a:effectStyleLst>
+      <a:bgFillStyleLst>
+        <a:solidFill>
+          <a:schemeClr val="phClr"/>
+        </a:solidFill>
+        <a:solidFill>
+          <a:schemeClr val="phClr">
+            <a:tint val="95000"/>
+            <a:satMod val="170000"/>
+          </a:schemeClr>
+        </a:solidFill>
+        <a:gradFill rotWithShape="1">
+          <a:gsLst>
+            <a:gs pos="0">
+              <a:schemeClr val="phClr">
+                <a:tint val="93000"/>
+                <a:shade val="98000"/>
+                <a:satMod val="120000"/>
+                <a:lumMod val="102000"/>
+              </a:schemeClr>
+            </a:gs>
+            <a:gs pos="48000">
+              <a:schemeClr val="phClr">
+                <a:tint val="98000"/>
+                <a:shade val="90000"/>
+                <a:satMod val="110000"/>
+                <a:lumMod val="103000"/>
+              </a:schemeClr>
+            </a:gs>
+            <a:gs pos="100000">
+              <a:schemeClr val="phClr">
+                <a:tint val="98000"/>
+                <a:shade val="80000"/>
+                <a:satMod val="100000"/>
+              </a:schemeClr>
+            </a:gs>
+          </a:gsLst>
+          <a:lin ang="5400000" scaled="0"/>
+        </a:gradFill>
+      </a:bgFillStyleLst>
+    </a:fmtScheme>
+  </a:themeElements>
+  <a:objectDefaults/>
+  <a:extraClrSchemeLst/>
+  <a:extLst>
+    <a:ext uri="{05A4C25C-085E-4340-85A3-A5531E510DB2}">
+      <thm15:themeFamily xmlns:thm15="http://schemas.microsoft.com/office/thememl/2012/main" name="Frame" id="{F226E7A2-7162-461C-9490-D27D9DC04E43}" vid="{629A0216-3BBD-45C0-B63F-2683BEA18F60}"/>
+    </a:ext>
+  </a:extLst>
+</a:theme>
 </file>